--- a/SWE507-Project2/Project2-Lena.pptx
+++ b/SWE507-Project2/Project2-Lena.pptx
@@ -5,14 +5,15 @@
     <p:sldMasterId id="2147483714" r:id="rId1"/>
   </p:sldMasterIdLst>
   <p:notesMasterIdLst>
-    <p:notesMasterId r:id="rId7"/>
+    <p:notesMasterId r:id="rId8"/>
   </p:notesMasterIdLst>
   <p:sldIdLst>
     <p:sldId id="259" r:id="rId2"/>
     <p:sldId id="257" r:id="rId3"/>
     <p:sldId id="258" r:id="rId4"/>
-    <p:sldId id="261" r:id="rId5"/>
-    <p:sldId id="260" r:id="rId6"/>
+    <p:sldId id="262" r:id="rId5"/>
+    <p:sldId id="261" r:id="rId6"/>
+    <p:sldId id="260" r:id="rId7"/>
   </p:sldIdLst>
   <p:sldSz cx="12192000" cy="6858000"/>
   <p:notesSz cx="6858000" cy="9144000"/>
@@ -2048,7 +2049,7 @@
             </a:lvl1pPr>
           </a:lstStyle>
           <a:p>
-            <a:endParaRPr lang="tr-TR"/>
+            <a:endParaRPr lang="tr-TR" dirty="0"/>
           </a:p>
         </p:txBody>
       </p:sp>
@@ -2081,9 +2082,9 @@
           <a:p>
             <a:fld id="{A6A6DAFA-B29C-4D69-8320-55DB4F2C1632}" type="datetimeFigureOut">
               <a:rPr lang="tr-TR" smtClean="0"/>
-              <a:t>26.03.2025</a:t>
+              <a:t>28.03.2025</a:t>
             </a:fld>
-            <a:endParaRPr lang="tr-TR"/>
+            <a:endParaRPr lang="tr-TR" dirty="0"/>
           </a:p>
         </p:txBody>
       </p:sp>
@@ -2116,7 +2117,7 @@
           <a:bodyPr vert="horz" lIns="91440" tIns="45720" rIns="91440" bIns="45720" rtlCol="0" anchor="ctr"/>
           <a:lstStyle/>
           <a:p>
-            <a:endParaRPr lang="tr-TR"/>
+            <a:endParaRPr lang="tr-TR" dirty="0"/>
           </a:p>
         </p:txBody>
       </p:sp>
@@ -2207,7 +2208,7 @@
             </a:lvl1pPr>
           </a:lstStyle>
           <a:p>
-            <a:endParaRPr lang="tr-TR"/>
+            <a:endParaRPr lang="tr-TR" dirty="0"/>
           </a:p>
         </p:txBody>
       </p:sp>
@@ -2242,7 +2243,7 @@
               <a:rPr lang="tr-TR" smtClean="0"/>
               <a:t>‹#›</a:t>
             </a:fld>
-            <a:endParaRPr lang="tr-TR"/>
+            <a:endParaRPr lang="tr-TR" dirty="0"/>
           </a:p>
         </p:txBody>
       </p:sp>
@@ -2406,7 +2407,7 @@
           <a:noFill/>
           <a:extLst>
             <a:ext uri="{909E8E84-426E-40dd-AFC4-6F175D3DCCD1}">
-              <a14:hiddenFill xmlns:a14="http://schemas.microsoft.com/office/drawing/2010/main" xmlns="">
+              <a14:hiddenFill xmlns="" xmlns:a14="http://schemas.microsoft.com/office/drawing/2010/main">
                 <a:solidFill>
                   <a:srgbClr val="FFFFFF"/>
                 </a:solidFill>
@@ -2465,7 +2466,7 @@
             </a:ln>
             <a:extLst>
               <a:ext uri="{91240B29-F687-4f45-9708-019B960494DF}">
-                <a14:hiddenLine xmlns:a14="http://schemas.microsoft.com/office/drawing/2010/main" xmlns="" w="9525">
+                <a14:hiddenLine xmlns="" xmlns:a14="http://schemas.microsoft.com/office/drawing/2010/main" w="9525">
                   <a:solidFill>
                     <a:srgbClr val="000000"/>
                   </a:solidFill>
@@ -2555,7 +2556,7 @@
             </a:ln>
             <a:extLst>
               <a:ext uri="{91240B29-F687-4f45-9708-019B960494DF}">
-                <a14:hiddenLine xmlns:a14="http://schemas.microsoft.com/office/drawing/2010/main" xmlns="" w="9525">
+                <a14:hiddenLine xmlns="" xmlns:a14="http://schemas.microsoft.com/office/drawing/2010/main" w="9525">
                   <a:solidFill>
                     <a:srgbClr val="000000"/>
                   </a:solidFill>
@@ -2645,7 +2646,7 @@
             </a:ln>
             <a:extLst>
               <a:ext uri="{91240B29-F687-4f45-9708-019B960494DF}">
-                <a14:hiddenLine xmlns:a14="http://schemas.microsoft.com/office/drawing/2010/main" xmlns="" w="9525">
+                <a14:hiddenLine xmlns="" xmlns:a14="http://schemas.microsoft.com/office/drawing/2010/main" w="9525">
                   <a:solidFill>
                     <a:srgbClr val="000000"/>
                   </a:solidFill>
@@ -2679,7 +2680,7 @@
             </a:ln>
             <a:extLst>
               <a:ext uri="{91240B29-F687-4f45-9708-019B960494DF}">
-                <a14:hiddenLine xmlns:a14="http://schemas.microsoft.com/office/drawing/2010/main" xmlns="" w="9525">
+                <a14:hiddenLine xmlns="" xmlns:a14="http://schemas.microsoft.com/office/drawing/2010/main" w="9525">
                   <a:solidFill>
                     <a:srgbClr val="000000"/>
                   </a:solidFill>
@@ -2769,7 +2770,7 @@
             </a:ln>
             <a:extLst>
               <a:ext uri="{91240B29-F687-4f45-9708-019B960494DF}">
-                <a14:hiddenLine xmlns:a14="http://schemas.microsoft.com/office/drawing/2010/main" xmlns="" w="9525">
+                <a14:hiddenLine xmlns="" xmlns:a14="http://schemas.microsoft.com/office/drawing/2010/main" w="9525">
                   <a:solidFill>
                     <a:srgbClr val="000000"/>
                   </a:solidFill>
@@ -2831,7 +2832,7 @@
             </a:ln>
             <a:extLst>
               <a:ext uri="{91240B29-F687-4f45-9708-019B960494DF}">
-                <a14:hiddenLine xmlns:a14="http://schemas.microsoft.com/office/drawing/2010/main" xmlns="" w="9525">
+                <a14:hiddenLine xmlns="" xmlns:a14="http://schemas.microsoft.com/office/drawing/2010/main" w="9525">
                   <a:solidFill>
                     <a:srgbClr val="000000"/>
                   </a:solidFill>
@@ -2893,7 +2894,7 @@
             </a:ln>
             <a:extLst>
               <a:ext uri="{91240B29-F687-4f45-9708-019B960494DF}">
-                <a14:hiddenLine xmlns:a14="http://schemas.microsoft.com/office/drawing/2010/main" xmlns="" w="9525">
+                <a14:hiddenLine xmlns="" xmlns:a14="http://schemas.microsoft.com/office/drawing/2010/main" w="9525">
                   <a:solidFill>
                     <a:srgbClr val="000000"/>
                   </a:solidFill>
@@ -2983,7 +2984,7 @@
             </a:ln>
             <a:extLst>
               <a:ext uri="{91240B29-F687-4f45-9708-019B960494DF}">
-                <a14:hiddenLine xmlns:a14="http://schemas.microsoft.com/office/drawing/2010/main" xmlns="" w="9525">
+                <a14:hiddenLine xmlns="" xmlns:a14="http://schemas.microsoft.com/office/drawing/2010/main" w="9525">
                   <a:solidFill>
                     <a:srgbClr val="000000"/>
                   </a:solidFill>
@@ -3045,7 +3046,7 @@
             </a:ln>
             <a:extLst>
               <a:ext uri="{91240B29-F687-4f45-9708-019B960494DF}">
-                <a14:hiddenLine xmlns:a14="http://schemas.microsoft.com/office/drawing/2010/main" xmlns="" w="9525">
+                <a14:hiddenLine xmlns="" xmlns:a14="http://schemas.microsoft.com/office/drawing/2010/main" w="9525">
                   <a:solidFill>
                     <a:srgbClr val="000000"/>
                   </a:solidFill>
@@ -3107,7 +3108,7 @@
             </a:ln>
             <a:extLst>
               <a:ext uri="{91240B29-F687-4f45-9708-019B960494DF}">
-                <a14:hiddenLine xmlns:a14="http://schemas.microsoft.com/office/drawing/2010/main" xmlns="" w="9525">
+                <a14:hiddenLine xmlns="" xmlns:a14="http://schemas.microsoft.com/office/drawing/2010/main" w="9525">
                   <a:solidFill>
                     <a:srgbClr val="000000"/>
                   </a:solidFill>
@@ -3197,7 +3198,7 @@
             </a:ln>
             <a:extLst>
               <a:ext uri="{91240B29-F687-4f45-9708-019B960494DF}">
-                <a14:hiddenLine xmlns:a14="http://schemas.microsoft.com/office/drawing/2010/main" xmlns="" w="9525">
+                <a14:hiddenLine xmlns="" xmlns:a14="http://schemas.microsoft.com/office/drawing/2010/main" w="9525">
                   <a:solidFill>
                     <a:srgbClr val="000000"/>
                   </a:solidFill>
@@ -3287,7 +3288,7 @@
             </a:ln>
             <a:extLst>
               <a:ext uri="{91240B29-F687-4f45-9708-019B960494DF}">
-                <a14:hiddenLine xmlns:a14="http://schemas.microsoft.com/office/drawing/2010/main" xmlns="" w="9525">
+                <a14:hiddenLine xmlns="" xmlns:a14="http://schemas.microsoft.com/office/drawing/2010/main" w="9525">
                   <a:solidFill>
                     <a:srgbClr val="000000"/>
                   </a:solidFill>
@@ -3349,7 +3350,7 @@
             </a:ln>
             <a:extLst>
               <a:ext uri="{91240B29-F687-4f45-9708-019B960494DF}">
-                <a14:hiddenLine xmlns:a14="http://schemas.microsoft.com/office/drawing/2010/main" xmlns="" w="9525">
+                <a14:hiddenLine xmlns="" xmlns:a14="http://schemas.microsoft.com/office/drawing/2010/main" w="9525">
                   <a:solidFill>
                     <a:srgbClr val="000000"/>
                   </a:solidFill>
@@ -3459,7 +3460,7 @@
             </a:ln>
             <a:extLst>
               <a:ext uri="{91240B29-F687-4f45-9708-019B960494DF}">
-                <a14:hiddenLine xmlns:a14="http://schemas.microsoft.com/office/drawing/2010/main" xmlns="" w="9525">
+                <a14:hiddenLine xmlns="" xmlns:a14="http://schemas.microsoft.com/office/drawing/2010/main" w="9525">
                   <a:solidFill>
                     <a:srgbClr val="000000"/>
                   </a:solidFill>
@@ -3521,7 +3522,7 @@
             </a:ln>
             <a:extLst>
               <a:ext uri="{91240B29-F687-4f45-9708-019B960494DF}">
-                <a14:hiddenLine xmlns:a14="http://schemas.microsoft.com/office/drawing/2010/main" xmlns="" w="9525">
+                <a14:hiddenLine xmlns="" xmlns:a14="http://schemas.microsoft.com/office/drawing/2010/main" w="9525">
                   <a:solidFill>
                     <a:srgbClr val="000000"/>
                   </a:solidFill>
@@ -3611,7 +3612,7 @@
             </a:ln>
             <a:extLst>
               <a:ext uri="{91240B29-F687-4f45-9708-019B960494DF}">
-                <a14:hiddenLine xmlns:a14="http://schemas.microsoft.com/office/drawing/2010/main" xmlns="" w="9525">
+                <a14:hiddenLine xmlns="" xmlns:a14="http://schemas.microsoft.com/office/drawing/2010/main" w="9525">
                   <a:solidFill>
                     <a:srgbClr val="000000"/>
                   </a:solidFill>
@@ -3701,7 +3702,7 @@
             </a:ln>
             <a:extLst>
               <a:ext uri="{91240B29-F687-4f45-9708-019B960494DF}">
-                <a14:hiddenLine xmlns:a14="http://schemas.microsoft.com/office/drawing/2010/main" xmlns="" w="9525">
+                <a14:hiddenLine xmlns="" xmlns:a14="http://schemas.microsoft.com/office/drawing/2010/main" w="9525">
                   <a:solidFill>
                     <a:srgbClr val="000000"/>
                   </a:solidFill>
@@ -3763,7 +3764,7 @@
             </a:ln>
             <a:extLst>
               <a:ext uri="{91240B29-F687-4f45-9708-019B960494DF}">
-                <a14:hiddenLine xmlns:a14="http://schemas.microsoft.com/office/drawing/2010/main" xmlns="" w="9525">
+                <a14:hiddenLine xmlns="" xmlns:a14="http://schemas.microsoft.com/office/drawing/2010/main" w="9525">
                   <a:solidFill>
                     <a:srgbClr val="000000"/>
                   </a:solidFill>
@@ -3853,7 +3854,7 @@
             </a:ln>
             <a:extLst>
               <a:ext uri="{91240B29-F687-4f45-9708-019B960494DF}">
-                <a14:hiddenLine xmlns:a14="http://schemas.microsoft.com/office/drawing/2010/main" xmlns="" w="9525">
+                <a14:hiddenLine xmlns="" xmlns:a14="http://schemas.microsoft.com/office/drawing/2010/main" w="9525">
                   <a:solidFill>
                     <a:srgbClr val="000000"/>
                   </a:solidFill>
@@ -3943,7 +3944,7 @@
             </a:ln>
             <a:extLst>
               <a:ext uri="{91240B29-F687-4f45-9708-019B960494DF}">
-                <a14:hiddenLine xmlns:a14="http://schemas.microsoft.com/office/drawing/2010/main" xmlns="" w="9525">
+                <a14:hiddenLine xmlns="" xmlns:a14="http://schemas.microsoft.com/office/drawing/2010/main" w="9525">
                   <a:solidFill>
                     <a:srgbClr val="000000"/>
                   </a:solidFill>
@@ -3999,7 +4000,7 @@
             </a:ln>
             <a:extLst>
               <a:ext uri="{91240B29-F687-4f45-9708-019B960494DF}">
-                <a14:hiddenLine xmlns:a14="http://schemas.microsoft.com/office/drawing/2010/main" xmlns="" w="9525">
+                <a14:hiddenLine xmlns="" xmlns:a14="http://schemas.microsoft.com/office/drawing/2010/main" w="9525">
                   <a:solidFill>
                     <a:srgbClr val="000000"/>
                   </a:solidFill>
@@ -4089,7 +4090,7 @@
             </a:ln>
             <a:extLst>
               <a:ext uri="{91240B29-F687-4f45-9708-019B960494DF}">
-                <a14:hiddenLine xmlns:a14="http://schemas.microsoft.com/office/drawing/2010/main" xmlns="" w="9525">
+                <a14:hiddenLine xmlns="" xmlns:a14="http://schemas.microsoft.com/office/drawing/2010/main" w="9525">
                   <a:solidFill>
                     <a:srgbClr val="000000"/>
                   </a:solidFill>
@@ -4145,7 +4146,7 @@
             </a:ln>
             <a:extLst>
               <a:ext uri="{91240B29-F687-4f45-9708-019B960494DF}">
-                <a14:hiddenLine xmlns:a14="http://schemas.microsoft.com/office/drawing/2010/main" xmlns="" w="9525">
+                <a14:hiddenLine xmlns="" xmlns:a14="http://schemas.microsoft.com/office/drawing/2010/main" w="9525">
                   <a:solidFill>
                     <a:srgbClr val="000000"/>
                   </a:solidFill>
@@ -4235,7 +4236,7 @@
             </a:ln>
             <a:extLst>
               <a:ext uri="{91240B29-F687-4f45-9708-019B960494DF}">
-                <a14:hiddenLine xmlns:a14="http://schemas.microsoft.com/office/drawing/2010/main" xmlns="" w="9525">
+                <a14:hiddenLine xmlns="" xmlns:a14="http://schemas.microsoft.com/office/drawing/2010/main" w="9525">
                   <a:solidFill>
                     <a:srgbClr val="000000"/>
                   </a:solidFill>
@@ -4303,7 +4304,7 @@
             </a:ln>
             <a:extLst>
               <a:ext uri="{91240B29-F687-4f45-9708-019B960494DF}">
-                <a14:hiddenLine xmlns:a14="http://schemas.microsoft.com/office/drawing/2010/main" xmlns="" w="9525">
+                <a14:hiddenLine xmlns="" xmlns:a14="http://schemas.microsoft.com/office/drawing/2010/main" w="9525">
                   <a:solidFill>
                     <a:srgbClr val="000000"/>
                   </a:solidFill>
@@ -4393,7 +4394,7 @@
             </a:ln>
             <a:extLst>
               <a:ext uri="{91240B29-F687-4f45-9708-019B960494DF}">
-                <a14:hiddenLine xmlns:a14="http://schemas.microsoft.com/office/drawing/2010/main" xmlns="" w="9525">
+                <a14:hiddenLine xmlns="" xmlns:a14="http://schemas.microsoft.com/office/drawing/2010/main" w="9525">
                   <a:solidFill>
                     <a:srgbClr val="000000"/>
                   </a:solidFill>
@@ -4461,7 +4462,7 @@
             </a:ln>
             <a:extLst>
               <a:ext uri="{91240B29-F687-4f45-9708-019B960494DF}">
-                <a14:hiddenLine xmlns:a14="http://schemas.microsoft.com/office/drawing/2010/main" xmlns="" w="9525">
+                <a14:hiddenLine xmlns="" xmlns:a14="http://schemas.microsoft.com/office/drawing/2010/main" w="9525">
                   <a:solidFill>
                     <a:srgbClr val="000000"/>
                   </a:solidFill>
@@ -4551,7 +4552,7 @@
             </a:ln>
             <a:extLst>
               <a:ext uri="{91240B29-F687-4f45-9708-019B960494DF}">
-                <a14:hiddenLine xmlns:a14="http://schemas.microsoft.com/office/drawing/2010/main" xmlns="" w="9525">
+                <a14:hiddenLine xmlns="" xmlns:a14="http://schemas.microsoft.com/office/drawing/2010/main" w="9525">
                   <a:solidFill>
                     <a:srgbClr val="000000"/>
                   </a:solidFill>
@@ -4585,7 +4586,7 @@
             </a:ln>
             <a:extLst>
               <a:ext uri="{91240B29-F687-4f45-9708-019B960494DF}">
-                <a14:hiddenLine xmlns:a14="http://schemas.microsoft.com/office/drawing/2010/main" xmlns="" w="9525">
+                <a14:hiddenLine xmlns="" xmlns:a14="http://schemas.microsoft.com/office/drawing/2010/main" w="9525">
                   <a:solidFill>
                     <a:srgbClr val="000000"/>
                   </a:solidFill>
@@ -4675,7 +4676,7 @@
             </a:ln>
             <a:extLst>
               <a:ext uri="{91240B29-F687-4f45-9708-019B960494DF}">
-                <a14:hiddenLine xmlns:a14="http://schemas.microsoft.com/office/drawing/2010/main" xmlns="" w="9525">
+                <a14:hiddenLine xmlns="" xmlns:a14="http://schemas.microsoft.com/office/drawing/2010/main" w="9525">
                   <a:solidFill>
                     <a:srgbClr val="000000"/>
                   </a:solidFill>
@@ -4737,7 +4738,7 @@
             </a:ln>
             <a:extLst>
               <a:ext uri="{91240B29-F687-4f45-9708-019B960494DF}">
-                <a14:hiddenLine xmlns:a14="http://schemas.microsoft.com/office/drawing/2010/main" xmlns="" w="9525">
+                <a14:hiddenLine xmlns="" xmlns:a14="http://schemas.microsoft.com/office/drawing/2010/main" w="9525">
                   <a:solidFill>
                     <a:srgbClr val="000000"/>
                   </a:solidFill>
@@ -4799,7 +4800,7 @@
             </a:ln>
             <a:extLst>
               <a:ext uri="{91240B29-F687-4f45-9708-019B960494DF}">
-                <a14:hiddenLine xmlns:a14="http://schemas.microsoft.com/office/drawing/2010/main" xmlns="" w="9525">
+                <a14:hiddenLine xmlns="" xmlns:a14="http://schemas.microsoft.com/office/drawing/2010/main" w="9525">
                   <a:solidFill>
                     <a:srgbClr val="000000"/>
                   </a:solidFill>
@@ -4889,7 +4890,7 @@
             </a:ln>
             <a:extLst>
               <a:ext uri="{91240B29-F687-4f45-9708-019B960494DF}">
-                <a14:hiddenLine xmlns:a14="http://schemas.microsoft.com/office/drawing/2010/main" xmlns="" w="9525">
+                <a14:hiddenLine xmlns="" xmlns:a14="http://schemas.microsoft.com/office/drawing/2010/main" w="9525">
                   <a:solidFill>
                     <a:srgbClr val="000000"/>
                   </a:solidFill>
@@ -4957,7 +4958,7 @@
             </a:ln>
             <a:extLst>
               <a:ext uri="{91240B29-F687-4f45-9708-019B960494DF}">
-                <a14:hiddenLine xmlns:a14="http://schemas.microsoft.com/office/drawing/2010/main" xmlns="" w="9525">
+                <a14:hiddenLine xmlns="" xmlns:a14="http://schemas.microsoft.com/office/drawing/2010/main" w="9525">
                   <a:solidFill>
                     <a:srgbClr val="000000"/>
                   </a:solidFill>
@@ -5019,7 +5020,7 @@
             </a:ln>
             <a:extLst>
               <a:ext uri="{91240B29-F687-4f45-9708-019B960494DF}">
-                <a14:hiddenLine xmlns:a14="http://schemas.microsoft.com/office/drawing/2010/main" xmlns="" w="9525">
+                <a14:hiddenLine xmlns="" xmlns:a14="http://schemas.microsoft.com/office/drawing/2010/main" w="9525">
                   <a:solidFill>
                     <a:srgbClr val="000000"/>
                   </a:solidFill>
@@ -5109,7 +5110,7 @@
             </a:ln>
             <a:extLst>
               <a:ext uri="{91240B29-F687-4f45-9708-019B960494DF}">
-                <a14:hiddenLine xmlns:a14="http://schemas.microsoft.com/office/drawing/2010/main" xmlns="" w="9525">
+                <a14:hiddenLine xmlns="" xmlns:a14="http://schemas.microsoft.com/office/drawing/2010/main" w="9525">
                   <a:solidFill>
                     <a:srgbClr val="000000"/>
                   </a:solidFill>
@@ -5171,7 +5172,7 @@
             </a:ln>
             <a:extLst>
               <a:ext uri="{91240B29-F687-4f45-9708-019B960494DF}">
-                <a14:hiddenLine xmlns:a14="http://schemas.microsoft.com/office/drawing/2010/main" xmlns="" w="9525">
+                <a14:hiddenLine xmlns="" xmlns:a14="http://schemas.microsoft.com/office/drawing/2010/main" w="9525">
                   <a:solidFill>
                     <a:srgbClr val="000000"/>
                   </a:solidFill>
@@ -5261,7 +5262,7 @@
             </a:ln>
             <a:extLst>
               <a:ext uri="{91240B29-F687-4f45-9708-019B960494DF}">
-                <a14:hiddenLine xmlns:a14="http://schemas.microsoft.com/office/drawing/2010/main" xmlns="" w="9525">
+                <a14:hiddenLine xmlns="" xmlns:a14="http://schemas.microsoft.com/office/drawing/2010/main" w="9525">
                   <a:solidFill>
                     <a:srgbClr val="000000"/>
                   </a:solidFill>
@@ -5323,7 +5324,7 @@
             </a:ln>
             <a:extLst>
               <a:ext uri="{91240B29-F687-4f45-9708-019B960494DF}">
-                <a14:hiddenLine xmlns:a14="http://schemas.microsoft.com/office/drawing/2010/main" xmlns="" w="9525">
+                <a14:hiddenLine xmlns="" xmlns:a14="http://schemas.microsoft.com/office/drawing/2010/main" w="9525">
                   <a:solidFill>
                     <a:srgbClr val="000000"/>
                   </a:solidFill>
@@ -5413,7 +5414,7 @@
             </a:ln>
             <a:extLst>
               <a:ext uri="{91240B29-F687-4f45-9708-019B960494DF}">
-                <a14:hiddenLine xmlns:a14="http://schemas.microsoft.com/office/drawing/2010/main" xmlns="" w="9525">
+                <a14:hiddenLine xmlns="" xmlns:a14="http://schemas.microsoft.com/office/drawing/2010/main" w="9525">
                   <a:solidFill>
                     <a:srgbClr val="000000"/>
                   </a:solidFill>
@@ -5447,7 +5448,7 @@
             </a:ln>
             <a:extLst>
               <a:ext uri="{91240B29-F687-4f45-9708-019B960494DF}">
-                <a14:hiddenLine xmlns:a14="http://schemas.microsoft.com/office/drawing/2010/main" xmlns="" w="9525">
+                <a14:hiddenLine xmlns="" xmlns:a14="http://schemas.microsoft.com/office/drawing/2010/main" w="9525">
                   <a:solidFill>
                     <a:srgbClr val="000000"/>
                   </a:solidFill>
@@ -5512,7 +5513,7 @@
             </a:ln>
             <a:extLst>
               <a:ext uri="{91240B29-F687-4f45-9708-019B960494DF}">
-                <a14:hiddenLine xmlns:a14="http://schemas.microsoft.com/office/drawing/2010/main" xmlns="" w="9525">
+                <a14:hiddenLine xmlns="" xmlns:a14="http://schemas.microsoft.com/office/drawing/2010/main" w="9525">
                   <a:solidFill>
                     <a:srgbClr val="000000"/>
                   </a:solidFill>
@@ -5602,7 +5603,7 @@
             </a:ln>
             <a:extLst>
               <a:ext uri="{91240B29-F687-4f45-9708-019B960494DF}">
-                <a14:hiddenLine xmlns:a14="http://schemas.microsoft.com/office/drawing/2010/main" xmlns="" w="9525">
+                <a14:hiddenLine xmlns="" xmlns:a14="http://schemas.microsoft.com/office/drawing/2010/main" w="9525">
                   <a:solidFill>
                     <a:srgbClr val="000000"/>
                   </a:solidFill>
@@ -5664,7 +5665,7 @@
             </a:ln>
             <a:extLst>
               <a:ext uri="{91240B29-F687-4f45-9708-019B960494DF}">
-                <a14:hiddenLine xmlns:a14="http://schemas.microsoft.com/office/drawing/2010/main" xmlns="" w="9525">
+                <a14:hiddenLine xmlns="" xmlns:a14="http://schemas.microsoft.com/office/drawing/2010/main" w="9525">
                   <a:solidFill>
                     <a:srgbClr val="000000"/>
                   </a:solidFill>
@@ -5754,7 +5755,7 @@
             </a:ln>
             <a:extLst>
               <a:ext uri="{91240B29-F687-4f45-9708-019B960494DF}">
-                <a14:hiddenLine xmlns:a14="http://schemas.microsoft.com/office/drawing/2010/main" xmlns="" w="9525">
+                <a14:hiddenLine xmlns="" xmlns:a14="http://schemas.microsoft.com/office/drawing/2010/main" w="9525">
                   <a:solidFill>
                     <a:srgbClr val="000000"/>
                   </a:solidFill>
@@ -5844,7 +5845,7 @@
             </a:ln>
             <a:extLst>
               <a:ext uri="{91240B29-F687-4f45-9708-019B960494DF}">
-                <a14:hiddenLine xmlns:a14="http://schemas.microsoft.com/office/drawing/2010/main" xmlns="" w="9525">
+                <a14:hiddenLine xmlns="" xmlns:a14="http://schemas.microsoft.com/office/drawing/2010/main" w="9525">
                   <a:solidFill>
                     <a:srgbClr val="000000"/>
                   </a:solidFill>
@@ -5909,7 +5910,7 @@
             </a:ln>
             <a:extLst>
               <a:ext uri="{91240B29-F687-4f45-9708-019B960494DF}">
-                <a14:hiddenLine xmlns:a14="http://schemas.microsoft.com/office/drawing/2010/main" xmlns="" w="9525">
+                <a14:hiddenLine xmlns="" xmlns:a14="http://schemas.microsoft.com/office/drawing/2010/main" w="9525">
                   <a:solidFill>
                     <a:srgbClr val="000000"/>
                   </a:solidFill>
@@ -5971,7 +5972,7 @@
             </a:ln>
             <a:extLst>
               <a:ext uri="{91240B29-F687-4f45-9708-019B960494DF}">
-                <a14:hiddenLine xmlns:a14="http://schemas.microsoft.com/office/drawing/2010/main" xmlns="" w="9525">
+                <a14:hiddenLine xmlns="" xmlns:a14="http://schemas.microsoft.com/office/drawing/2010/main" w="9525">
                   <a:solidFill>
                     <a:srgbClr val="000000"/>
                   </a:solidFill>
@@ -6061,7 +6062,7 @@
             </a:ln>
             <a:extLst>
               <a:ext uri="{91240B29-F687-4f45-9708-019B960494DF}">
-                <a14:hiddenLine xmlns:a14="http://schemas.microsoft.com/office/drawing/2010/main" xmlns="" w="9525">
+                <a14:hiddenLine xmlns="" xmlns:a14="http://schemas.microsoft.com/office/drawing/2010/main" w="9525">
                   <a:solidFill>
                     <a:srgbClr val="000000"/>
                   </a:solidFill>
@@ -6151,7 +6152,7 @@
             </a:ln>
             <a:extLst>
               <a:ext uri="{91240B29-F687-4f45-9708-019B960494DF}">
-                <a14:hiddenLine xmlns:a14="http://schemas.microsoft.com/office/drawing/2010/main" xmlns="" w="9525">
+                <a14:hiddenLine xmlns="" xmlns:a14="http://schemas.microsoft.com/office/drawing/2010/main" w="9525">
                   <a:solidFill>
                     <a:srgbClr val="000000"/>
                   </a:solidFill>
@@ -6213,7 +6214,7 @@
             </a:ln>
             <a:extLst>
               <a:ext uri="{91240B29-F687-4f45-9708-019B960494DF}">
-                <a14:hiddenLine xmlns:a14="http://schemas.microsoft.com/office/drawing/2010/main" xmlns="" w="9525">
+                <a14:hiddenLine xmlns="" xmlns:a14="http://schemas.microsoft.com/office/drawing/2010/main" w="9525">
                   <a:solidFill>
                     <a:srgbClr val="000000"/>
                   </a:solidFill>
@@ -6333,7 +6334,7 @@
             </a:ln>
             <a:extLst>
               <a:ext uri="{91240B29-F687-4f45-9708-019B960494DF}">
-                <a14:hiddenLine xmlns:a14="http://schemas.microsoft.com/office/drawing/2010/main" xmlns="" w="9525">
+                <a14:hiddenLine xmlns="" xmlns:a14="http://schemas.microsoft.com/office/drawing/2010/main" w="9525">
                   <a:solidFill>
                     <a:srgbClr val="000000"/>
                   </a:solidFill>
@@ -6401,7 +6402,7 @@
             </a:ln>
             <a:extLst>
               <a:ext uri="{91240B29-F687-4f45-9708-019B960494DF}">
-                <a14:hiddenLine xmlns:a14="http://schemas.microsoft.com/office/drawing/2010/main" xmlns="" w="9525">
+                <a14:hiddenLine xmlns="" xmlns:a14="http://schemas.microsoft.com/office/drawing/2010/main" w="9525">
                   <a:solidFill>
                     <a:srgbClr val="000000"/>
                   </a:solidFill>
@@ -6491,7 +6492,7 @@
             </a:ln>
             <a:extLst>
               <a:ext uri="{91240B29-F687-4f45-9708-019B960494DF}">
-                <a14:hiddenLine xmlns:a14="http://schemas.microsoft.com/office/drawing/2010/main" xmlns="" w="9525">
+                <a14:hiddenLine xmlns="" xmlns:a14="http://schemas.microsoft.com/office/drawing/2010/main" w="9525">
                   <a:solidFill>
                     <a:srgbClr val="000000"/>
                   </a:solidFill>
@@ -6631,9 +6632,9 @@
           <a:p>
             <a:fld id="{23A2EE42-8222-486F-A514-5A23D68216E1}" type="datetimeFigureOut">
               <a:rPr lang="tr-TR" smtClean="0"/>
-              <a:t>26.03.2025</a:t>
+              <a:t>28.03.2025</a:t>
             </a:fld>
-            <a:endParaRPr lang="tr-TR"/>
+            <a:endParaRPr lang="tr-TR" dirty="0"/>
           </a:p>
         </p:txBody>
       </p:sp>
@@ -6657,7 +6658,7 @@
           <a:bodyPr/>
           <a:lstStyle/>
           <a:p>
-            <a:endParaRPr lang="tr-TR"/>
+            <a:endParaRPr lang="tr-TR" dirty="0"/>
           </a:p>
         </p:txBody>
       </p:sp>
@@ -6685,7 +6686,7 @@
               <a:rPr lang="tr-TR" smtClean="0"/>
               <a:t>‹#›</a:t>
             </a:fld>
-            <a:endParaRPr lang="tr-TR"/>
+            <a:endParaRPr lang="tr-TR" dirty="0"/>
           </a:p>
         </p:txBody>
       </p:sp>
@@ -6807,7 +6808,7 @@
               <a:buNone/>
             </a:pPr>
             <a:r>
-              <a:rPr lang="tr-TR" smtClean="0"/>
+              <a:rPr lang="tr-TR" dirty="0" smtClean="0"/>
               <a:t>Resim eklemek için simgeyi tıklatın</a:t>
             </a:r>
             <a:endParaRPr lang="en-US" dirty="0"/>
@@ -6898,9 +6899,9 @@
           <a:p>
             <a:fld id="{23A2EE42-8222-486F-A514-5A23D68216E1}" type="datetimeFigureOut">
               <a:rPr lang="tr-TR" smtClean="0"/>
-              <a:t>26.03.2025</a:t>
+              <a:t>28.03.2025</a:t>
             </a:fld>
-            <a:endParaRPr lang="tr-TR"/>
+            <a:endParaRPr lang="tr-TR" dirty="0"/>
           </a:p>
         </p:txBody>
       </p:sp>
@@ -6919,7 +6920,7 @@
           <a:bodyPr/>
           <a:lstStyle/>
           <a:p>
-            <a:endParaRPr lang="tr-TR"/>
+            <a:endParaRPr lang="tr-TR" dirty="0"/>
           </a:p>
         </p:txBody>
       </p:sp>
@@ -6942,7 +6943,7 @@
               <a:rPr lang="tr-TR" smtClean="0"/>
               <a:t>‹#›</a:t>
             </a:fld>
-            <a:endParaRPr lang="tr-TR"/>
+            <a:endParaRPr lang="tr-TR" dirty="0"/>
           </a:p>
         </p:txBody>
       </p:sp>
@@ -7094,9 +7095,9 @@
           <a:p>
             <a:fld id="{23A2EE42-8222-486F-A514-5A23D68216E1}" type="datetimeFigureOut">
               <a:rPr lang="tr-TR" smtClean="0"/>
-              <a:t>26.03.2025</a:t>
+              <a:t>28.03.2025</a:t>
             </a:fld>
-            <a:endParaRPr lang="tr-TR"/>
+            <a:endParaRPr lang="tr-TR" dirty="0"/>
           </a:p>
         </p:txBody>
       </p:sp>
@@ -7115,7 +7116,7 @@
           <a:bodyPr/>
           <a:lstStyle/>
           <a:p>
-            <a:endParaRPr lang="tr-TR"/>
+            <a:endParaRPr lang="tr-TR" dirty="0"/>
           </a:p>
         </p:txBody>
       </p:sp>
@@ -7138,7 +7139,7 @@
               <a:rPr lang="tr-TR" smtClean="0"/>
               <a:t>‹#›</a:t>
             </a:fld>
-            <a:endParaRPr lang="tr-TR"/>
+            <a:endParaRPr lang="tr-TR" dirty="0"/>
           </a:p>
         </p:txBody>
       </p:sp>
@@ -7357,9 +7358,9 @@
           <a:p>
             <a:fld id="{23A2EE42-8222-486F-A514-5A23D68216E1}" type="datetimeFigureOut">
               <a:rPr lang="tr-TR" smtClean="0"/>
-              <a:t>26.03.2025</a:t>
+              <a:t>28.03.2025</a:t>
             </a:fld>
-            <a:endParaRPr lang="tr-TR"/>
+            <a:endParaRPr lang="tr-TR" dirty="0"/>
           </a:p>
         </p:txBody>
       </p:sp>
@@ -7378,7 +7379,7 @@
           <a:bodyPr/>
           <a:lstStyle/>
           <a:p>
-            <a:endParaRPr lang="tr-TR"/>
+            <a:endParaRPr lang="tr-TR" dirty="0"/>
           </a:p>
         </p:txBody>
       </p:sp>
@@ -7401,7 +7402,7 @@
               <a:rPr lang="tr-TR" smtClean="0"/>
               <a:t>‹#›</a:t>
             </a:fld>
-            <a:endParaRPr lang="tr-TR"/>
+            <a:endParaRPr lang="tr-TR" dirty="0"/>
           </a:p>
         </p:txBody>
       </p:sp>
@@ -7791,9 +7792,9 @@
           <a:p>
             <a:fld id="{23A2EE42-8222-486F-A514-5A23D68216E1}" type="datetimeFigureOut">
               <a:rPr lang="tr-TR" smtClean="0"/>
-              <a:t>26.03.2025</a:t>
+              <a:t>28.03.2025</a:t>
             </a:fld>
-            <a:endParaRPr lang="tr-TR"/>
+            <a:endParaRPr lang="tr-TR" dirty="0"/>
           </a:p>
         </p:txBody>
       </p:sp>
@@ -7812,7 +7813,7 @@
           <a:bodyPr/>
           <a:lstStyle/>
           <a:p>
-            <a:endParaRPr lang="tr-TR"/>
+            <a:endParaRPr lang="tr-TR" dirty="0"/>
           </a:p>
         </p:txBody>
       </p:sp>
@@ -7835,7 +7836,7 @@
               <a:rPr lang="tr-TR" smtClean="0"/>
               <a:t>‹#›</a:t>
             </a:fld>
-            <a:endParaRPr lang="tr-TR"/>
+            <a:endParaRPr lang="tr-TR" dirty="0"/>
           </a:p>
         </p:txBody>
       </p:sp>
@@ -8337,9 +8338,9 @@
           <a:p>
             <a:fld id="{23A2EE42-8222-486F-A514-5A23D68216E1}" type="datetimeFigureOut">
               <a:rPr lang="tr-TR" smtClean="0"/>
-              <a:t>26.03.2025</a:t>
+              <a:t>28.03.2025</a:t>
             </a:fld>
-            <a:endParaRPr lang="tr-TR"/>
+            <a:endParaRPr lang="tr-TR" dirty="0"/>
           </a:p>
         </p:txBody>
       </p:sp>
@@ -8358,7 +8359,7 @@
           <a:bodyPr/>
           <a:lstStyle/>
           <a:p>
-            <a:endParaRPr lang="tr-TR"/>
+            <a:endParaRPr lang="tr-TR" dirty="0"/>
           </a:p>
         </p:txBody>
       </p:sp>
@@ -8381,7 +8382,7 @@
               <a:rPr lang="tr-TR" smtClean="0"/>
               <a:t>‹#›</a:t>
             </a:fld>
-            <a:endParaRPr lang="tr-TR"/>
+            <a:endParaRPr lang="tr-TR" dirty="0"/>
           </a:p>
         </p:txBody>
       </p:sp>
@@ -8568,7 +8569,7 @@
               <a:buNone/>
             </a:pPr>
             <a:r>
-              <a:rPr lang="tr-TR" smtClean="0"/>
+              <a:rPr lang="tr-TR" dirty="0" smtClean="0"/>
               <a:t>Resim eklemek için simgeyi tıklatın</a:t>
             </a:r>
             <a:endParaRPr lang="en-US" dirty="0"/>
@@ -8767,7 +8768,7 @@
               <a:buNone/>
             </a:pPr>
             <a:r>
-              <a:rPr lang="tr-TR" smtClean="0"/>
+              <a:rPr lang="tr-TR" dirty="0" smtClean="0"/>
               <a:t>Resim eklemek için simgeyi tıklatın</a:t>
             </a:r>
             <a:endParaRPr lang="en-US" dirty="0"/>
@@ -8966,7 +8967,7 @@
               <a:buNone/>
             </a:pPr>
             <a:r>
-              <a:rPr lang="tr-TR" smtClean="0"/>
+              <a:rPr lang="tr-TR" dirty="0" smtClean="0"/>
               <a:t>Resim eklemek için simgeyi tıklatın</a:t>
             </a:r>
             <a:endParaRPr lang="en-US" dirty="0"/>
@@ -9057,9 +9058,9 @@
           <a:p>
             <a:fld id="{23A2EE42-8222-486F-A514-5A23D68216E1}" type="datetimeFigureOut">
               <a:rPr lang="tr-TR" smtClean="0"/>
-              <a:t>26.03.2025</a:t>
+              <a:t>28.03.2025</a:t>
             </a:fld>
-            <a:endParaRPr lang="tr-TR"/>
+            <a:endParaRPr lang="tr-TR" dirty="0"/>
           </a:p>
         </p:txBody>
       </p:sp>
@@ -9078,7 +9079,7 @@
           <a:bodyPr/>
           <a:lstStyle/>
           <a:p>
-            <a:endParaRPr lang="tr-TR"/>
+            <a:endParaRPr lang="tr-TR" dirty="0"/>
           </a:p>
         </p:txBody>
       </p:sp>
@@ -9101,7 +9102,7 @@
               <a:rPr lang="tr-TR" smtClean="0"/>
               <a:t>‹#›</a:t>
             </a:fld>
-            <a:endParaRPr lang="tr-TR"/>
+            <a:endParaRPr lang="tr-TR" dirty="0"/>
           </a:p>
         </p:txBody>
       </p:sp>
@@ -9227,9 +9228,9 @@
           <a:p>
             <a:fld id="{23A2EE42-8222-486F-A514-5A23D68216E1}" type="datetimeFigureOut">
               <a:rPr lang="tr-TR" smtClean="0"/>
-              <a:t>26.03.2025</a:t>
+              <a:t>28.03.2025</a:t>
             </a:fld>
-            <a:endParaRPr lang="tr-TR"/>
+            <a:endParaRPr lang="tr-TR" dirty="0"/>
           </a:p>
         </p:txBody>
       </p:sp>
@@ -9248,7 +9249,7 @@
           <a:bodyPr/>
           <a:lstStyle/>
           <a:p>
-            <a:endParaRPr lang="tr-TR"/>
+            <a:endParaRPr lang="tr-TR" dirty="0"/>
           </a:p>
         </p:txBody>
       </p:sp>
@@ -9271,7 +9272,7 @@
               <a:rPr lang="tr-TR" smtClean="0"/>
               <a:t>‹#›</a:t>
             </a:fld>
-            <a:endParaRPr lang="tr-TR"/>
+            <a:endParaRPr lang="tr-TR" dirty="0"/>
           </a:p>
         </p:txBody>
       </p:sp>
@@ -9407,9 +9408,9 @@
           <a:p>
             <a:fld id="{23A2EE42-8222-486F-A514-5A23D68216E1}" type="datetimeFigureOut">
               <a:rPr lang="tr-TR" smtClean="0"/>
-              <a:t>26.03.2025</a:t>
+              <a:t>28.03.2025</a:t>
             </a:fld>
-            <a:endParaRPr lang="tr-TR"/>
+            <a:endParaRPr lang="tr-TR" dirty="0"/>
           </a:p>
         </p:txBody>
       </p:sp>
@@ -9428,7 +9429,7 @@
           <a:bodyPr/>
           <a:lstStyle/>
           <a:p>
-            <a:endParaRPr lang="tr-TR"/>
+            <a:endParaRPr lang="tr-TR" dirty="0"/>
           </a:p>
         </p:txBody>
       </p:sp>
@@ -9451,7 +9452,7 @@
               <a:rPr lang="tr-TR" smtClean="0"/>
               <a:t>‹#›</a:t>
             </a:fld>
-            <a:endParaRPr lang="tr-TR"/>
+            <a:endParaRPr lang="tr-TR" dirty="0"/>
           </a:p>
         </p:txBody>
       </p:sp>
@@ -9577,9 +9578,9 @@
           <a:p>
             <a:fld id="{23A2EE42-8222-486F-A514-5A23D68216E1}" type="datetimeFigureOut">
               <a:rPr lang="tr-TR" smtClean="0"/>
-              <a:t>26.03.2025</a:t>
+              <a:t>28.03.2025</a:t>
             </a:fld>
-            <a:endParaRPr lang="tr-TR"/>
+            <a:endParaRPr lang="tr-TR" dirty="0"/>
           </a:p>
         </p:txBody>
       </p:sp>
@@ -9598,7 +9599,7 @@
           <a:bodyPr/>
           <a:lstStyle/>
           <a:p>
-            <a:endParaRPr lang="tr-TR"/>
+            <a:endParaRPr lang="tr-TR" dirty="0"/>
           </a:p>
         </p:txBody>
       </p:sp>
@@ -9621,7 +9622,7 @@
               <a:rPr lang="tr-TR" smtClean="0"/>
               <a:t>‹#›</a:t>
             </a:fld>
-            <a:endParaRPr lang="tr-TR"/>
+            <a:endParaRPr lang="tr-TR" dirty="0"/>
           </a:p>
         </p:txBody>
       </p:sp>
@@ -9827,9 +9828,9 @@
           <a:p>
             <a:fld id="{23A2EE42-8222-486F-A514-5A23D68216E1}" type="datetimeFigureOut">
               <a:rPr lang="tr-TR" smtClean="0"/>
-              <a:t>26.03.2025</a:t>
+              <a:t>28.03.2025</a:t>
             </a:fld>
-            <a:endParaRPr lang="tr-TR"/>
+            <a:endParaRPr lang="tr-TR" dirty="0"/>
           </a:p>
         </p:txBody>
       </p:sp>
@@ -9848,7 +9849,7 @@
           <a:bodyPr/>
           <a:lstStyle/>
           <a:p>
-            <a:endParaRPr lang="tr-TR"/>
+            <a:endParaRPr lang="tr-TR" dirty="0"/>
           </a:p>
         </p:txBody>
       </p:sp>
@@ -9871,7 +9872,7 @@
               <a:rPr lang="tr-TR" smtClean="0"/>
               <a:t>‹#›</a:t>
             </a:fld>
-            <a:endParaRPr lang="tr-TR"/>
+            <a:endParaRPr lang="tr-TR" dirty="0"/>
           </a:p>
         </p:txBody>
       </p:sp>
@@ -10059,9 +10060,9 @@
           <a:p>
             <a:fld id="{23A2EE42-8222-486F-A514-5A23D68216E1}" type="datetimeFigureOut">
               <a:rPr lang="tr-TR" smtClean="0"/>
-              <a:t>26.03.2025</a:t>
+              <a:t>28.03.2025</a:t>
             </a:fld>
-            <a:endParaRPr lang="tr-TR"/>
+            <a:endParaRPr lang="tr-TR" dirty="0"/>
           </a:p>
         </p:txBody>
       </p:sp>
@@ -10080,7 +10081,7 @@
           <a:bodyPr/>
           <a:lstStyle/>
           <a:p>
-            <a:endParaRPr lang="tr-TR"/>
+            <a:endParaRPr lang="tr-TR" dirty="0"/>
           </a:p>
         </p:txBody>
       </p:sp>
@@ -10103,7 +10104,7 @@
               <a:rPr lang="tr-TR" smtClean="0"/>
               <a:t>‹#›</a:t>
             </a:fld>
-            <a:endParaRPr lang="tr-TR"/>
+            <a:endParaRPr lang="tr-TR" dirty="0"/>
           </a:p>
         </p:txBody>
       </p:sp>
@@ -10440,9 +10441,9 @@
           <a:p>
             <a:fld id="{23A2EE42-8222-486F-A514-5A23D68216E1}" type="datetimeFigureOut">
               <a:rPr lang="tr-TR" smtClean="0"/>
-              <a:t>26.03.2025</a:t>
+              <a:t>28.03.2025</a:t>
             </a:fld>
-            <a:endParaRPr lang="tr-TR"/>
+            <a:endParaRPr lang="tr-TR" dirty="0"/>
           </a:p>
         </p:txBody>
       </p:sp>
@@ -10461,7 +10462,7 @@
           <a:bodyPr/>
           <a:lstStyle/>
           <a:p>
-            <a:endParaRPr lang="tr-TR"/>
+            <a:endParaRPr lang="tr-TR" dirty="0"/>
           </a:p>
         </p:txBody>
       </p:sp>
@@ -10484,7 +10485,7 @@
               <a:rPr lang="tr-TR" smtClean="0"/>
               <a:t>‹#›</a:t>
             </a:fld>
-            <a:endParaRPr lang="tr-TR"/>
+            <a:endParaRPr lang="tr-TR" dirty="0"/>
           </a:p>
         </p:txBody>
       </p:sp>
@@ -10558,9 +10559,9 @@
           <a:p>
             <a:fld id="{23A2EE42-8222-486F-A514-5A23D68216E1}" type="datetimeFigureOut">
               <a:rPr lang="tr-TR" smtClean="0"/>
-              <a:t>26.03.2025</a:t>
+              <a:t>28.03.2025</a:t>
             </a:fld>
-            <a:endParaRPr lang="tr-TR"/>
+            <a:endParaRPr lang="tr-TR" dirty="0"/>
           </a:p>
         </p:txBody>
       </p:sp>
@@ -10579,7 +10580,7 @@
           <a:bodyPr/>
           <a:lstStyle/>
           <a:p>
-            <a:endParaRPr lang="tr-TR"/>
+            <a:endParaRPr lang="tr-TR" dirty="0"/>
           </a:p>
         </p:txBody>
       </p:sp>
@@ -10602,7 +10603,7 @@
               <a:rPr lang="tr-TR" smtClean="0"/>
               <a:t>‹#›</a:t>
             </a:fld>
-            <a:endParaRPr lang="tr-TR"/>
+            <a:endParaRPr lang="tr-TR" dirty="0"/>
           </a:p>
         </p:txBody>
       </p:sp>
@@ -10653,9 +10654,9 @@
           <a:p>
             <a:fld id="{23A2EE42-8222-486F-A514-5A23D68216E1}" type="datetimeFigureOut">
               <a:rPr lang="tr-TR" smtClean="0"/>
-              <a:t>26.03.2025</a:t>
+              <a:t>28.03.2025</a:t>
             </a:fld>
-            <a:endParaRPr lang="tr-TR"/>
+            <a:endParaRPr lang="tr-TR" dirty="0"/>
           </a:p>
         </p:txBody>
       </p:sp>
@@ -10674,7 +10675,7 @@
           <a:bodyPr/>
           <a:lstStyle/>
           <a:p>
-            <a:endParaRPr lang="tr-TR"/>
+            <a:endParaRPr lang="tr-TR" dirty="0"/>
           </a:p>
         </p:txBody>
       </p:sp>
@@ -10697,7 +10698,7 @@
               <a:rPr lang="tr-TR" smtClean="0"/>
               <a:t>‹#›</a:t>
             </a:fld>
-            <a:endParaRPr lang="tr-TR"/>
+            <a:endParaRPr lang="tr-TR" dirty="0"/>
           </a:p>
         </p:txBody>
       </p:sp>
@@ -10902,9 +10903,9 @@
           <a:p>
             <a:fld id="{23A2EE42-8222-486F-A514-5A23D68216E1}" type="datetimeFigureOut">
               <a:rPr lang="tr-TR" smtClean="0"/>
-              <a:t>26.03.2025</a:t>
+              <a:t>28.03.2025</a:t>
             </a:fld>
-            <a:endParaRPr lang="tr-TR"/>
+            <a:endParaRPr lang="tr-TR" dirty="0"/>
           </a:p>
         </p:txBody>
       </p:sp>
@@ -10923,7 +10924,7 @@
           <a:bodyPr/>
           <a:lstStyle/>
           <a:p>
-            <a:endParaRPr lang="tr-TR"/>
+            <a:endParaRPr lang="tr-TR" dirty="0"/>
           </a:p>
         </p:txBody>
       </p:sp>
@@ -10946,7 +10947,7 @@
               <a:rPr lang="tr-TR" smtClean="0"/>
               <a:t>‹#›</a:t>
             </a:fld>
-            <a:endParaRPr lang="tr-TR"/>
+            <a:endParaRPr lang="tr-TR" dirty="0"/>
           </a:p>
         </p:txBody>
       </p:sp>
@@ -11093,7 +11094,7 @@
           </a:lstStyle>
           <a:p>
             <a:r>
-              <a:rPr lang="tr-TR" smtClean="0"/>
+              <a:rPr lang="tr-TR" dirty="0" smtClean="0"/>
               <a:t>Resim eklemek için simgeyi tıklatın</a:t>
             </a:r>
             <a:endParaRPr lang="en-US" dirty="0"/>
@@ -11182,9 +11183,9 @@
           <a:p>
             <a:fld id="{23A2EE42-8222-486F-A514-5A23D68216E1}" type="datetimeFigureOut">
               <a:rPr lang="tr-TR" smtClean="0"/>
-              <a:t>26.03.2025</a:t>
+              <a:t>28.03.2025</a:t>
             </a:fld>
-            <a:endParaRPr lang="tr-TR"/>
+            <a:endParaRPr lang="tr-TR" dirty="0"/>
           </a:p>
         </p:txBody>
       </p:sp>
@@ -11203,7 +11204,7 @@
           <a:bodyPr/>
           <a:lstStyle/>
           <a:p>
-            <a:endParaRPr lang="tr-TR"/>
+            <a:endParaRPr lang="tr-TR" dirty="0"/>
           </a:p>
         </p:txBody>
       </p:sp>
@@ -11226,7 +11227,7 @@
               <a:rPr lang="tr-TR" smtClean="0"/>
               <a:t>‹#›</a:t>
             </a:fld>
-            <a:endParaRPr lang="tr-TR"/>
+            <a:endParaRPr lang="tr-TR" dirty="0"/>
           </a:p>
         </p:txBody>
       </p:sp>
@@ -11305,7 +11306,7 @@
           <a:noFill/>
           <a:extLst>
             <a:ext uri="{909E8E84-426E-40dd-AFC4-6F175D3DCCD1}">
-              <a14:hiddenFill xmlns:a14="http://schemas.microsoft.com/office/drawing/2010/main" xmlns="">
+              <a14:hiddenFill xmlns="" xmlns:a14="http://schemas.microsoft.com/office/drawing/2010/main">
                 <a:solidFill>
                   <a:srgbClr val="FFFFFF"/>
                 </a:solidFill>
@@ -11379,7 +11380,7 @@
               </a:ln>
               <a:extLst>
                 <a:ext uri="{91240B29-F687-4f45-9708-019B960494DF}">
-                  <a14:hiddenLine xmlns:a14="http://schemas.microsoft.com/office/drawing/2010/main" xmlns="" w="9525">
+                  <a14:hiddenLine xmlns="" xmlns:a14="http://schemas.microsoft.com/office/drawing/2010/main" w="9525">
                     <a:solidFill>
                       <a:srgbClr val="000000"/>
                     </a:solidFill>
@@ -11469,7 +11470,7 @@
               </a:ln>
               <a:extLst>
                 <a:ext uri="{91240B29-F687-4f45-9708-019B960494DF}">
-                  <a14:hiddenLine xmlns:a14="http://schemas.microsoft.com/office/drawing/2010/main" xmlns="" w="9525">
+                  <a14:hiddenLine xmlns="" xmlns:a14="http://schemas.microsoft.com/office/drawing/2010/main" w="9525">
                     <a:solidFill>
                       <a:srgbClr val="000000"/>
                     </a:solidFill>
@@ -11559,7 +11560,7 @@
               </a:ln>
               <a:extLst>
                 <a:ext uri="{91240B29-F687-4f45-9708-019B960494DF}">
-                  <a14:hiddenLine xmlns:a14="http://schemas.microsoft.com/office/drawing/2010/main" xmlns="" w="9525">
+                  <a14:hiddenLine xmlns="" xmlns:a14="http://schemas.microsoft.com/office/drawing/2010/main" w="9525">
                     <a:solidFill>
                       <a:srgbClr val="000000"/>
                     </a:solidFill>
@@ -11621,7 +11622,7 @@
               </a:ln>
               <a:extLst>
                 <a:ext uri="{91240B29-F687-4f45-9708-019B960494DF}">
-                  <a14:hiddenLine xmlns:a14="http://schemas.microsoft.com/office/drawing/2010/main" xmlns="" w="9525">
+                  <a14:hiddenLine xmlns="" xmlns:a14="http://schemas.microsoft.com/office/drawing/2010/main" w="9525">
                     <a:solidFill>
                       <a:srgbClr val="000000"/>
                     </a:solidFill>
@@ -11711,7 +11712,7 @@
               </a:ln>
               <a:extLst>
                 <a:ext uri="{91240B29-F687-4f45-9708-019B960494DF}">
-                  <a14:hiddenLine xmlns:a14="http://schemas.microsoft.com/office/drawing/2010/main" xmlns="" w="9525">
+                  <a14:hiddenLine xmlns="" xmlns:a14="http://schemas.microsoft.com/office/drawing/2010/main" w="9525">
                     <a:solidFill>
                       <a:srgbClr val="000000"/>
                     </a:solidFill>
@@ -11773,7 +11774,7 @@
               </a:ln>
               <a:extLst>
                 <a:ext uri="{91240B29-F687-4f45-9708-019B960494DF}">
-                  <a14:hiddenLine xmlns:a14="http://schemas.microsoft.com/office/drawing/2010/main" xmlns="" w="9525">
+                  <a14:hiddenLine xmlns="" xmlns:a14="http://schemas.microsoft.com/office/drawing/2010/main" w="9525">
                     <a:solidFill>
                       <a:srgbClr val="000000"/>
                     </a:solidFill>
@@ -11835,7 +11836,7 @@
               </a:ln>
               <a:extLst>
                 <a:ext uri="{91240B29-F687-4f45-9708-019B960494DF}">
-                  <a14:hiddenLine xmlns:a14="http://schemas.microsoft.com/office/drawing/2010/main" xmlns="" w="9525">
+                  <a14:hiddenLine xmlns="" xmlns:a14="http://schemas.microsoft.com/office/drawing/2010/main" w="9525">
                     <a:solidFill>
                       <a:srgbClr val="000000"/>
                     </a:solidFill>
@@ -11925,7 +11926,7 @@
               </a:ln>
               <a:extLst>
                 <a:ext uri="{91240B29-F687-4f45-9708-019B960494DF}">
-                  <a14:hiddenLine xmlns:a14="http://schemas.microsoft.com/office/drawing/2010/main" xmlns="" w="9525">
+                  <a14:hiddenLine xmlns="" xmlns:a14="http://schemas.microsoft.com/office/drawing/2010/main" w="9525">
                     <a:solidFill>
                       <a:srgbClr val="000000"/>
                     </a:solidFill>
@@ -12015,7 +12016,7 @@
               </a:ln>
               <a:extLst>
                 <a:ext uri="{91240B29-F687-4f45-9708-019B960494DF}">
-                  <a14:hiddenLine xmlns:a14="http://schemas.microsoft.com/office/drawing/2010/main" xmlns="" w="9525">
+                  <a14:hiddenLine xmlns="" xmlns:a14="http://schemas.microsoft.com/office/drawing/2010/main" w="9525">
                     <a:solidFill>
                       <a:srgbClr val="000000"/>
                     </a:solidFill>
@@ -12077,7 +12078,7 @@
               </a:ln>
               <a:extLst>
                 <a:ext uri="{91240B29-F687-4f45-9708-019B960494DF}">
-                  <a14:hiddenLine xmlns:a14="http://schemas.microsoft.com/office/drawing/2010/main" xmlns="" w="9525">
+                  <a14:hiddenLine xmlns="" xmlns:a14="http://schemas.microsoft.com/office/drawing/2010/main" w="9525">
                     <a:solidFill>
                       <a:srgbClr val="000000"/>
                     </a:solidFill>
@@ -12187,7 +12188,7 @@
               </a:ln>
               <a:extLst>
                 <a:ext uri="{91240B29-F687-4f45-9708-019B960494DF}">
-                  <a14:hiddenLine xmlns:a14="http://schemas.microsoft.com/office/drawing/2010/main" xmlns="" w="9525">
+                  <a14:hiddenLine xmlns="" xmlns:a14="http://schemas.microsoft.com/office/drawing/2010/main" w="9525">
                     <a:solidFill>
                       <a:srgbClr val="000000"/>
                     </a:solidFill>
@@ -12271,7 +12272,7 @@
               </a:ln>
               <a:extLst>
                 <a:ext uri="{91240B29-F687-4f45-9708-019B960494DF}">
-                  <a14:hiddenLine xmlns:a14="http://schemas.microsoft.com/office/drawing/2010/main" xmlns="" w="9525">
+                  <a14:hiddenLine xmlns="" xmlns:a14="http://schemas.microsoft.com/office/drawing/2010/main" w="9525">
                     <a:solidFill>
                       <a:srgbClr val="000000"/>
                     </a:solidFill>
@@ -12333,7 +12334,7 @@
               </a:ln>
               <a:extLst>
                 <a:ext uri="{91240B29-F687-4f45-9708-019B960494DF}">
-                  <a14:hiddenLine xmlns:a14="http://schemas.microsoft.com/office/drawing/2010/main" xmlns="" w="9525">
+                  <a14:hiddenLine xmlns="" xmlns:a14="http://schemas.microsoft.com/office/drawing/2010/main" w="9525">
                     <a:solidFill>
                       <a:srgbClr val="000000"/>
                     </a:solidFill>
@@ -12395,7 +12396,7 @@
               </a:ln>
               <a:extLst>
                 <a:ext uri="{91240B29-F687-4f45-9708-019B960494DF}">
-                  <a14:hiddenLine xmlns:a14="http://schemas.microsoft.com/office/drawing/2010/main" xmlns="" w="9525">
+                  <a14:hiddenLine xmlns="" xmlns:a14="http://schemas.microsoft.com/office/drawing/2010/main" w="9525">
                     <a:solidFill>
                       <a:srgbClr val="000000"/>
                     </a:solidFill>
@@ -12485,7 +12486,7 @@
               </a:ln>
               <a:extLst>
                 <a:ext uri="{91240B29-F687-4f45-9708-019B960494DF}">
-                  <a14:hiddenLine xmlns:a14="http://schemas.microsoft.com/office/drawing/2010/main" xmlns="" w="9525">
+                  <a14:hiddenLine xmlns="" xmlns:a14="http://schemas.microsoft.com/office/drawing/2010/main" w="9525">
                     <a:solidFill>
                       <a:srgbClr val="000000"/>
                     </a:solidFill>
@@ -12519,7 +12520,7 @@
               </a:ln>
               <a:extLst>
                 <a:ext uri="{91240B29-F687-4f45-9708-019B960494DF}">
-                  <a14:hiddenLine xmlns:a14="http://schemas.microsoft.com/office/drawing/2010/main" xmlns="" w="9525">
+                  <a14:hiddenLine xmlns="" xmlns:a14="http://schemas.microsoft.com/office/drawing/2010/main" w="9525">
                     <a:solidFill>
                       <a:srgbClr val="000000"/>
                     </a:solidFill>
@@ -12584,7 +12585,7 @@
               </a:ln>
               <a:extLst>
                 <a:ext uri="{91240B29-F687-4f45-9708-019B960494DF}">
-                  <a14:hiddenLine xmlns:a14="http://schemas.microsoft.com/office/drawing/2010/main" xmlns="" w="9525">
+                  <a14:hiddenLine xmlns="" xmlns:a14="http://schemas.microsoft.com/office/drawing/2010/main" w="9525">
                     <a:solidFill>
                       <a:srgbClr val="000000"/>
                     </a:solidFill>
@@ -12674,7 +12675,7 @@
               </a:ln>
               <a:extLst>
                 <a:ext uri="{91240B29-F687-4f45-9708-019B960494DF}">
-                  <a14:hiddenLine xmlns:a14="http://schemas.microsoft.com/office/drawing/2010/main" xmlns="" w="9525">
+                  <a14:hiddenLine xmlns="" xmlns:a14="http://schemas.microsoft.com/office/drawing/2010/main" w="9525">
                     <a:solidFill>
                       <a:srgbClr val="000000"/>
                     </a:solidFill>
@@ -12736,7 +12737,7 @@
               </a:ln>
               <a:extLst>
                 <a:ext uri="{91240B29-F687-4f45-9708-019B960494DF}">
-                  <a14:hiddenLine xmlns:a14="http://schemas.microsoft.com/office/drawing/2010/main" xmlns="" w="9525">
+                  <a14:hiddenLine xmlns="" xmlns:a14="http://schemas.microsoft.com/office/drawing/2010/main" w="9525">
                     <a:solidFill>
                       <a:srgbClr val="000000"/>
                     </a:solidFill>
@@ -12826,7 +12827,7 @@
               </a:ln>
               <a:extLst>
                 <a:ext uri="{91240B29-F687-4f45-9708-019B960494DF}">
-                  <a14:hiddenLine xmlns:a14="http://schemas.microsoft.com/office/drawing/2010/main" xmlns="" w="9525">
+                  <a14:hiddenLine xmlns="" xmlns:a14="http://schemas.microsoft.com/office/drawing/2010/main" w="9525">
                     <a:solidFill>
                       <a:srgbClr val="000000"/>
                     </a:solidFill>
@@ -12891,7 +12892,7 @@
               </a:ln>
               <a:extLst>
                 <a:ext uri="{91240B29-F687-4f45-9708-019B960494DF}">
-                  <a14:hiddenLine xmlns:a14="http://schemas.microsoft.com/office/drawing/2010/main" xmlns="" w="9525">
+                  <a14:hiddenLine xmlns="" xmlns:a14="http://schemas.microsoft.com/office/drawing/2010/main" w="9525">
                     <a:solidFill>
                       <a:srgbClr val="000000"/>
                     </a:solidFill>
@@ -12953,7 +12954,7 @@
               </a:ln>
               <a:extLst>
                 <a:ext uri="{91240B29-F687-4f45-9708-019B960494DF}">
-                  <a14:hiddenLine xmlns:a14="http://schemas.microsoft.com/office/drawing/2010/main" xmlns="" w="9525">
+                  <a14:hiddenLine xmlns="" xmlns:a14="http://schemas.microsoft.com/office/drawing/2010/main" w="9525">
                     <a:solidFill>
                       <a:srgbClr val="000000"/>
                     </a:solidFill>
@@ -13043,7 +13044,7 @@
               </a:ln>
               <a:extLst>
                 <a:ext uri="{91240B29-F687-4f45-9708-019B960494DF}">
-                  <a14:hiddenLine xmlns:a14="http://schemas.microsoft.com/office/drawing/2010/main" xmlns="" w="9525">
+                  <a14:hiddenLine xmlns="" xmlns:a14="http://schemas.microsoft.com/office/drawing/2010/main" w="9525">
                     <a:solidFill>
                       <a:srgbClr val="000000"/>
                     </a:solidFill>
@@ -13133,7 +13134,7 @@
               </a:ln>
               <a:extLst>
                 <a:ext uri="{91240B29-F687-4f45-9708-019B960494DF}">
-                  <a14:hiddenLine xmlns:a14="http://schemas.microsoft.com/office/drawing/2010/main" xmlns="" w="9525">
+                  <a14:hiddenLine xmlns="" xmlns:a14="http://schemas.microsoft.com/office/drawing/2010/main" w="9525">
                     <a:solidFill>
                       <a:srgbClr val="000000"/>
                     </a:solidFill>
@@ -13198,7 +13199,7 @@
               </a:ln>
               <a:extLst>
                 <a:ext uri="{91240B29-F687-4f45-9708-019B960494DF}">
-                  <a14:hiddenLine xmlns:a14="http://schemas.microsoft.com/office/drawing/2010/main" xmlns="" w="9525">
+                  <a14:hiddenLine xmlns="" xmlns:a14="http://schemas.microsoft.com/office/drawing/2010/main" w="9525">
                     <a:solidFill>
                       <a:srgbClr val="000000"/>
                     </a:solidFill>
@@ -13318,7 +13319,7 @@
               </a:ln>
               <a:extLst>
                 <a:ext uri="{91240B29-F687-4f45-9708-019B960494DF}">
-                  <a14:hiddenLine xmlns:a14="http://schemas.microsoft.com/office/drawing/2010/main" xmlns="" w="9525">
+                  <a14:hiddenLine xmlns="" xmlns:a14="http://schemas.microsoft.com/office/drawing/2010/main" w="9525">
                     <a:solidFill>
                       <a:srgbClr val="000000"/>
                     </a:solidFill>
@@ -13399,7 +13400,7 @@
               </a:ln>
               <a:extLst>
                 <a:ext uri="{91240B29-F687-4f45-9708-019B960494DF}">
-                  <a14:hiddenLine xmlns:a14="http://schemas.microsoft.com/office/drawing/2010/main" xmlns="" w="9525">
+                  <a14:hiddenLine xmlns="" xmlns:a14="http://schemas.microsoft.com/office/drawing/2010/main" w="9525">
                     <a:solidFill>
                       <a:srgbClr val="000000"/>
                     </a:solidFill>
@@ -13514,7 +13515,7 @@
               </a:ln>
               <a:extLst>
                 <a:ext uri="{91240B29-F687-4f45-9708-019B960494DF}">
-                  <a14:hiddenLine xmlns:a14="http://schemas.microsoft.com/office/drawing/2010/main" xmlns="" w="9525">
+                  <a14:hiddenLine xmlns="" xmlns:a14="http://schemas.microsoft.com/office/drawing/2010/main" w="9525">
                     <a:solidFill>
                       <a:srgbClr val="000000"/>
                     </a:solidFill>
@@ -13604,7 +13605,7 @@
               </a:ln>
               <a:extLst>
                 <a:ext uri="{91240B29-F687-4f45-9708-019B960494DF}">
-                  <a14:hiddenLine xmlns:a14="http://schemas.microsoft.com/office/drawing/2010/main" xmlns="" w="9525">
+                  <a14:hiddenLine xmlns="" xmlns:a14="http://schemas.microsoft.com/office/drawing/2010/main" w="9525">
                     <a:solidFill>
                       <a:srgbClr val="000000"/>
                     </a:solidFill>
@@ -13669,7 +13670,7 @@
               </a:ln>
               <a:extLst>
                 <a:ext uri="{91240B29-F687-4f45-9708-019B960494DF}">
-                  <a14:hiddenLine xmlns:a14="http://schemas.microsoft.com/office/drawing/2010/main" xmlns="" w="9525">
+                  <a14:hiddenLine xmlns="" xmlns:a14="http://schemas.microsoft.com/office/drawing/2010/main" w="9525">
                     <a:solidFill>
                       <a:srgbClr val="000000"/>
                     </a:solidFill>
@@ -13759,7 +13760,7 @@
               </a:ln>
               <a:extLst>
                 <a:ext uri="{91240B29-F687-4f45-9708-019B960494DF}">
-                  <a14:hiddenLine xmlns:a14="http://schemas.microsoft.com/office/drawing/2010/main" xmlns="" w="9525">
+                  <a14:hiddenLine xmlns="" xmlns:a14="http://schemas.microsoft.com/office/drawing/2010/main" w="9525">
                     <a:solidFill>
                       <a:srgbClr val="000000"/>
                     </a:solidFill>
@@ -13827,7 +13828,7 @@
               </a:ln>
               <a:extLst>
                 <a:ext uri="{91240B29-F687-4f45-9708-019B960494DF}">
-                  <a14:hiddenLine xmlns:a14="http://schemas.microsoft.com/office/drawing/2010/main" xmlns="" w="9525">
+                  <a14:hiddenLine xmlns="" xmlns:a14="http://schemas.microsoft.com/office/drawing/2010/main" w="9525">
                     <a:solidFill>
                       <a:srgbClr val="000000"/>
                     </a:solidFill>
@@ -13917,7 +13918,7 @@
               </a:ln>
               <a:extLst>
                 <a:ext uri="{91240B29-F687-4f45-9708-019B960494DF}">
-                  <a14:hiddenLine xmlns:a14="http://schemas.microsoft.com/office/drawing/2010/main" xmlns="" w="9525">
+                  <a14:hiddenLine xmlns="" xmlns:a14="http://schemas.microsoft.com/office/drawing/2010/main" w="9525">
                     <a:solidFill>
                       <a:srgbClr val="000000"/>
                     </a:solidFill>
@@ -13985,7 +13986,7 @@
               </a:ln>
               <a:extLst>
                 <a:ext uri="{91240B29-F687-4f45-9708-019B960494DF}">
-                  <a14:hiddenLine xmlns:a14="http://schemas.microsoft.com/office/drawing/2010/main" xmlns="" w="9525">
+                  <a14:hiddenLine xmlns="" xmlns:a14="http://schemas.microsoft.com/office/drawing/2010/main" w="9525">
                     <a:solidFill>
                       <a:srgbClr val="000000"/>
                     </a:solidFill>
@@ -14075,7 +14076,7 @@
               </a:ln>
               <a:extLst>
                 <a:ext uri="{91240B29-F687-4f45-9708-019B960494DF}">
-                  <a14:hiddenLine xmlns:a14="http://schemas.microsoft.com/office/drawing/2010/main" xmlns="" w="9525">
+                  <a14:hiddenLine xmlns="" xmlns:a14="http://schemas.microsoft.com/office/drawing/2010/main" w="9525">
                     <a:solidFill>
                       <a:srgbClr val="000000"/>
                     </a:solidFill>
@@ -14109,7 +14110,7 @@
               </a:ln>
               <a:extLst>
                 <a:ext uri="{91240B29-F687-4f45-9708-019B960494DF}">
-                  <a14:hiddenLine xmlns:a14="http://schemas.microsoft.com/office/drawing/2010/main" xmlns="" w="9525">
+                  <a14:hiddenLine xmlns="" xmlns:a14="http://schemas.microsoft.com/office/drawing/2010/main" w="9525">
                     <a:solidFill>
                       <a:srgbClr val="000000"/>
                     </a:solidFill>
@@ -14249,9 +14250,9 @@
           <a:p>
             <a:fld id="{23A2EE42-8222-486F-A514-5A23D68216E1}" type="datetimeFigureOut">
               <a:rPr lang="tr-TR" smtClean="0"/>
-              <a:t>26.03.2025</a:t>
+              <a:t>28.03.2025</a:t>
             </a:fld>
-            <a:endParaRPr lang="tr-TR"/>
+            <a:endParaRPr lang="tr-TR" dirty="0"/>
           </a:p>
         </p:txBody>
       </p:sp>
@@ -14288,7 +14289,7 @@
             </a:lvl1pPr>
           </a:lstStyle>
           <a:p>
-            <a:endParaRPr lang="tr-TR"/>
+            <a:endParaRPr lang="tr-TR" dirty="0"/>
           </a:p>
         </p:txBody>
       </p:sp>
@@ -14329,7 +14330,7 @@
               <a:rPr lang="tr-TR" smtClean="0"/>
               <a:t>‹#›</a:t>
             </a:fld>
-            <a:endParaRPr lang="tr-TR"/>
+            <a:endParaRPr lang="tr-TR" dirty="0"/>
           </a:p>
         </p:txBody>
       </p:sp>
@@ -14685,7 +14686,7 @@
           <a:lstStyle/>
           <a:p>
             <a:r>
-              <a:rPr lang="tr-TR" dirty="0" err="1" smtClean="0"/>
+              <a:rPr lang="tr-TR" dirty="0" smtClean="0"/>
               <a:t>Parellel</a:t>
             </a:r>
             <a:r>
@@ -14693,7 +14694,7 @@
               <a:t> </a:t>
             </a:r>
             <a:r>
-              <a:rPr lang="tr-TR" dirty="0" err="1" smtClean="0"/>
+              <a:rPr lang="tr-TR" dirty="0" smtClean="0"/>
               <a:t>programmıng</a:t>
             </a:r>
             <a:r>
@@ -14701,7 +14702,7 @@
               <a:t> test </a:t>
             </a:r>
             <a:r>
-              <a:rPr lang="tr-TR" dirty="0" err="1" smtClean="0"/>
+              <a:rPr lang="tr-TR" dirty="0" smtClean="0"/>
               <a:t>results</a:t>
             </a:r>
             <a:r>
@@ -14709,7 +14710,7 @@
               <a:t> - </a:t>
             </a:r>
             <a:r>
-              <a:rPr lang="tr-TR" dirty="0" err="1" smtClean="0">
+              <a:rPr lang="tr-TR" dirty="0" smtClean="0">
                 <a:solidFill>
                   <a:srgbClr val="FF0000"/>
                 </a:solidFill>
@@ -14725,7 +14726,7 @@
               <a:t> vs. </a:t>
             </a:r>
             <a:r>
-              <a:rPr lang="tr-TR" dirty="0" err="1" smtClean="0">
+              <a:rPr lang="tr-TR" dirty="0" smtClean="0">
                 <a:solidFill>
                   <a:srgbClr val="FF0000"/>
                 </a:solidFill>
@@ -14766,7 +14767,7 @@
               <a:t>-12 </a:t>
             </a:r>
             <a:r>
-              <a:rPr lang="tr-TR" dirty="0" err="1" smtClean="0"/>
+              <a:rPr lang="tr-TR" dirty="0" smtClean="0"/>
               <a:t>threads</a:t>
             </a:r>
             <a:r>
@@ -14774,7 +14775,7 @@
               <a:t> (</a:t>
             </a:r>
             <a:r>
-              <a:rPr lang="tr-TR" dirty="0" err="1" smtClean="0"/>
+              <a:rPr lang="tr-TR" dirty="0" smtClean="0"/>
               <a:t>hyper</a:t>
             </a:r>
             <a:r>
@@ -14782,7 +14783,7 @@
               <a:t> </a:t>
             </a:r>
             <a:r>
-              <a:rPr lang="tr-TR" dirty="0" err="1" smtClean="0"/>
+              <a:rPr lang="tr-TR" dirty="0" smtClean="0"/>
               <a:t>threadıng</a:t>
             </a:r>
             <a:r>
@@ -14803,6 +14804,13 @@
   <p:clrMapOvr>
     <a:masterClrMapping/>
   </p:clrMapOvr>
+  <p:timing>
+    <p:tnLst>
+      <p:par>
+        <p:cTn id="1" dur="indefinite" restart="never" nodeType="tmRoot"/>
+      </p:par>
+    </p:tnLst>
+  </p:timing>
 </p:sld>
 </file>
 
@@ -14865,7 +14873,7 @@
               <a:t>Box </a:t>
             </a:r>
             <a:r>
-              <a:rPr lang="tr-TR" dirty="0" err="1" smtClean="0"/>
+              <a:rPr lang="tr-TR" dirty="0" smtClean="0"/>
               <a:t>blur</a:t>
             </a:r>
             <a:r>
@@ -14873,7 +14881,7 @@
               <a:t> </a:t>
             </a:r>
             <a:r>
-              <a:rPr lang="tr-TR" dirty="0" err="1" smtClean="0"/>
+              <a:rPr lang="tr-TR" dirty="0" smtClean="0"/>
               <a:t>wıth</a:t>
             </a:r>
             <a:r>
@@ -14881,7 +14889,7 @@
               <a:t> </a:t>
             </a:r>
             <a:r>
-              <a:rPr lang="tr-TR" dirty="0" err="1" smtClean="0"/>
+              <a:rPr lang="tr-TR" dirty="0" smtClean="0"/>
               <a:t>kernel</a:t>
             </a:r>
             <a:r>
@@ -14889,7 +14897,7 @@
               <a:t> - </a:t>
             </a:r>
             <a:r>
-              <a:rPr lang="tr-TR" dirty="0" err="1" smtClean="0">
+              <a:rPr lang="tr-TR" dirty="0" smtClean="0">
                 <a:solidFill>
                   <a:srgbClr val="FF0000"/>
                 </a:solidFill>
@@ -14931,7 +14939,7 @@
               <a:buChar char="•"/>
             </a:pPr>
             <a:r>
-              <a:rPr lang="tr-TR" dirty="0" err="1" smtClean="0"/>
+              <a:rPr lang="tr-TR" dirty="0" smtClean="0"/>
               <a:t>Shared</a:t>
             </a:r>
             <a:r>
@@ -14939,7 +14947,7 @@
               <a:t> </a:t>
             </a:r>
             <a:r>
-              <a:rPr lang="tr-TR" dirty="0" err="1" smtClean="0"/>
+              <a:rPr lang="tr-TR" dirty="0" smtClean="0"/>
               <a:t>memory</a:t>
             </a:r>
             <a:r>
@@ -14947,7 +14955,7 @@
               <a:t> </a:t>
             </a:r>
             <a:r>
-              <a:rPr lang="tr-TR" dirty="0" err="1" smtClean="0"/>
+              <a:rPr lang="tr-TR" dirty="0" smtClean="0"/>
               <a:t>space</a:t>
             </a:r>
             <a:endParaRPr lang="tr-TR" dirty="0"/>
@@ -14958,7 +14966,7 @@
               <a:buChar char="•"/>
             </a:pPr>
             <a:r>
-              <a:rPr lang="tr-TR" dirty="0" err="1" smtClean="0"/>
+              <a:rPr lang="tr-TR" dirty="0" smtClean="0"/>
               <a:t>Sycronization</a:t>
             </a:r>
             <a:r>
@@ -14966,7 +14974,7 @@
               <a:t> </a:t>
             </a:r>
             <a:r>
-              <a:rPr lang="tr-TR" dirty="0" err="1" smtClean="0"/>
+              <a:rPr lang="tr-TR" dirty="0" smtClean="0"/>
               <a:t>issues</a:t>
             </a:r>
             <a:r>
@@ -14974,7 +14982,7 @@
               <a:t> on </a:t>
             </a:r>
             <a:r>
-              <a:rPr lang="tr-TR" dirty="0" err="1" smtClean="0"/>
+              <a:rPr lang="tr-TR" dirty="0" smtClean="0"/>
               <a:t>writing</a:t>
             </a:r>
             <a:r>
@@ -14982,7 +14990,7 @@
               <a:t> </a:t>
             </a:r>
             <a:r>
-              <a:rPr lang="tr-TR" dirty="0" err="1" smtClean="0"/>
+              <a:rPr lang="tr-TR" dirty="0" smtClean="0"/>
               <a:t>to</a:t>
             </a:r>
             <a:r>
@@ -14990,7 +14998,7 @@
               <a:t> </a:t>
             </a:r>
             <a:r>
-              <a:rPr lang="tr-TR" dirty="0" err="1" smtClean="0"/>
+              <a:rPr lang="tr-TR" dirty="0" smtClean="0"/>
               <a:t>same</a:t>
             </a:r>
             <a:r>
@@ -14998,7 +15006,7 @@
               <a:t> </a:t>
             </a:r>
             <a:r>
-              <a:rPr lang="tr-TR" dirty="0" err="1" smtClean="0"/>
+              <a:rPr lang="tr-TR" dirty="0" smtClean="0"/>
               <a:t>place</a:t>
             </a:r>
             <a:endParaRPr lang="tr-TR" dirty="0" smtClean="0"/>
@@ -15009,7 +15017,7 @@
               <a:buChar char="•"/>
             </a:pPr>
             <a:r>
-              <a:rPr lang="tr-TR" dirty="0" err="1" smtClean="0"/>
+              <a:rPr lang="tr-TR" dirty="0" smtClean="0"/>
               <a:t>We</a:t>
             </a:r>
             <a:r>
@@ -15017,7 +15025,7 @@
               <a:t> </a:t>
             </a:r>
             <a:r>
-              <a:rPr lang="tr-TR" dirty="0" err="1" smtClean="0"/>
+              <a:rPr lang="tr-TR" dirty="0" smtClean="0"/>
               <a:t>need</a:t>
             </a:r>
             <a:r>
@@ -15025,7 +15033,7 @@
               <a:t> </a:t>
             </a:r>
             <a:r>
-              <a:rPr lang="tr-TR" dirty="0" err="1" smtClean="0"/>
+              <a:rPr lang="tr-TR" dirty="0" smtClean="0"/>
               <a:t>to</a:t>
             </a:r>
             <a:r>
@@ -15033,7 +15041,7 @@
               <a:t> </a:t>
             </a:r>
             <a:r>
-              <a:rPr lang="tr-TR" dirty="0" err="1" smtClean="0"/>
+              <a:rPr lang="tr-TR" dirty="0" smtClean="0"/>
               <a:t>consider</a:t>
             </a:r>
             <a:r>
@@ -15041,7 +15049,7 @@
               <a:t> </a:t>
             </a:r>
             <a:r>
-              <a:rPr lang="tr-TR" dirty="0" err="1" smtClean="0"/>
+              <a:rPr lang="tr-TR" dirty="0" smtClean="0"/>
               <a:t>core</a:t>
             </a:r>
             <a:r>
@@ -15079,7 +15087,7 @@
               <a:t>%50 </a:t>
             </a:r>
             <a:r>
-              <a:rPr lang="tr-TR" dirty="0" err="1" smtClean="0"/>
+              <a:rPr lang="tr-TR" dirty="0" smtClean="0"/>
               <a:t>faster</a:t>
             </a:r>
             <a:endParaRPr lang="tr-TR" dirty="0"/>
@@ -15143,7 +15151,7 @@
               <a:t>Box </a:t>
             </a:r>
             <a:r>
-              <a:rPr lang="tr-TR" dirty="0" err="1"/>
+              <a:rPr lang="tr-TR" dirty="0"/>
               <a:t>blur</a:t>
             </a:r>
             <a:r>
@@ -15151,7 +15159,7 @@
               <a:t> </a:t>
             </a:r>
             <a:r>
-              <a:rPr lang="tr-TR" dirty="0" err="1"/>
+              <a:rPr lang="tr-TR" dirty="0"/>
               <a:t>wıth</a:t>
             </a:r>
             <a:r>
@@ -15159,7 +15167,7 @@
               <a:t> </a:t>
             </a:r>
             <a:r>
-              <a:rPr lang="tr-TR" dirty="0" err="1" smtClean="0"/>
+              <a:rPr lang="tr-TR" dirty="0" smtClean="0"/>
               <a:t>kernel</a:t>
             </a:r>
             <a:r>
@@ -15167,7 +15175,7 @@
               <a:t> - </a:t>
             </a:r>
             <a:r>
-              <a:rPr lang="tr-TR" dirty="0" err="1" smtClean="0">
+              <a:rPr lang="tr-TR" dirty="0" smtClean="0">
                 <a:solidFill>
                   <a:srgbClr val="FF0000"/>
                 </a:solidFill>
@@ -15231,7 +15239,7 @@
               <a:buChar char="•"/>
             </a:pPr>
             <a:r>
-              <a:rPr lang="tr-TR" dirty="0" err="1" smtClean="0"/>
+              <a:rPr lang="tr-TR" dirty="0" smtClean="0"/>
               <a:t>Distrubuted</a:t>
             </a:r>
             <a:r>
@@ -15239,7 +15247,7 @@
               <a:t> </a:t>
             </a:r>
             <a:r>
-              <a:rPr lang="tr-TR" dirty="0" err="1" smtClean="0"/>
+              <a:rPr lang="tr-TR" dirty="0" smtClean="0"/>
               <a:t>memory</a:t>
             </a:r>
             <a:endParaRPr lang="tr-TR" dirty="0" smtClean="0"/>
@@ -15250,7 +15258,7 @@
               <a:buChar char="•"/>
             </a:pPr>
             <a:r>
-              <a:rPr lang="tr-TR" dirty="0" err="1" smtClean="0"/>
+              <a:rPr lang="tr-TR" dirty="0" smtClean="0"/>
               <a:t>Communication</a:t>
             </a:r>
             <a:r>
@@ -15258,7 +15266,7 @@
               <a:t> </a:t>
             </a:r>
             <a:r>
-              <a:rPr lang="tr-TR" dirty="0" err="1" smtClean="0"/>
+              <a:rPr lang="tr-TR" dirty="0" smtClean="0"/>
               <a:t>cost</a:t>
             </a:r>
             <a:endParaRPr lang="tr-TR" dirty="0" smtClean="0"/>
@@ -15269,7 +15277,7 @@
               <a:buChar char="•"/>
             </a:pPr>
             <a:r>
-              <a:rPr lang="tr-TR" dirty="0" err="1" smtClean="0"/>
+              <a:rPr lang="tr-TR" dirty="0" smtClean="0"/>
               <a:t>Higher</a:t>
             </a:r>
             <a:r>
@@ -15277,7 +15285,7 @@
               <a:t> </a:t>
             </a:r>
             <a:r>
-              <a:rPr lang="tr-TR" dirty="0" err="1" smtClean="0"/>
+              <a:rPr lang="tr-TR" dirty="0" smtClean="0"/>
               <a:t>memory</a:t>
             </a:r>
             <a:r>
@@ -15285,7 +15293,7 @@
               <a:t> </a:t>
             </a:r>
             <a:r>
-              <a:rPr lang="tr-TR" dirty="0" err="1" smtClean="0"/>
+              <a:rPr lang="tr-TR" dirty="0" smtClean="0"/>
               <a:t>cost</a:t>
             </a:r>
             <a:endParaRPr lang="tr-TR" dirty="0"/>
@@ -15319,7 +15327,7 @@
               <a:t>%78 </a:t>
             </a:r>
             <a:r>
-              <a:rPr lang="tr-TR" dirty="0" err="1" smtClean="0"/>
+              <a:rPr lang="tr-TR" dirty="0" smtClean="0"/>
               <a:t>faster</a:t>
             </a:r>
             <a:endParaRPr lang="tr-TR" dirty="0"/>
@@ -15336,10 +15344,114 @@
   <p:clrMapOvr>
     <a:masterClrMapping/>
   </p:clrMapOvr>
+  <p:timing>
+    <p:tnLst>
+      <p:par>
+        <p:cTn id="1" dur="indefinite" restart="never" nodeType="tmRoot"/>
+      </p:par>
+    </p:tnLst>
+  </p:timing>
 </p:sld>
 </file>
 
 <file path=ppt/slides/slide4.xml><?xml version="1.0" encoding="utf-8"?>
+<p:sld xmlns:a="http://schemas.openxmlformats.org/drawingml/2006/main" xmlns:r="http://schemas.openxmlformats.org/officeDocument/2006/relationships" xmlns:p="http://schemas.openxmlformats.org/presentationml/2006/main">
+  <p:cSld>
+    <p:spTree>
+      <p:nvGrpSpPr>
+        <p:cNvPr id="1" name=""/>
+        <p:cNvGrpSpPr/>
+        <p:nvPr/>
+      </p:nvGrpSpPr>
+      <p:grpSpPr>
+        <a:xfrm>
+          <a:off x="0" y="0"/>
+          <a:ext cx="0" cy="0"/>
+          <a:chOff x="0" y="0"/>
+          <a:chExt cx="0" cy="0"/>
+        </a:xfrm>
+      </p:grpSpPr>
+      <p:pic>
+        <p:nvPicPr>
+          <p:cNvPr id="3" name="Resim 2"/>
+          <p:cNvPicPr>
+            <a:picLocks noChangeAspect="1"/>
+          </p:cNvPicPr>
+          <p:nvPr/>
+        </p:nvPicPr>
+        <p:blipFill>
+          <a:blip r:embed="rId2">
+            <a:extLst>
+              <a:ext uri="{28A0092B-C50C-407E-A947-70E740481C1C}">
+                <a14:useLocalDpi xmlns:a14="http://schemas.microsoft.com/office/drawing/2010/main" val="0"/>
+              </a:ext>
+            </a:extLst>
+          </a:blip>
+          <a:stretch>
+            <a:fillRect/>
+          </a:stretch>
+        </p:blipFill>
+        <p:spPr>
+          <a:xfrm>
+            <a:off x="2540000" y="1955072"/>
+            <a:ext cx="2955636" cy="2947856"/>
+          </a:xfrm>
+          <a:prstGeom prst="rect">
+            <a:avLst/>
+          </a:prstGeom>
+        </p:spPr>
+      </p:pic>
+      <p:pic>
+        <p:nvPicPr>
+          <p:cNvPr id="4" name="Resim 3"/>
+          <p:cNvPicPr>
+            <a:picLocks noChangeAspect="1"/>
+          </p:cNvPicPr>
+          <p:nvPr/>
+        </p:nvPicPr>
+        <p:blipFill>
+          <a:blip r:embed="rId3">
+            <a:extLst>
+              <a:ext uri="{28A0092B-C50C-407E-A947-70E740481C1C}">
+                <a14:useLocalDpi xmlns:a14="http://schemas.microsoft.com/office/drawing/2010/main" val="0"/>
+              </a:ext>
+            </a:extLst>
+          </a:blip>
+          <a:stretch>
+            <a:fillRect/>
+          </a:stretch>
+        </p:blipFill>
+        <p:spPr>
+          <a:xfrm>
+            <a:off x="6547428" y="1955072"/>
+            <a:ext cx="2947856" cy="2947856"/>
+          </a:xfrm>
+          <a:prstGeom prst="rect">
+            <a:avLst/>
+          </a:prstGeom>
+        </p:spPr>
+      </p:pic>
+    </p:spTree>
+    <p:extLst>
+      <p:ext uri="{BB962C8B-B14F-4D97-AF65-F5344CB8AC3E}">
+        <p14:creationId xmlns:p14="http://schemas.microsoft.com/office/powerpoint/2010/main" val="2906703524"/>
+      </p:ext>
+    </p:extLst>
+  </p:cSld>
+  <p:clrMapOvr>
+    <a:masterClrMapping/>
+  </p:clrMapOvr>
+  <p:timing>
+    <p:tnLst>
+      <p:par>
+        <p:cTn id="1" dur="indefinite" restart="never" nodeType="tmRoot"/>
+      </p:par>
+    </p:tnLst>
+  </p:timing>
+</p:sld>
+</file>
+
+<file path=ppt/slides/slide5.xml><?xml version="1.0" encoding="utf-8"?>
 <p:sld xmlns:a="http://schemas.openxmlformats.org/drawingml/2006/main" xmlns:r="http://schemas.openxmlformats.org/officeDocument/2006/relationships" xmlns:p="http://schemas.openxmlformats.org/presentationml/2006/main">
   <p:cSld>
     <p:spTree>
@@ -15372,7 +15484,7 @@
           <a:lstStyle/>
           <a:p>
             <a:r>
-              <a:rPr lang="tr-TR" dirty="0" err="1"/>
+              <a:rPr lang="tr-TR" dirty="0"/>
               <a:t>Summary</a:t>
             </a:r>
             <a:r>
@@ -15380,7 +15492,7 @@
               <a:t> of </a:t>
             </a:r>
             <a:r>
-              <a:rPr lang="tr-TR" dirty="0" err="1"/>
+              <a:rPr lang="tr-TR" dirty="0"/>
               <a:t>Key</a:t>
             </a:r>
             <a:r>
@@ -15388,7 +15500,7 @@
               <a:t> </a:t>
             </a:r>
             <a:r>
-              <a:rPr lang="tr-TR" dirty="0" err="1" smtClean="0"/>
+              <a:rPr lang="tr-TR" dirty="0" smtClean="0"/>
               <a:t>Dıfferences</a:t>
             </a:r>
             <a:endParaRPr lang="tr-TR" dirty="0"/>
@@ -15416,7 +15528,7 @@
           <a:lstStyle/>
           <a:p>
             <a:r>
-              <a:rPr lang="tr-TR" dirty="0" err="1" smtClean="0"/>
+              <a:rPr lang="tr-TR" dirty="0" smtClean="0"/>
               <a:t>thread</a:t>
             </a:r>
             <a:endParaRPr lang="tr-TR" dirty="0"/>
@@ -15495,7 +15607,7 @@
               <a:t>overhead can still limit performance, but in </a:t>
             </a:r>
             <a:r>
-              <a:rPr lang="tr-TR" dirty="0" err="1" smtClean="0"/>
+              <a:rPr lang="tr-TR" dirty="0" smtClean="0"/>
               <a:t>this</a:t>
             </a:r>
             <a:r>
@@ -15507,7 +15619,7 @@
               <a:t>case, the speedup remains consistent with increasing </a:t>
             </a:r>
             <a:r>
-              <a:rPr lang="tr-TR" dirty="0" err="1" smtClean="0"/>
+              <a:rPr lang="tr-TR" dirty="0" smtClean="0"/>
               <a:t>clusters</a:t>
             </a:r>
             <a:r>
@@ -15539,7 +15651,7 @@
           <a:lstStyle/>
           <a:p>
             <a:r>
-              <a:rPr lang="tr-TR" dirty="0" err="1" smtClean="0"/>
+              <a:rPr lang="tr-TR" dirty="0" smtClean="0"/>
               <a:t>mpı</a:t>
             </a:r>
             <a:endParaRPr lang="tr-TR" dirty="0"/>
@@ -15616,10 +15728,25 @@
   <p:clrMapOvr>
     <a:masterClrMapping/>
   </p:clrMapOvr>
+  <mc:AlternateContent xmlns:mc="http://schemas.openxmlformats.org/markup-compatibility/2006">
+    <mc:Choice xmlns:p14="http://schemas.microsoft.com/office/powerpoint/2010/main" Requires="p14">
+      <p:transition spd="slow" p14:dur="2000"/>
+    </mc:Choice>
+    <mc:Fallback>
+      <p:transition spd="slow"/>
+    </mc:Fallback>
+  </mc:AlternateContent>
+  <p:timing>
+    <p:tnLst>
+      <p:par>
+        <p:cTn id="1" dur="indefinite" restart="never" nodeType="tmRoot"/>
+      </p:par>
+    </p:tnLst>
+  </p:timing>
 </p:sld>
 </file>
 
-<file path=ppt/slides/slide5.xml><?xml version="1.0" encoding="utf-8"?>
+<file path=ppt/slides/slide6.xml><?xml version="1.0" encoding="utf-8"?>
 <p:sld xmlns:a="http://schemas.openxmlformats.org/drawingml/2006/main" xmlns:r="http://schemas.openxmlformats.org/officeDocument/2006/relationships" xmlns:p="http://schemas.openxmlformats.org/presentationml/2006/main">
   <p:cSld>
     <p:spTree>
@@ -15652,7 +15779,7 @@
           <a:lstStyle/>
           <a:p>
             <a:r>
-              <a:rPr lang="tr-TR" dirty="0" err="1" smtClean="0"/>
+              <a:rPr lang="tr-TR" dirty="0" smtClean="0"/>
               <a:t>Conclusıons</a:t>
             </a:r>
             <a:endParaRPr lang="tr-TR" dirty="0"/>

--- a/SWE507-Project2/Project2-Lena.pptx
+++ b/SWE507-Project2/Project2-Lena.pptx
@@ -5,15 +5,16 @@
     <p:sldMasterId id="2147483714" r:id="rId1"/>
   </p:sldMasterIdLst>
   <p:notesMasterIdLst>
-    <p:notesMasterId r:id="rId8"/>
+    <p:notesMasterId r:id="rId9"/>
   </p:notesMasterIdLst>
   <p:sldIdLst>
     <p:sldId id="259" r:id="rId2"/>
     <p:sldId id="257" r:id="rId3"/>
     <p:sldId id="258" r:id="rId4"/>
-    <p:sldId id="262" r:id="rId5"/>
-    <p:sldId id="261" r:id="rId6"/>
-    <p:sldId id="260" r:id="rId7"/>
+    <p:sldId id="263" r:id="rId5"/>
+    <p:sldId id="262" r:id="rId6"/>
+    <p:sldId id="261" r:id="rId7"/>
+    <p:sldId id="260" r:id="rId8"/>
   </p:sldIdLst>
   <p:sldSz cx="12192000" cy="6858000"/>
   <p:notesSz cx="6858000" cy="9144000"/>
@@ -914,6 +915,403 @@
 </c:chartSpace>
 </file>
 
+<file path=ppt/charts/chart3.xml><?xml version="1.0" encoding="utf-8"?>
+<c:chartSpace xmlns:c="http://schemas.openxmlformats.org/drawingml/2006/chart" xmlns:a="http://schemas.openxmlformats.org/drawingml/2006/main" xmlns:r="http://schemas.openxmlformats.org/officeDocument/2006/relationships" xmlns:c16r2="http://schemas.microsoft.com/office/drawing/2015/06/chart">
+  <c:date1904 val="0"/>
+  <c:lang val="tr-TR"/>
+  <c:roundedCorners val="0"/>
+  <mc:AlternateContent xmlns:mc="http://schemas.openxmlformats.org/markup-compatibility/2006">
+    <mc:Choice xmlns:c14="http://schemas.microsoft.com/office/drawing/2007/8/2/chart" Requires="c14">
+      <c14:style val="102"/>
+    </mc:Choice>
+    <mc:Fallback>
+      <c:style val="2"/>
+    </mc:Fallback>
+  </mc:AlternateContent>
+  <c:chart>
+    <c:title>
+      <c:layout/>
+      <c:overlay val="0"/>
+      <c:spPr>
+        <a:noFill/>
+        <a:ln>
+          <a:noFill/>
+        </a:ln>
+        <a:effectLst/>
+      </c:spPr>
+      <c:txPr>
+        <a:bodyPr rot="0" spcFirstLastPara="1" vertOverflow="ellipsis" vert="horz" wrap="square" anchor="ctr" anchorCtr="1"/>
+        <a:lstStyle/>
+        <a:p>
+          <a:pPr>
+            <a:defRPr sz="1862" b="0" i="0" u="none" strike="noStrike" kern="1200" spc="0" baseline="0">
+              <a:solidFill>
+                <a:schemeClr val="tx1">
+                  <a:lumMod val="65000"/>
+                  <a:lumOff val="35000"/>
+                </a:schemeClr>
+              </a:solidFill>
+              <a:latin typeface="+mn-lt"/>
+              <a:ea typeface="+mn-ea"/>
+              <a:cs typeface="+mn-cs"/>
+            </a:defRPr>
+          </a:pPr>
+          <a:endParaRPr lang="tr-TR"/>
+        </a:p>
+      </c:txPr>
+    </c:title>
+    <c:autoTitleDeleted val="0"/>
+    <c:plotArea>
+      <c:layout/>
+      <c:lineChart>
+        <c:grouping val="standard"/>
+        <c:varyColors val="0"/>
+        <c:ser>
+          <c:idx val="0"/>
+          <c:order val="0"/>
+          <c:tx>
+            <c:strRef>
+              <c:f>Sayfa1!$B$1</c:f>
+              <c:strCache>
+                <c:ptCount val="1"/>
+                <c:pt idx="0">
+                  <c:v>Speed</c:v>
+                </c:pt>
+              </c:strCache>
+            </c:strRef>
+          </c:tx>
+          <c:spPr>
+            <a:ln w="28575" cap="rnd">
+              <a:solidFill>
+                <a:schemeClr val="accent1"/>
+              </a:solidFill>
+              <a:round/>
+            </a:ln>
+            <a:effectLst/>
+          </c:spPr>
+          <c:marker>
+            <c:symbol val="circle"/>
+            <c:size val="5"/>
+            <c:spPr>
+              <a:solidFill>
+                <a:schemeClr val="accent1"/>
+              </a:solidFill>
+              <a:ln w="9525">
+                <a:solidFill>
+                  <a:schemeClr val="accent1"/>
+                </a:solidFill>
+              </a:ln>
+              <a:effectLst/>
+            </c:spPr>
+          </c:marker>
+          <c:dLbls>
+            <c:spPr>
+              <a:noFill/>
+              <a:ln>
+                <a:noFill/>
+              </a:ln>
+              <a:effectLst/>
+            </c:spPr>
+            <c:txPr>
+              <a:bodyPr rot="0" spcFirstLastPara="1" vertOverflow="ellipsis" vert="horz" wrap="square" lIns="38100" tIns="19050" rIns="38100" bIns="19050" anchor="ctr" anchorCtr="1">
+                <a:spAutoFit/>
+              </a:bodyPr>
+              <a:lstStyle/>
+              <a:p>
+                <a:pPr>
+                  <a:defRPr sz="1197" b="0" i="0" u="none" strike="noStrike" kern="1200" baseline="0">
+                    <a:solidFill>
+                      <a:schemeClr val="tx1">
+                        <a:lumMod val="75000"/>
+                        <a:lumOff val="25000"/>
+                      </a:schemeClr>
+                    </a:solidFill>
+                    <a:latin typeface="+mn-lt"/>
+                    <a:ea typeface="+mn-ea"/>
+                    <a:cs typeface="+mn-cs"/>
+                  </a:defRPr>
+                </a:pPr>
+                <a:endParaRPr lang="tr-TR"/>
+              </a:p>
+            </c:txPr>
+            <c:dLblPos val="t"/>
+            <c:showLegendKey val="0"/>
+            <c:showVal val="1"/>
+            <c:showCatName val="0"/>
+            <c:showSerName val="0"/>
+            <c:showPercent val="0"/>
+            <c:showBubbleSize val="0"/>
+            <c:showLeaderLines val="0"/>
+            <c:extLst>
+              <c:ext xmlns:c15="http://schemas.microsoft.com/office/drawing/2012/chart" uri="{CE6537A1-D6FC-4f65-9D91-7224C49458BB}">
+                <c15:layout/>
+                <c15:showLeaderLines val="1"/>
+                <c15:leaderLines>
+                  <c:spPr>
+                    <a:ln w="9525" cap="flat" cmpd="sng" algn="ctr">
+                      <a:solidFill>
+                        <a:schemeClr val="tx1">
+                          <a:lumMod val="35000"/>
+                          <a:lumOff val="65000"/>
+                        </a:schemeClr>
+                      </a:solidFill>
+                      <a:round/>
+                    </a:ln>
+                    <a:effectLst/>
+                  </c:spPr>
+                </c15:leaderLines>
+              </c:ext>
+            </c:extLst>
+          </c:dLbls>
+          <c:cat>
+            <c:strRef>
+              <c:f>Sayfa1!$A$2:$A$6</c:f>
+              <c:strCache>
+                <c:ptCount val="5"/>
+                <c:pt idx="0">
+                  <c:v>1 Cluster</c:v>
+                </c:pt>
+                <c:pt idx="1">
+                  <c:v>3 Cluster</c:v>
+                </c:pt>
+                <c:pt idx="2">
+                  <c:v>6 Cluster</c:v>
+                </c:pt>
+                <c:pt idx="3">
+                  <c:v>9 Cluster</c:v>
+                </c:pt>
+                <c:pt idx="4">
+                  <c:v>12 Cluster</c:v>
+                </c:pt>
+              </c:strCache>
+            </c:strRef>
+          </c:cat>
+          <c:val>
+            <c:numRef>
+              <c:f>Sayfa1!$B$2:$B$6</c:f>
+              <c:numCache>
+                <c:formatCode>General</c:formatCode>
+                <c:ptCount val="5"/>
+                <c:pt idx="0">
+                  <c:v>5.1799999999999997E-3</c:v>
+                </c:pt>
+                <c:pt idx="1">
+                  <c:v>2.0040000000000001E-3</c:v>
+                </c:pt>
+                <c:pt idx="2">
+                  <c:v>9.9700000000000006E-4</c:v>
+                </c:pt>
+                <c:pt idx="3">
+                  <c:v>9.990000000000001E-4</c:v>
+                </c:pt>
+                <c:pt idx="4">
+                  <c:v>1.1900000000000001E-3</c:v>
+                </c:pt>
+              </c:numCache>
+            </c:numRef>
+          </c:val>
+          <c:smooth val="0"/>
+          <c:extLst>
+            <c:ext xmlns:c16="http://schemas.microsoft.com/office/drawing/2014/chart" uri="{C3380CC4-5D6E-409C-BE32-E72D297353CC}">
+              <c16:uniqueId val="{00000000-BE84-4813-8D76-0ED51209B4CE}"/>
+            </c:ext>
+          </c:extLst>
+        </c:ser>
+        <c:dLbls>
+          <c:dLblPos val="t"/>
+          <c:showLegendKey val="0"/>
+          <c:showVal val="1"/>
+          <c:showCatName val="0"/>
+          <c:showSerName val="0"/>
+          <c:showPercent val="0"/>
+          <c:showBubbleSize val="0"/>
+        </c:dLbls>
+        <c:marker val="1"/>
+        <c:smooth val="0"/>
+        <c:axId val="281154543"/>
+        <c:axId val="281161199"/>
+      </c:lineChart>
+      <c:catAx>
+        <c:axId val="281154543"/>
+        <c:scaling>
+          <c:orientation val="minMax"/>
+        </c:scaling>
+        <c:delete val="0"/>
+        <c:axPos val="b"/>
+        <c:numFmt formatCode="General" sourceLinked="1"/>
+        <c:majorTickMark val="none"/>
+        <c:minorTickMark val="none"/>
+        <c:tickLblPos val="nextTo"/>
+        <c:spPr>
+          <a:noFill/>
+          <a:ln w="9525" cap="flat" cmpd="sng" algn="ctr">
+            <a:solidFill>
+              <a:schemeClr val="tx1">
+                <a:lumMod val="15000"/>
+                <a:lumOff val="85000"/>
+              </a:schemeClr>
+            </a:solidFill>
+            <a:round/>
+          </a:ln>
+          <a:effectLst/>
+        </c:spPr>
+        <c:txPr>
+          <a:bodyPr rot="-60000000" spcFirstLastPara="1" vertOverflow="ellipsis" vert="horz" wrap="square" anchor="ctr" anchorCtr="1"/>
+          <a:lstStyle/>
+          <a:p>
+            <a:pPr>
+              <a:defRPr sz="1197" b="0" i="0" u="none" strike="noStrike" kern="1200" baseline="0">
+                <a:solidFill>
+                  <a:schemeClr val="tx1">
+                    <a:lumMod val="65000"/>
+                    <a:lumOff val="35000"/>
+                  </a:schemeClr>
+                </a:solidFill>
+                <a:latin typeface="+mn-lt"/>
+                <a:ea typeface="+mn-ea"/>
+                <a:cs typeface="+mn-cs"/>
+              </a:defRPr>
+            </a:pPr>
+            <a:endParaRPr lang="tr-TR"/>
+          </a:p>
+        </c:txPr>
+        <c:crossAx val="281161199"/>
+        <c:crosses val="autoZero"/>
+        <c:auto val="1"/>
+        <c:lblAlgn val="ctr"/>
+        <c:lblOffset val="100"/>
+        <c:noMultiLvlLbl val="0"/>
+      </c:catAx>
+      <c:valAx>
+        <c:axId val="281161199"/>
+        <c:scaling>
+          <c:orientation val="minMax"/>
+        </c:scaling>
+        <c:delete val="0"/>
+        <c:axPos val="l"/>
+        <c:majorGridlines>
+          <c:spPr>
+            <a:ln w="9525" cap="flat" cmpd="sng" algn="ctr">
+              <a:solidFill>
+                <a:schemeClr val="tx1">
+                  <a:lumMod val="15000"/>
+                  <a:lumOff val="85000"/>
+                </a:schemeClr>
+              </a:solidFill>
+              <a:round/>
+            </a:ln>
+            <a:effectLst/>
+          </c:spPr>
+        </c:majorGridlines>
+        <c:numFmt formatCode="General" sourceLinked="1"/>
+        <c:majorTickMark val="none"/>
+        <c:minorTickMark val="none"/>
+        <c:tickLblPos val="nextTo"/>
+        <c:spPr>
+          <a:noFill/>
+          <a:ln>
+            <a:noFill/>
+          </a:ln>
+          <a:effectLst/>
+        </c:spPr>
+        <c:txPr>
+          <a:bodyPr rot="-60000000" spcFirstLastPara="1" vertOverflow="ellipsis" vert="horz" wrap="square" anchor="ctr" anchorCtr="1"/>
+          <a:lstStyle/>
+          <a:p>
+            <a:pPr>
+              <a:defRPr sz="1197" b="0" i="0" u="none" strike="noStrike" kern="1200" baseline="0">
+                <a:solidFill>
+                  <a:schemeClr val="tx1">
+                    <a:lumMod val="65000"/>
+                    <a:lumOff val="35000"/>
+                  </a:schemeClr>
+                </a:solidFill>
+                <a:latin typeface="+mn-lt"/>
+                <a:ea typeface="+mn-ea"/>
+                <a:cs typeface="+mn-cs"/>
+              </a:defRPr>
+            </a:pPr>
+            <a:endParaRPr lang="tr-TR"/>
+          </a:p>
+        </c:txPr>
+        <c:crossAx val="281154543"/>
+        <c:crosses val="autoZero"/>
+        <c:crossBetween val="between"/>
+      </c:valAx>
+      <c:dTable>
+        <c:showHorzBorder val="1"/>
+        <c:showVertBorder val="1"/>
+        <c:showOutline val="1"/>
+        <c:showKeys val="1"/>
+        <c:spPr>
+          <a:noFill/>
+          <a:ln w="9525" cap="flat" cmpd="sng" algn="ctr">
+            <a:solidFill>
+              <a:schemeClr val="tx1">
+                <a:lumMod val="15000"/>
+                <a:lumOff val="85000"/>
+              </a:schemeClr>
+            </a:solidFill>
+            <a:round/>
+          </a:ln>
+          <a:effectLst/>
+        </c:spPr>
+        <c:txPr>
+          <a:bodyPr rot="0" spcFirstLastPara="1" vertOverflow="ellipsis" vert="horz" wrap="square" anchor="ctr" anchorCtr="1"/>
+          <a:lstStyle/>
+          <a:p>
+            <a:pPr rtl="0">
+              <a:defRPr sz="1197" b="0" i="0" u="none" strike="noStrike" kern="1200" baseline="0">
+                <a:solidFill>
+                  <a:schemeClr val="tx1">
+                    <a:lumMod val="65000"/>
+                    <a:lumOff val="35000"/>
+                  </a:schemeClr>
+                </a:solidFill>
+                <a:latin typeface="+mn-lt"/>
+                <a:ea typeface="+mn-ea"/>
+                <a:cs typeface="+mn-cs"/>
+              </a:defRPr>
+            </a:pPr>
+            <a:endParaRPr lang="tr-TR"/>
+          </a:p>
+        </c:txPr>
+      </c:dTable>
+      <c:spPr>
+        <a:noFill/>
+        <a:ln>
+          <a:noFill/>
+        </a:ln>
+        <a:effectLst/>
+      </c:spPr>
+    </c:plotArea>
+    <c:plotVisOnly val="1"/>
+    <c:dispBlanksAs val="gap"/>
+    <c:showDLblsOverMax val="0"/>
+  </c:chart>
+  <c:spPr>
+    <a:noFill/>
+    <a:ln>
+      <a:noFill/>
+    </a:ln>
+    <a:effectLst/>
+  </c:spPr>
+  <c:txPr>
+    <a:bodyPr/>
+    <a:lstStyle/>
+    <a:p>
+      <a:pPr>
+        <a:defRPr/>
+      </a:pPr>
+      <a:endParaRPr lang="tr-TR"/>
+    </a:p>
+  </c:txPr>
+  <c:externalData r:id="rId3">
+    <c:autoUpdate val="0"/>
+  </c:externalData>
+</c:chartSpace>
+</file>
+
 <file path=ppt/charts/colors1.xml><?xml version="1.0" encoding="utf-8"?>
 <cs:colorStyle xmlns:cs="http://schemas.microsoft.com/office/drawing/2012/chartStyle" xmlns:a="http://schemas.openxmlformats.org/drawingml/2006/main" meth="cycle" id="10">
   <a:schemeClr val="accent1"/>
@@ -955,6 +1353,46 @@
 </file>
 
 <file path=ppt/charts/colors2.xml><?xml version="1.0" encoding="utf-8"?>
+<cs:colorStyle xmlns:cs="http://schemas.microsoft.com/office/drawing/2012/chartStyle" xmlns:a="http://schemas.openxmlformats.org/drawingml/2006/main" meth="cycle" id="10">
+  <a:schemeClr val="accent1"/>
+  <a:schemeClr val="accent2"/>
+  <a:schemeClr val="accent3"/>
+  <a:schemeClr val="accent4"/>
+  <a:schemeClr val="accent5"/>
+  <a:schemeClr val="accent6"/>
+  <cs:variation/>
+  <cs:variation>
+    <a:lumMod val="60000"/>
+  </cs:variation>
+  <cs:variation>
+    <a:lumMod val="80000"/>
+    <a:lumOff val="20000"/>
+  </cs:variation>
+  <cs:variation>
+    <a:lumMod val="80000"/>
+  </cs:variation>
+  <cs:variation>
+    <a:lumMod val="60000"/>
+    <a:lumOff val="40000"/>
+  </cs:variation>
+  <cs:variation>
+    <a:lumMod val="50000"/>
+  </cs:variation>
+  <cs:variation>
+    <a:lumMod val="70000"/>
+    <a:lumOff val="30000"/>
+  </cs:variation>
+  <cs:variation>
+    <a:lumMod val="70000"/>
+  </cs:variation>
+  <cs:variation>
+    <a:lumMod val="50000"/>
+    <a:lumOff val="50000"/>
+  </cs:variation>
+</cs:colorStyle>
+</file>
+
+<file path=ppt/charts/colors3.xml><?xml version="1.0" encoding="utf-8"?>
 <cs:colorStyle xmlns:cs="http://schemas.microsoft.com/office/drawing/2012/chartStyle" xmlns:a="http://schemas.openxmlformats.org/drawingml/2006/main" meth="cycle" id="10">
   <a:schemeClr val="accent1"/>
   <a:schemeClr val="accent2"/>
@@ -2000,6 +2438,509 @@
 </cs:chartStyle>
 </file>
 
+<file path=ppt/charts/style3.xml><?xml version="1.0" encoding="utf-8"?>
+<cs:chartStyle xmlns:cs="http://schemas.microsoft.com/office/drawing/2012/chartStyle" xmlns:a="http://schemas.openxmlformats.org/drawingml/2006/main" id="332">
+  <cs:axisTitle>
+    <cs:lnRef idx="0"/>
+    <cs:fillRef idx="0"/>
+    <cs:effectRef idx="0"/>
+    <cs:fontRef idx="minor">
+      <a:schemeClr val="tx1">
+        <a:lumMod val="65000"/>
+        <a:lumOff val="35000"/>
+      </a:schemeClr>
+    </cs:fontRef>
+    <cs:defRPr sz="1330" kern="1200"/>
+  </cs:axisTitle>
+  <cs:categoryAxis>
+    <cs:lnRef idx="0"/>
+    <cs:fillRef idx="0"/>
+    <cs:effectRef idx="0"/>
+    <cs:fontRef idx="minor">
+      <a:schemeClr val="tx1">
+        <a:lumMod val="65000"/>
+        <a:lumOff val="35000"/>
+      </a:schemeClr>
+    </cs:fontRef>
+    <cs:spPr>
+      <a:ln w="9525" cap="flat" cmpd="sng" algn="ctr">
+        <a:solidFill>
+          <a:schemeClr val="tx1">
+            <a:lumMod val="15000"/>
+            <a:lumOff val="85000"/>
+          </a:schemeClr>
+        </a:solidFill>
+        <a:round/>
+      </a:ln>
+    </cs:spPr>
+    <cs:defRPr sz="1197" kern="1200"/>
+  </cs:categoryAxis>
+  <cs:chartArea mods="allowNoFillOverride allowNoLineOverride">
+    <cs:lnRef idx="0"/>
+    <cs:fillRef idx="0"/>
+    <cs:effectRef idx="0"/>
+    <cs:fontRef idx="minor">
+      <a:schemeClr val="tx1"/>
+    </cs:fontRef>
+    <cs:spPr>
+      <a:solidFill>
+        <a:schemeClr val="bg1"/>
+      </a:solidFill>
+      <a:ln w="9525" cap="flat" cmpd="sng" algn="ctr">
+        <a:solidFill>
+          <a:schemeClr val="tx1">
+            <a:lumMod val="15000"/>
+            <a:lumOff val="85000"/>
+          </a:schemeClr>
+        </a:solidFill>
+        <a:round/>
+      </a:ln>
+    </cs:spPr>
+    <cs:defRPr sz="1330" kern="1200"/>
+  </cs:chartArea>
+  <cs:dataLabel>
+    <cs:lnRef idx="0"/>
+    <cs:fillRef idx="0"/>
+    <cs:effectRef idx="0"/>
+    <cs:fontRef idx="minor">
+      <a:schemeClr val="tx1">
+        <a:lumMod val="75000"/>
+        <a:lumOff val="25000"/>
+      </a:schemeClr>
+    </cs:fontRef>
+    <cs:defRPr sz="1197" kern="1200"/>
+  </cs:dataLabel>
+  <cs:dataLabelCallout>
+    <cs:lnRef idx="0"/>
+    <cs:fillRef idx="0"/>
+    <cs:effectRef idx="0"/>
+    <cs:fontRef idx="minor">
+      <a:schemeClr val="dk1">
+        <a:lumMod val="65000"/>
+        <a:lumOff val="35000"/>
+      </a:schemeClr>
+    </cs:fontRef>
+    <cs:spPr>
+      <a:solidFill>
+        <a:schemeClr val="lt1"/>
+      </a:solidFill>
+      <a:ln>
+        <a:solidFill>
+          <a:schemeClr val="dk1">
+            <a:lumMod val="25000"/>
+            <a:lumOff val="75000"/>
+          </a:schemeClr>
+        </a:solidFill>
+      </a:ln>
+    </cs:spPr>
+    <cs:defRPr sz="1197" kern="1200"/>
+    <cs:bodyPr rot="0" spcFirstLastPara="1" vertOverflow="clip" horzOverflow="clip" vert="horz" wrap="square" lIns="36576" tIns="18288" rIns="36576" bIns="18288" anchor="ctr" anchorCtr="1">
+      <a:spAutoFit/>
+    </cs:bodyPr>
+  </cs:dataLabelCallout>
+  <cs:dataPoint>
+    <cs:lnRef idx="0"/>
+    <cs:fillRef idx="1">
+      <cs:styleClr val="auto"/>
+    </cs:fillRef>
+    <cs:effectRef idx="0"/>
+    <cs:fontRef idx="minor">
+      <a:schemeClr val="tx1"/>
+    </cs:fontRef>
+  </cs:dataPoint>
+  <cs:dataPoint3D>
+    <cs:lnRef idx="0"/>
+    <cs:fillRef idx="1">
+      <cs:styleClr val="auto"/>
+    </cs:fillRef>
+    <cs:effectRef idx="0"/>
+    <cs:fontRef idx="minor">
+      <a:schemeClr val="tx1"/>
+    </cs:fontRef>
+  </cs:dataPoint3D>
+  <cs:dataPointLine>
+    <cs:lnRef idx="0">
+      <cs:styleClr val="auto"/>
+    </cs:lnRef>
+    <cs:fillRef idx="1"/>
+    <cs:effectRef idx="0"/>
+    <cs:fontRef idx="minor">
+      <a:schemeClr val="tx1"/>
+    </cs:fontRef>
+    <cs:spPr>
+      <a:ln w="28575" cap="rnd">
+        <a:solidFill>
+          <a:schemeClr val="phClr"/>
+        </a:solidFill>
+        <a:round/>
+      </a:ln>
+    </cs:spPr>
+  </cs:dataPointLine>
+  <cs:dataPointMarker>
+    <cs:lnRef idx="0">
+      <cs:styleClr val="auto"/>
+    </cs:lnRef>
+    <cs:fillRef idx="1">
+      <cs:styleClr val="auto"/>
+    </cs:fillRef>
+    <cs:effectRef idx="0"/>
+    <cs:fontRef idx="minor">
+      <a:schemeClr val="tx1"/>
+    </cs:fontRef>
+    <cs:spPr>
+      <a:ln w="9525">
+        <a:solidFill>
+          <a:schemeClr val="phClr"/>
+        </a:solidFill>
+      </a:ln>
+    </cs:spPr>
+  </cs:dataPointMarker>
+  <cs:dataPointMarkerLayout symbol="circle" size="5"/>
+  <cs:dataPointWireframe>
+    <cs:lnRef idx="0">
+      <cs:styleClr val="auto"/>
+    </cs:lnRef>
+    <cs:fillRef idx="1"/>
+    <cs:effectRef idx="0"/>
+    <cs:fontRef idx="minor">
+      <a:schemeClr val="tx1"/>
+    </cs:fontRef>
+    <cs:spPr>
+      <a:ln w="9525" cap="rnd">
+        <a:solidFill>
+          <a:schemeClr val="phClr"/>
+        </a:solidFill>
+        <a:round/>
+      </a:ln>
+    </cs:spPr>
+  </cs:dataPointWireframe>
+  <cs:dataTable>
+    <cs:lnRef idx="0"/>
+    <cs:fillRef idx="0"/>
+    <cs:effectRef idx="0"/>
+    <cs:fontRef idx="minor">
+      <a:schemeClr val="tx1">
+        <a:lumMod val="65000"/>
+        <a:lumOff val="35000"/>
+      </a:schemeClr>
+    </cs:fontRef>
+    <cs:spPr>
+      <a:noFill/>
+      <a:ln w="9525" cap="flat" cmpd="sng" algn="ctr">
+        <a:solidFill>
+          <a:schemeClr val="tx1">
+            <a:lumMod val="15000"/>
+            <a:lumOff val="85000"/>
+          </a:schemeClr>
+        </a:solidFill>
+        <a:round/>
+      </a:ln>
+    </cs:spPr>
+    <cs:defRPr sz="1197" kern="1200"/>
+  </cs:dataTable>
+  <cs:downBar>
+    <cs:lnRef idx="0"/>
+    <cs:fillRef idx="0"/>
+    <cs:effectRef idx="0"/>
+    <cs:fontRef idx="minor">
+      <a:schemeClr val="dk1"/>
+    </cs:fontRef>
+    <cs:spPr>
+      <a:solidFill>
+        <a:schemeClr val="dk1">
+          <a:lumMod val="65000"/>
+          <a:lumOff val="35000"/>
+        </a:schemeClr>
+      </a:solidFill>
+      <a:ln w="9525">
+        <a:solidFill>
+          <a:schemeClr val="tx1">
+            <a:lumMod val="65000"/>
+            <a:lumOff val="35000"/>
+          </a:schemeClr>
+        </a:solidFill>
+      </a:ln>
+    </cs:spPr>
+  </cs:downBar>
+  <cs:dropLine>
+    <cs:lnRef idx="0"/>
+    <cs:fillRef idx="0"/>
+    <cs:effectRef idx="0"/>
+    <cs:fontRef idx="minor">
+      <a:schemeClr val="tx1"/>
+    </cs:fontRef>
+    <cs:spPr>
+      <a:ln w="9525" cap="flat" cmpd="sng" algn="ctr">
+        <a:solidFill>
+          <a:schemeClr val="tx1">
+            <a:lumMod val="35000"/>
+            <a:lumOff val="65000"/>
+          </a:schemeClr>
+        </a:solidFill>
+        <a:round/>
+      </a:ln>
+    </cs:spPr>
+  </cs:dropLine>
+  <cs:errorBar>
+    <cs:lnRef idx="0"/>
+    <cs:fillRef idx="0"/>
+    <cs:effectRef idx="0"/>
+    <cs:fontRef idx="minor">
+      <a:schemeClr val="tx1"/>
+    </cs:fontRef>
+    <cs:spPr>
+      <a:ln w="9525" cap="flat" cmpd="sng" algn="ctr">
+        <a:solidFill>
+          <a:schemeClr val="tx1">
+            <a:lumMod val="65000"/>
+            <a:lumOff val="35000"/>
+          </a:schemeClr>
+        </a:solidFill>
+        <a:round/>
+      </a:ln>
+    </cs:spPr>
+  </cs:errorBar>
+  <cs:floor>
+    <cs:lnRef idx="0"/>
+    <cs:fillRef idx="0"/>
+    <cs:effectRef idx="0"/>
+    <cs:fontRef idx="minor">
+      <a:schemeClr val="tx1"/>
+    </cs:fontRef>
+    <cs:spPr>
+      <a:noFill/>
+      <a:ln>
+        <a:noFill/>
+      </a:ln>
+    </cs:spPr>
+  </cs:floor>
+  <cs:gridlineMajor>
+    <cs:lnRef idx="0"/>
+    <cs:fillRef idx="0"/>
+    <cs:effectRef idx="0"/>
+    <cs:fontRef idx="minor">
+      <a:schemeClr val="tx1"/>
+    </cs:fontRef>
+    <cs:spPr>
+      <a:ln w="9525" cap="flat" cmpd="sng" algn="ctr">
+        <a:solidFill>
+          <a:schemeClr val="tx1">
+            <a:lumMod val="15000"/>
+            <a:lumOff val="85000"/>
+          </a:schemeClr>
+        </a:solidFill>
+        <a:round/>
+      </a:ln>
+    </cs:spPr>
+  </cs:gridlineMajor>
+  <cs:gridlineMinor>
+    <cs:lnRef idx="0"/>
+    <cs:fillRef idx="0"/>
+    <cs:effectRef idx="0"/>
+    <cs:fontRef idx="minor">
+      <a:schemeClr val="tx1"/>
+    </cs:fontRef>
+    <cs:spPr>
+      <a:ln w="9525" cap="flat" cmpd="sng" algn="ctr">
+        <a:solidFill>
+          <a:schemeClr val="tx1">
+            <a:lumMod val="5000"/>
+            <a:lumOff val="95000"/>
+          </a:schemeClr>
+        </a:solidFill>
+        <a:round/>
+      </a:ln>
+    </cs:spPr>
+  </cs:gridlineMinor>
+  <cs:hiLoLine>
+    <cs:lnRef idx="0"/>
+    <cs:fillRef idx="0"/>
+    <cs:effectRef idx="0"/>
+    <cs:fontRef idx="minor">
+      <a:schemeClr val="tx1"/>
+    </cs:fontRef>
+    <cs:spPr>
+      <a:ln w="9525" cap="flat" cmpd="sng" algn="ctr">
+        <a:solidFill>
+          <a:schemeClr val="tx1">
+            <a:lumMod val="75000"/>
+            <a:lumOff val="25000"/>
+          </a:schemeClr>
+        </a:solidFill>
+        <a:round/>
+      </a:ln>
+    </cs:spPr>
+  </cs:hiLoLine>
+  <cs:leaderLine>
+    <cs:lnRef idx="0"/>
+    <cs:fillRef idx="0"/>
+    <cs:effectRef idx="0"/>
+    <cs:fontRef idx="minor">
+      <a:schemeClr val="tx1"/>
+    </cs:fontRef>
+    <cs:spPr>
+      <a:ln w="9525" cap="flat" cmpd="sng" algn="ctr">
+        <a:solidFill>
+          <a:schemeClr val="tx1">
+            <a:lumMod val="35000"/>
+            <a:lumOff val="65000"/>
+          </a:schemeClr>
+        </a:solidFill>
+        <a:round/>
+      </a:ln>
+    </cs:spPr>
+  </cs:leaderLine>
+  <cs:legend>
+    <cs:lnRef idx="0"/>
+    <cs:fillRef idx="0"/>
+    <cs:effectRef idx="0"/>
+    <cs:fontRef idx="minor">
+      <a:schemeClr val="tx1">
+        <a:lumMod val="65000"/>
+        <a:lumOff val="35000"/>
+      </a:schemeClr>
+    </cs:fontRef>
+    <cs:defRPr sz="1197" kern="1200"/>
+  </cs:legend>
+  <cs:plotArea mods="allowNoFillOverride allowNoLineOverride">
+    <cs:lnRef idx="0"/>
+    <cs:fillRef idx="0"/>
+    <cs:effectRef idx="0"/>
+    <cs:fontRef idx="minor">
+      <a:schemeClr val="tx1"/>
+    </cs:fontRef>
+  </cs:plotArea>
+  <cs:plotArea3D mods="allowNoFillOverride allowNoLineOverride">
+    <cs:lnRef idx="0"/>
+    <cs:fillRef idx="0"/>
+    <cs:effectRef idx="0"/>
+    <cs:fontRef idx="minor">
+      <a:schemeClr val="tx1"/>
+    </cs:fontRef>
+  </cs:plotArea3D>
+  <cs:seriesAxis>
+    <cs:lnRef idx="0"/>
+    <cs:fillRef idx="0"/>
+    <cs:effectRef idx="0"/>
+    <cs:fontRef idx="minor">
+      <a:schemeClr val="tx1">
+        <a:lumMod val="65000"/>
+        <a:lumOff val="35000"/>
+      </a:schemeClr>
+    </cs:fontRef>
+    <cs:defRPr sz="1197" kern="1200"/>
+  </cs:seriesAxis>
+  <cs:seriesLine>
+    <cs:lnRef idx="0"/>
+    <cs:fillRef idx="0"/>
+    <cs:effectRef idx="0"/>
+    <cs:fontRef idx="minor">
+      <a:schemeClr val="tx1"/>
+    </cs:fontRef>
+    <cs:spPr>
+      <a:ln w="9525" cap="flat" cmpd="sng" algn="ctr">
+        <a:solidFill>
+          <a:schemeClr val="tx1">
+            <a:lumMod val="35000"/>
+            <a:lumOff val="65000"/>
+          </a:schemeClr>
+        </a:solidFill>
+        <a:round/>
+      </a:ln>
+    </cs:spPr>
+  </cs:seriesLine>
+  <cs:title>
+    <cs:lnRef idx="0"/>
+    <cs:fillRef idx="0"/>
+    <cs:effectRef idx="0"/>
+    <cs:fontRef idx="minor">
+      <a:schemeClr val="tx1">
+        <a:lumMod val="65000"/>
+        <a:lumOff val="35000"/>
+      </a:schemeClr>
+    </cs:fontRef>
+    <cs:defRPr sz="1862" b="0" kern="1200" spc="0" baseline="0"/>
+  </cs:title>
+  <cs:trendline>
+    <cs:lnRef idx="0">
+      <cs:styleClr val="auto"/>
+    </cs:lnRef>
+    <cs:fillRef idx="0"/>
+    <cs:effectRef idx="0"/>
+    <cs:fontRef idx="minor">
+      <a:schemeClr val="tx1"/>
+    </cs:fontRef>
+    <cs:spPr>
+      <a:ln w="19050" cap="rnd">
+        <a:solidFill>
+          <a:schemeClr val="phClr"/>
+        </a:solidFill>
+        <a:prstDash val="sysDot"/>
+      </a:ln>
+    </cs:spPr>
+  </cs:trendline>
+  <cs:trendlineLabel>
+    <cs:lnRef idx="0"/>
+    <cs:fillRef idx="0"/>
+    <cs:effectRef idx="0"/>
+    <cs:fontRef idx="minor">
+      <a:schemeClr val="tx1">
+        <a:lumMod val="65000"/>
+        <a:lumOff val="35000"/>
+      </a:schemeClr>
+    </cs:fontRef>
+    <cs:defRPr sz="1197" kern="1200"/>
+  </cs:trendlineLabel>
+  <cs:upBar>
+    <cs:lnRef idx="0"/>
+    <cs:fillRef idx="0"/>
+    <cs:effectRef idx="0"/>
+    <cs:fontRef idx="minor">
+      <a:schemeClr val="dk1"/>
+    </cs:fontRef>
+    <cs:spPr>
+      <a:solidFill>
+        <a:schemeClr val="lt1"/>
+      </a:solidFill>
+      <a:ln w="9525">
+        <a:solidFill>
+          <a:schemeClr val="tx1">
+            <a:lumMod val="15000"/>
+            <a:lumOff val="85000"/>
+          </a:schemeClr>
+        </a:solidFill>
+      </a:ln>
+    </cs:spPr>
+  </cs:upBar>
+  <cs:valueAxis>
+    <cs:lnRef idx="0"/>
+    <cs:fillRef idx="0"/>
+    <cs:effectRef idx="0"/>
+    <cs:fontRef idx="minor">
+      <a:schemeClr val="tx1">
+        <a:lumMod val="65000"/>
+        <a:lumOff val="35000"/>
+      </a:schemeClr>
+    </cs:fontRef>
+    <cs:defRPr sz="1197" kern="1200"/>
+  </cs:valueAxis>
+  <cs:wall>
+    <cs:lnRef idx="0"/>
+    <cs:fillRef idx="0"/>
+    <cs:effectRef idx="0"/>
+    <cs:fontRef idx="minor">
+      <a:schemeClr val="tx1"/>
+    </cs:fontRef>
+    <cs:spPr>
+      <a:noFill/>
+      <a:ln>
+        <a:noFill/>
+      </a:ln>
+    </cs:spPr>
+  </cs:wall>
+</cs:chartStyle>
+</file>
+
 <file path=ppt/notesMasters/notesMaster1.xml><?xml version="1.0" encoding="utf-8"?>
 <p:notesMaster xmlns:a="http://schemas.openxmlformats.org/drawingml/2006/main" xmlns:r="http://schemas.openxmlformats.org/officeDocument/2006/relationships" xmlns:p="http://schemas.openxmlformats.org/presentationml/2006/main">
   <p:cSld>
@@ -2082,7 +3023,7 @@
           <a:p>
             <a:fld id="{A6A6DAFA-B29C-4D69-8320-55DB4F2C1632}" type="datetimeFigureOut">
               <a:rPr lang="tr-TR" smtClean="0"/>
-              <a:t>28.03.2025</a:t>
+              <a:t>4.04.2025</a:t>
             </a:fld>
             <a:endParaRPr lang="tr-TR" dirty="0"/>
           </a:p>
@@ -2350,6 +3291,90 @@
 </p:notesMaster>
 </file>
 
+<file path=ppt/notesSlides/notesSlide1.xml><?xml version="1.0" encoding="utf-8"?>
+<p:notes xmlns:a="http://schemas.openxmlformats.org/drawingml/2006/main" xmlns:r="http://schemas.openxmlformats.org/officeDocument/2006/relationships" xmlns:p="http://schemas.openxmlformats.org/presentationml/2006/main">
+  <p:cSld>
+    <p:spTree>
+      <p:nvGrpSpPr>
+        <p:cNvPr id="1" name=""/>
+        <p:cNvGrpSpPr/>
+        <p:nvPr/>
+      </p:nvGrpSpPr>
+      <p:grpSpPr>
+        <a:xfrm>
+          <a:off x="0" y="0"/>
+          <a:ext cx="0" cy="0"/>
+          <a:chOff x="0" y="0"/>
+          <a:chExt cx="0" cy="0"/>
+        </a:xfrm>
+      </p:grpSpPr>
+      <p:sp>
+        <p:nvSpPr>
+          <p:cNvPr id="2" name="Slayt Görüntüsü Yer Tutucusu 1"/>
+          <p:cNvSpPr>
+            <a:spLocks noGrp="1" noRot="1" noChangeAspect="1"/>
+          </p:cNvSpPr>
+          <p:nvPr>
+            <p:ph type="sldImg"/>
+          </p:nvPr>
+        </p:nvSpPr>
+        <p:spPr/>
+      </p:sp>
+      <p:sp>
+        <p:nvSpPr>
+          <p:cNvPr id="3" name="Not Yer Tutucusu 2"/>
+          <p:cNvSpPr>
+            <a:spLocks noGrp="1"/>
+          </p:cNvSpPr>
+          <p:nvPr>
+            <p:ph type="body" idx="1"/>
+          </p:nvPr>
+        </p:nvSpPr>
+        <p:spPr/>
+        <p:txBody>
+          <a:bodyPr/>
+          <a:lstStyle/>
+          <a:p>
+            <a:endParaRPr lang="tr-TR"/>
+          </a:p>
+        </p:txBody>
+      </p:sp>
+      <p:sp>
+        <p:nvSpPr>
+          <p:cNvPr id="4" name="Slayt Numarası Yer Tutucusu 3"/>
+          <p:cNvSpPr>
+            <a:spLocks noGrp="1"/>
+          </p:cNvSpPr>
+          <p:nvPr>
+            <p:ph type="sldNum" sz="quarter" idx="10"/>
+          </p:nvPr>
+        </p:nvSpPr>
+        <p:spPr/>
+        <p:txBody>
+          <a:bodyPr/>
+          <a:lstStyle/>
+          <a:p>
+            <a:fld id="{3CFD4D19-1285-4AD6-A489-9B17F26175BB}" type="slidenum">
+              <a:rPr lang="tr-TR" smtClean="0"/>
+              <a:t>4</a:t>
+            </a:fld>
+            <a:endParaRPr lang="tr-TR" dirty="0"/>
+          </a:p>
+        </p:txBody>
+      </p:sp>
+    </p:spTree>
+    <p:extLst>
+      <p:ext uri="{BB962C8B-B14F-4D97-AF65-F5344CB8AC3E}">
+        <p14:creationId xmlns:p14="http://schemas.microsoft.com/office/powerpoint/2010/main" val="3947135231"/>
+      </p:ext>
+    </p:extLst>
+  </p:cSld>
+  <p:clrMapOvr>
+    <a:masterClrMapping/>
+  </p:clrMapOvr>
+</p:notes>
+</file>
+
 <file path=ppt/slideLayouts/slideLayout1.xml><?xml version="1.0" encoding="utf-8"?>
 <p:sldLayout xmlns:a="http://schemas.openxmlformats.org/drawingml/2006/main" xmlns:r="http://schemas.openxmlformats.org/officeDocument/2006/relationships" xmlns:p="http://schemas.openxmlformats.org/presentationml/2006/main" showMasterSp="0" type="title" preserve="1">
   <p:cSld name="Başlık Slaydı">
@@ -2407,7 +3432,7 @@
           <a:noFill/>
           <a:extLst>
             <a:ext uri="{909E8E84-426E-40dd-AFC4-6F175D3DCCD1}">
-              <a14:hiddenFill xmlns="" xmlns:a14="http://schemas.microsoft.com/office/drawing/2010/main">
+              <a14:hiddenFill xmlns:a14="http://schemas.microsoft.com/office/drawing/2010/main" xmlns="">
                 <a:solidFill>
                   <a:srgbClr val="FFFFFF"/>
                 </a:solidFill>
@@ -2466,7 +3491,7 @@
             </a:ln>
             <a:extLst>
               <a:ext uri="{91240B29-F687-4f45-9708-019B960494DF}">
-                <a14:hiddenLine xmlns="" xmlns:a14="http://schemas.microsoft.com/office/drawing/2010/main" w="9525">
+                <a14:hiddenLine xmlns:a14="http://schemas.microsoft.com/office/drawing/2010/main" xmlns="" w="9525">
                   <a:solidFill>
                     <a:srgbClr val="000000"/>
                   </a:solidFill>
@@ -2556,7 +3581,7 @@
             </a:ln>
             <a:extLst>
               <a:ext uri="{91240B29-F687-4f45-9708-019B960494DF}">
-                <a14:hiddenLine xmlns="" xmlns:a14="http://schemas.microsoft.com/office/drawing/2010/main" w="9525">
+                <a14:hiddenLine xmlns:a14="http://schemas.microsoft.com/office/drawing/2010/main" xmlns="" w="9525">
                   <a:solidFill>
                     <a:srgbClr val="000000"/>
                   </a:solidFill>
@@ -2646,7 +3671,7 @@
             </a:ln>
             <a:extLst>
               <a:ext uri="{91240B29-F687-4f45-9708-019B960494DF}">
-                <a14:hiddenLine xmlns="" xmlns:a14="http://schemas.microsoft.com/office/drawing/2010/main" w="9525">
+                <a14:hiddenLine xmlns:a14="http://schemas.microsoft.com/office/drawing/2010/main" xmlns="" w="9525">
                   <a:solidFill>
                     <a:srgbClr val="000000"/>
                   </a:solidFill>
@@ -2680,7 +3705,7 @@
             </a:ln>
             <a:extLst>
               <a:ext uri="{91240B29-F687-4f45-9708-019B960494DF}">
-                <a14:hiddenLine xmlns="" xmlns:a14="http://schemas.microsoft.com/office/drawing/2010/main" w="9525">
+                <a14:hiddenLine xmlns:a14="http://schemas.microsoft.com/office/drawing/2010/main" xmlns="" w="9525">
                   <a:solidFill>
                     <a:srgbClr val="000000"/>
                   </a:solidFill>
@@ -2770,7 +3795,7 @@
             </a:ln>
             <a:extLst>
               <a:ext uri="{91240B29-F687-4f45-9708-019B960494DF}">
-                <a14:hiddenLine xmlns="" xmlns:a14="http://schemas.microsoft.com/office/drawing/2010/main" w="9525">
+                <a14:hiddenLine xmlns:a14="http://schemas.microsoft.com/office/drawing/2010/main" xmlns="" w="9525">
                   <a:solidFill>
                     <a:srgbClr val="000000"/>
                   </a:solidFill>
@@ -2832,7 +3857,7 @@
             </a:ln>
             <a:extLst>
               <a:ext uri="{91240B29-F687-4f45-9708-019B960494DF}">
-                <a14:hiddenLine xmlns="" xmlns:a14="http://schemas.microsoft.com/office/drawing/2010/main" w="9525">
+                <a14:hiddenLine xmlns:a14="http://schemas.microsoft.com/office/drawing/2010/main" xmlns="" w="9525">
                   <a:solidFill>
                     <a:srgbClr val="000000"/>
                   </a:solidFill>
@@ -2894,7 +3919,7 @@
             </a:ln>
             <a:extLst>
               <a:ext uri="{91240B29-F687-4f45-9708-019B960494DF}">
-                <a14:hiddenLine xmlns="" xmlns:a14="http://schemas.microsoft.com/office/drawing/2010/main" w="9525">
+                <a14:hiddenLine xmlns:a14="http://schemas.microsoft.com/office/drawing/2010/main" xmlns="" w="9525">
                   <a:solidFill>
                     <a:srgbClr val="000000"/>
                   </a:solidFill>
@@ -2984,7 +4009,7 @@
             </a:ln>
             <a:extLst>
               <a:ext uri="{91240B29-F687-4f45-9708-019B960494DF}">
-                <a14:hiddenLine xmlns="" xmlns:a14="http://schemas.microsoft.com/office/drawing/2010/main" w="9525">
+                <a14:hiddenLine xmlns:a14="http://schemas.microsoft.com/office/drawing/2010/main" xmlns="" w="9525">
                   <a:solidFill>
                     <a:srgbClr val="000000"/>
                   </a:solidFill>
@@ -3046,7 +4071,7 @@
             </a:ln>
             <a:extLst>
               <a:ext uri="{91240B29-F687-4f45-9708-019B960494DF}">
-                <a14:hiddenLine xmlns="" xmlns:a14="http://schemas.microsoft.com/office/drawing/2010/main" w="9525">
+                <a14:hiddenLine xmlns:a14="http://schemas.microsoft.com/office/drawing/2010/main" xmlns="" w="9525">
                   <a:solidFill>
                     <a:srgbClr val="000000"/>
                   </a:solidFill>
@@ -3108,7 +4133,7 @@
             </a:ln>
             <a:extLst>
               <a:ext uri="{91240B29-F687-4f45-9708-019B960494DF}">
-                <a14:hiddenLine xmlns="" xmlns:a14="http://schemas.microsoft.com/office/drawing/2010/main" w="9525">
+                <a14:hiddenLine xmlns:a14="http://schemas.microsoft.com/office/drawing/2010/main" xmlns="" w="9525">
                   <a:solidFill>
                     <a:srgbClr val="000000"/>
                   </a:solidFill>
@@ -3198,7 +4223,7 @@
             </a:ln>
             <a:extLst>
               <a:ext uri="{91240B29-F687-4f45-9708-019B960494DF}">
-                <a14:hiddenLine xmlns="" xmlns:a14="http://schemas.microsoft.com/office/drawing/2010/main" w="9525">
+                <a14:hiddenLine xmlns:a14="http://schemas.microsoft.com/office/drawing/2010/main" xmlns="" w="9525">
                   <a:solidFill>
                     <a:srgbClr val="000000"/>
                   </a:solidFill>
@@ -3288,7 +4313,7 @@
             </a:ln>
             <a:extLst>
               <a:ext uri="{91240B29-F687-4f45-9708-019B960494DF}">
-                <a14:hiddenLine xmlns="" xmlns:a14="http://schemas.microsoft.com/office/drawing/2010/main" w="9525">
+                <a14:hiddenLine xmlns:a14="http://schemas.microsoft.com/office/drawing/2010/main" xmlns="" w="9525">
                   <a:solidFill>
                     <a:srgbClr val="000000"/>
                   </a:solidFill>
@@ -3350,7 +4375,7 @@
             </a:ln>
             <a:extLst>
               <a:ext uri="{91240B29-F687-4f45-9708-019B960494DF}">
-                <a14:hiddenLine xmlns="" xmlns:a14="http://schemas.microsoft.com/office/drawing/2010/main" w="9525">
+                <a14:hiddenLine xmlns:a14="http://schemas.microsoft.com/office/drawing/2010/main" xmlns="" w="9525">
                   <a:solidFill>
                     <a:srgbClr val="000000"/>
                   </a:solidFill>
@@ -3460,7 +4485,7 @@
             </a:ln>
             <a:extLst>
               <a:ext uri="{91240B29-F687-4f45-9708-019B960494DF}">
-                <a14:hiddenLine xmlns="" xmlns:a14="http://schemas.microsoft.com/office/drawing/2010/main" w="9525">
+                <a14:hiddenLine xmlns:a14="http://schemas.microsoft.com/office/drawing/2010/main" xmlns="" w="9525">
                   <a:solidFill>
                     <a:srgbClr val="000000"/>
                   </a:solidFill>
@@ -3522,7 +4547,7 @@
             </a:ln>
             <a:extLst>
               <a:ext uri="{91240B29-F687-4f45-9708-019B960494DF}">
-                <a14:hiddenLine xmlns="" xmlns:a14="http://schemas.microsoft.com/office/drawing/2010/main" w="9525">
+                <a14:hiddenLine xmlns:a14="http://schemas.microsoft.com/office/drawing/2010/main" xmlns="" w="9525">
                   <a:solidFill>
                     <a:srgbClr val="000000"/>
                   </a:solidFill>
@@ -3612,7 +4637,7 @@
             </a:ln>
             <a:extLst>
               <a:ext uri="{91240B29-F687-4f45-9708-019B960494DF}">
-                <a14:hiddenLine xmlns="" xmlns:a14="http://schemas.microsoft.com/office/drawing/2010/main" w="9525">
+                <a14:hiddenLine xmlns:a14="http://schemas.microsoft.com/office/drawing/2010/main" xmlns="" w="9525">
                   <a:solidFill>
                     <a:srgbClr val="000000"/>
                   </a:solidFill>
@@ -3702,7 +4727,7 @@
             </a:ln>
             <a:extLst>
               <a:ext uri="{91240B29-F687-4f45-9708-019B960494DF}">
-                <a14:hiddenLine xmlns="" xmlns:a14="http://schemas.microsoft.com/office/drawing/2010/main" w="9525">
+                <a14:hiddenLine xmlns:a14="http://schemas.microsoft.com/office/drawing/2010/main" xmlns="" w="9525">
                   <a:solidFill>
                     <a:srgbClr val="000000"/>
                   </a:solidFill>
@@ -3764,7 +4789,7 @@
             </a:ln>
             <a:extLst>
               <a:ext uri="{91240B29-F687-4f45-9708-019B960494DF}">
-                <a14:hiddenLine xmlns="" xmlns:a14="http://schemas.microsoft.com/office/drawing/2010/main" w="9525">
+                <a14:hiddenLine xmlns:a14="http://schemas.microsoft.com/office/drawing/2010/main" xmlns="" w="9525">
                   <a:solidFill>
                     <a:srgbClr val="000000"/>
                   </a:solidFill>
@@ -3854,7 +4879,7 @@
             </a:ln>
             <a:extLst>
               <a:ext uri="{91240B29-F687-4f45-9708-019B960494DF}">
-                <a14:hiddenLine xmlns="" xmlns:a14="http://schemas.microsoft.com/office/drawing/2010/main" w="9525">
+                <a14:hiddenLine xmlns:a14="http://schemas.microsoft.com/office/drawing/2010/main" xmlns="" w="9525">
                   <a:solidFill>
                     <a:srgbClr val="000000"/>
                   </a:solidFill>
@@ -3944,7 +4969,7 @@
             </a:ln>
             <a:extLst>
               <a:ext uri="{91240B29-F687-4f45-9708-019B960494DF}">
-                <a14:hiddenLine xmlns="" xmlns:a14="http://schemas.microsoft.com/office/drawing/2010/main" w="9525">
+                <a14:hiddenLine xmlns:a14="http://schemas.microsoft.com/office/drawing/2010/main" xmlns="" w="9525">
                   <a:solidFill>
                     <a:srgbClr val="000000"/>
                   </a:solidFill>
@@ -4000,7 +5025,7 @@
             </a:ln>
             <a:extLst>
               <a:ext uri="{91240B29-F687-4f45-9708-019B960494DF}">
-                <a14:hiddenLine xmlns="" xmlns:a14="http://schemas.microsoft.com/office/drawing/2010/main" w="9525">
+                <a14:hiddenLine xmlns:a14="http://schemas.microsoft.com/office/drawing/2010/main" xmlns="" w="9525">
                   <a:solidFill>
                     <a:srgbClr val="000000"/>
                   </a:solidFill>
@@ -4090,7 +5115,7 @@
             </a:ln>
             <a:extLst>
               <a:ext uri="{91240B29-F687-4f45-9708-019B960494DF}">
-                <a14:hiddenLine xmlns="" xmlns:a14="http://schemas.microsoft.com/office/drawing/2010/main" w="9525">
+                <a14:hiddenLine xmlns:a14="http://schemas.microsoft.com/office/drawing/2010/main" xmlns="" w="9525">
                   <a:solidFill>
                     <a:srgbClr val="000000"/>
                   </a:solidFill>
@@ -4146,7 +5171,7 @@
             </a:ln>
             <a:extLst>
               <a:ext uri="{91240B29-F687-4f45-9708-019B960494DF}">
-                <a14:hiddenLine xmlns="" xmlns:a14="http://schemas.microsoft.com/office/drawing/2010/main" w="9525">
+                <a14:hiddenLine xmlns:a14="http://schemas.microsoft.com/office/drawing/2010/main" xmlns="" w="9525">
                   <a:solidFill>
                     <a:srgbClr val="000000"/>
                   </a:solidFill>
@@ -4236,7 +5261,7 @@
             </a:ln>
             <a:extLst>
               <a:ext uri="{91240B29-F687-4f45-9708-019B960494DF}">
-                <a14:hiddenLine xmlns="" xmlns:a14="http://schemas.microsoft.com/office/drawing/2010/main" w="9525">
+                <a14:hiddenLine xmlns:a14="http://schemas.microsoft.com/office/drawing/2010/main" xmlns="" w="9525">
                   <a:solidFill>
                     <a:srgbClr val="000000"/>
                   </a:solidFill>
@@ -4304,7 +5329,7 @@
             </a:ln>
             <a:extLst>
               <a:ext uri="{91240B29-F687-4f45-9708-019B960494DF}">
-                <a14:hiddenLine xmlns="" xmlns:a14="http://schemas.microsoft.com/office/drawing/2010/main" w="9525">
+                <a14:hiddenLine xmlns:a14="http://schemas.microsoft.com/office/drawing/2010/main" xmlns="" w="9525">
                   <a:solidFill>
                     <a:srgbClr val="000000"/>
                   </a:solidFill>
@@ -4394,7 +5419,7 @@
             </a:ln>
             <a:extLst>
               <a:ext uri="{91240B29-F687-4f45-9708-019B960494DF}">
-                <a14:hiddenLine xmlns="" xmlns:a14="http://schemas.microsoft.com/office/drawing/2010/main" w="9525">
+                <a14:hiddenLine xmlns:a14="http://schemas.microsoft.com/office/drawing/2010/main" xmlns="" w="9525">
                   <a:solidFill>
                     <a:srgbClr val="000000"/>
                   </a:solidFill>
@@ -4462,7 +5487,7 @@
             </a:ln>
             <a:extLst>
               <a:ext uri="{91240B29-F687-4f45-9708-019B960494DF}">
-                <a14:hiddenLine xmlns="" xmlns:a14="http://schemas.microsoft.com/office/drawing/2010/main" w="9525">
+                <a14:hiddenLine xmlns:a14="http://schemas.microsoft.com/office/drawing/2010/main" xmlns="" w="9525">
                   <a:solidFill>
                     <a:srgbClr val="000000"/>
                   </a:solidFill>
@@ -4552,7 +5577,7 @@
             </a:ln>
             <a:extLst>
               <a:ext uri="{91240B29-F687-4f45-9708-019B960494DF}">
-                <a14:hiddenLine xmlns="" xmlns:a14="http://schemas.microsoft.com/office/drawing/2010/main" w="9525">
+                <a14:hiddenLine xmlns:a14="http://schemas.microsoft.com/office/drawing/2010/main" xmlns="" w="9525">
                   <a:solidFill>
                     <a:srgbClr val="000000"/>
                   </a:solidFill>
@@ -4586,7 +5611,7 @@
             </a:ln>
             <a:extLst>
               <a:ext uri="{91240B29-F687-4f45-9708-019B960494DF}">
-                <a14:hiddenLine xmlns="" xmlns:a14="http://schemas.microsoft.com/office/drawing/2010/main" w="9525">
+                <a14:hiddenLine xmlns:a14="http://schemas.microsoft.com/office/drawing/2010/main" xmlns="" w="9525">
                   <a:solidFill>
                     <a:srgbClr val="000000"/>
                   </a:solidFill>
@@ -4676,7 +5701,7 @@
             </a:ln>
             <a:extLst>
               <a:ext uri="{91240B29-F687-4f45-9708-019B960494DF}">
-                <a14:hiddenLine xmlns="" xmlns:a14="http://schemas.microsoft.com/office/drawing/2010/main" w="9525">
+                <a14:hiddenLine xmlns:a14="http://schemas.microsoft.com/office/drawing/2010/main" xmlns="" w="9525">
                   <a:solidFill>
                     <a:srgbClr val="000000"/>
                   </a:solidFill>
@@ -4738,7 +5763,7 @@
             </a:ln>
             <a:extLst>
               <a:ext uri="{91240B29-F687-4f45-9708-019B960494DF}">
-                <a14:hiddenLine xmlns="" xmlns:a14="http://schemas.microsoft.com/office/drawing/2010/main" w="9525">
+                <a14:hiddenLine xmlns:a14="http://schemas.microsoft.com/office/drawing/2010/main" xmlns="" w="9525">
                   <a:solidFill>
                     <a:srgbClr val="000000"/>
                   </a:solidFill>
@@ -4800,7 +5825,7 @@
             </a:ln>
             <a:extLst>
               <a:ext uri="{91240B29-F687-4f45-9708-019B960494DF}">
-                <a14:hiddenLine xmlns="" xmlns:a14="http://schemas.microsoft.com/office/drawing/2010/main" w="9525">
+                <a14:hiddenLine xmlns:a14="http://schemas.microsoft.com/office/drawing/2010/main" xmlns="" w="9525">
                   <a:solidFill>
                     <a:srgbClr val="000000"/>
                   </a:solidFill>
@@ -4890,7 +5915,7 @@
             </a:ln>
             <a:extLst>
               <a:ext uri="{91240B29-F687-4f45-9708-019B960494DF}">
-                <a14:hiddenLine xmlns="" xmlns:a14="http://schemas.microsoft.com/office/drawing/2010/main" w="9525">
+                <a14:hiddenLine xmlns:a14="http://schemas.microsoft.com/office/drawing/2010/main" xmlns="" w="9525">
                   <a:solidFill>
                     <a:srgbClr val="000000"/>
                   </a:solidFill>
@@ -4958,7 +5983,7 @@
             </a:ln>
             <a:extLst>
               <a:ext uri="{91240B29-F687-4f45-9708-019B960494DF}">
-                <a14:hiddenLine xmlns="" xmlns:a14="http://schemas.microsoft.com/office/drawing/2010/main" w="9525">
+                <a14:hiddenLine xmlns:a14="http://schemas.microsoft.com/office/drawing/2010/main" xmlns="" w="9525">
                   <a:solidFill>
                     <a:srgbClr val="000000"/>
                   </a:solidFill>
@@ -5020,7 +6045,7 @@
             </a:ln>
             <a:extLst>
               <a:ext uri="{91240B29-F687-4f45-9708-019B960494DF}">
-                <a14:hiddenLine xmlns="" xmlns:a14="http://schemas.microsoft.com/office/drawing/2010/main" w="9525">
+                <a14:hiddenLine xmlns:a14="http://schemas.microsoft.com/office/drawing/2010/main" xmlns="" w="9525">
                   <a:solidFill>
                     <a:srgbClr val="000000"/>
                   </a:solidFill>
@@ -5110,7 +6135,7 @@
             </a:ln>
             <a:extLst>
               <a:ext uri="{91240B29-F687-4f45-9708-019B960494DF}">
-                <a14:hiddenLine xmlns="" xmlns:a14="http://schemas.microsoft.com/office/drawing/2010/main" w="9525">
+                <a14:hiddenLine xmlns:a14="http://schemas.microsoft.com/office/drawing/2010/main" xmlns="" w="9525">
                   <a:solidFill>
                     <a:srgbClr val="000000"/>
                   </a:solidFill>
@@ -5172,7 +6197,7 @@
             </a:ln>
             <a:extLst>
               <a:ext uri="{91240B29-F687-4f45-9708-019B960494DF}">
-                <a14:hiddenLine xmlns="" xmlns:a14="http://schemas.microsoft.com/office/drawing/2010/main" w="9525">
+                <a14:hiddenLine xmlns:a14="http://schemas.microsoft.com/office/drawing/2010/main" xmlns="" w="9525">
                   <a:solidFill>
                     <a:srgbClr val="000000"/>
                   </a:solidFill>
@@ -5262,7 +6287,7 @@
             </a:ln>
             <a:extLst>
               <a:ext uri="{91240B29-F687-4f45-9708-019B960494DF}">
-                <a14:hiddenLine xmlns="" xmlns:a14="http://schemas.microsoft.com/office/drawing/2010/main" w="9525">
+                <a14:hiddenLine xmlns:a14="http://schemas.microsoft.com/office/drawing/2010/main" xmlns="" w="9525">
                   <a:solidFill>
                     <a:srgbClr val="000000"/>
                   </a:solidFill>
@@ -5324,7 +6349,7 @@
             </a:ln>
             <a:extLst>
               <a:ext uri="{91240B29-F687-4f45-9708-019B960494DF}">
-                <a14:hiddenLine xmlns="" xmlns:a14="http://schemas.microsoft.com/office/drawing/2010/main" w="9525">
+                <a14:hiddenLine xmlns:a14="http://schemas.microsoft.com/office/drawing/2010/main" xmlns="" w="9525">
                   <a:solidFill>
                     <a:srgbClr val="000000"/>
                   </a:solidFill>
@@ -5414,7 +6439,7 @@
             </a:ln>
             <a:extLst>
               <a:ext uri="{91240B29-F687-4f45-9708-019B960494DF}">
-                <a14:hiddenLine xmlns="" xmlns:a14="http://schemas.microsoft.com/office/drawing/2010/main" w="9525">
+                <a14:hiddenLine xmlns:a14="http://schemas.microsoft.com/office/drawing/2010/main" xmlns="" w="9525">
                   <a:solidFill>
                     <a:srgbClr val="000000"/>
                   </a:solidFill>
@@ -5448,7 +6473,7 @@
             </a:ln>
             <a:extLst>
               <a:ext uri="{91240B29-F687-4f45-9708-019B960494DF}">
-                <a14:hiddenLine xmlns="" xmlns:a14="http://schemas.microsoft.com/office/drawing/2010/main" w="9525">
+                <a14:hiddenLine xmlns:a14="http://schemas.microsoft.com/office/drawing/2010/main" xmlns="" w="9525">
                   <a:solidFill>
                     <a:srgbClr val="000000"/>
                   </a:solidFill>
@@ -5513,7 +6538,7 @@
             </a:ln>
             <a:extLst>
               <a:ext uri="{91240B29-F687-4f45-9708-019B960494DF}">
-                <a14:hiddenLine xmlns="" xmlns:a14="http://schemas.microsoft.com/office/drawing/2010/main" w="9525">
+                <a14:hiddenLine xmlns:a14="http://schemas.microsoft.com/office/drawing/2010/main" xmlns="" w="9525">
                   <a:solidFill>
                     <a:srgbClr val="000000"/>
                   </a:solidFill>
@@ -5603,7 +6628,7 @@
             </a:ln>
             <a:extLst>
               <a:ext uri="{91240B29-F687-4f45-9708-019B960494DF}">
-                <a14:hiddenLine xmlns="" xmlns:a14="http://schemas.microsoft.com/office/drawing/2010/main" w="9525">
+                <a14:hiddenLine xmlns:a14="http://schemas.microsoft.com/office/drawing/2010/main" xmlns="" w="9525">
                   <a:solidFill>
                     <a:srgbClr val="000000"/>
                   </a:solidFill>
@@ -5665,7 +6690,7 @@
             </a:ln>
             <a:extLst>
               <a:ext uri="{91240B29-F687-4f45-9708-019B960494DF}">
-                <a14:hiddenLine xmlns="" xmlns:a14="http://schemas.microsoft.com/office/drawing/2010/main" w="9525">
+                <a14:hiddenLine xmlns:a14="http://schemas.microsoft.com/office/drawing/2010/main" xmlns="" w="9525">
                   <a:solidFill>
                     <a:srgbClr val="000000"/>
                   </a:solidFill>
@@ -5755,7 +6780,7 @@
             </a:ln>
             <a:extLst>
               <a:ext uri="{91240B29-F687-4f45-9708-019B960494DF}">
-                <a14:hiddenLine xmlns="" xmlns:a14="http://schemas.microsoft.com/office/drawing/2010/main" w="9525">
+                <a14:hiddenLine xmlns:a14="http://schemas.microsoft.com/office/drawing/2010/main" xmlns="" w="9525">
                   <a:solidFill>
                     <a:srgbClr val="000000"/>
                   </a:solidFill>
@@ -5845,7 +6870,7 @@
             </a:ln>
             <a:extLst>
               <a:ext uri="{91240B29-F687-4f45-9708-019B960494DF}">
-                <a14:hiddenLine xmlns="" xmlns:a14="http://schemas.microsoft.com/office/drawing/2010/main" w="9525">
+                <a14:hiddenLine xmlns:a14="http://schemas.microsoft.com/office/drawing/2010/main" xmlns="" w="9525">
                   <a:solidFill>
                     <a:srgbClr val="000000"/>
                   </a:solidFill>
@@ -5910,7 +6935,7 @@
             </a:ln>
             <a:extLst>
               <a:ext uri="{91240B29-F687-4f45-9708-019B960494DF}">
-                <a14:hiddenLine xmlns="" xmlns:a14="http://schemas.microsoft.com/office/drawing/2010/main" w="9525">
+                <a14:hiddenLine xmlns:a14="http://schemas.microsoft.com/office/drawing/2010/main" xmlns="" w="9525">
                   <a:solidFill>
                     <a:srgbClr val="000000"/>
                   </a:solidFill>
@@ -5972,7 +6997,7 @@
             </a:ln>
             <a:extLst>
               <a:ext uri="{91240B29-F687-4f45-9708-019B960494DF}">
-                <a14:hiddenLine xmlns="" xmlns:a14="http://schemas.microsoft.com/office/drawing/2010/main" w="9525">
+                <a14:hiddenLine xmlns:a14="http://schemas.microsoft.com/office/drawing/2010/main" xmlns="" w="9525">
                   <a:solidFill>
                     <a:srgbClr val="000000"/>
                   </a:solidFill>
@@ -6062,7 +7087,7 @@
             </a:ln>
             <a:extLst>
               <a:ext uri="{91240B29-F687-4f45-9708-019B960494DF}">
-                <a14:hiddenLine xmlns="" xmlns:a14="http://schemas.microsoft.com/office/drawing/2010/main" w="9525">
+                <a14:hiddenLine xmlns:a14="http://schemas.microsoft.com/office/drawing/2010/main" xmlns="" w="9525">
                   <a:solidFill>
                     <a:srgbClr val="000000"/>
                   </a:solidFill>
@@ -6152,7 +7177,7 @@
             </a:ln>
             <a:extLst>
               <a:ext uri="{91240B29-F687-4f45-9708-019B960494DF}">
-                <a14:hiddenLine xmlns="" xmlns:a14="http://schemas.microsoft.com/office/drawing/2010/main" w="9525">
+                <a14:hiddenLine xmlns:a14="http://schemas.microsoft.com/office/drawing/2010/main" xmlns="" w="9525">
                   <a:solidFill>
                     <a:srgbClr val="000000"/>
                   </a:solidFill>
@@ -6214,7 +7239,7 @@
             </a:ln>
             <a:extLst>
               <a:ext uri="{91240B29-F687-4f45-9708-019B960494DF}">
-                <a14:hiddenLine xmlns="" xmlns:a14="http://schemas.microsoft.com/office/drawing/2010/main" w="9525">
+                <a14:hiddenLine xmlns:a14="http://schemas.microsoft.com/office/drawing/2010/main" xmlns="" w="9525">
                   <a:solidFill>
                     <a:srgbClr val="000000"/>
                   </a:solidFill>
@@ -6334,7 +7359,7 @@
             </a:ln>
             <a:extLst>
               <a:ext uri="{91240B29-F687-4f45-9708-019B960494DF}">
-                <a14:hiddenLine xmlns="" xmlns:a14="http://schemas.microsoft.com/office/drawing/2010/main" w="9525">
+                <a14:hiddenLine xmlns:a14="http://schemas.microsoft.com/office/drawing/2010/main" xmlns="" w="9525">
                   <a:solidFill>
                     <a:srgbClr val="000000"/>
                   </a:solidFill>
@@ -6402,7 +7427,7 @@
             </a:ln>
             <a:extLst>
               <a:ext uri="{91240B29-F687-4f45-9708-019B960494DF}">
-                <a14:hiddenLine xmlns="" xmlns:a14="http://schemas.microsoft.com/office/drawing/2010/main" w="9525">
+                <a14:hiddenLine xmlns:a14="http://schemas.microsoft.com/office/drawing/2010/main" xmlns="" w="9525">
                   <a:solidFill>
                     <a:srgbClr val="000000"/>
                   </a:solidFill>
@@ -6492,7 +7517,7 @@
             </a:ln>
             <a:extLst>
               <a:ext uri="{91240B29-F687-4f45-9708-019B960494DF}">
-                <a14:hiddenLine xmlns="" xmlns:a14="http://schemas.microsoft.com/office/drawing/2010/main" w="9525">
+                <a14:hiddenLine xmlns:a14="http://schemas.microsoft.com/office/drawing/2010/main" xmlns="" w="9525">
                   <a:solidFill>
                     <a:srgbClr val="000000"/>
                   </a:solidFill>
@@ -6632,7 +7657,7 @@
           <a:p>
             <a:fld id="{23A2EE42-8222-486F-A514-5A23D68216E1}" type="datetimeFigureOut">
               <a:rPr lang="tr-TR" smtClean="0"/>
-              <a:t>28.03.2025</a:t>
+              <a:t>4.04.2025</a:t>
             </a:fld>
             <a:endParaRPr lang="tr-TR" dirty="0"/>
           </a:p>
@@ -6899,7 +7924,7 @@
           <a:p>
             <a:fld id="{23A2EE42-8222-486F-A514-5A23D68216E1}" type="datetimeFigureOut">
               <a:rPr lang="tr-TR" smtClean="0"/>
-              <a:t>28.03.2025</a:t>
+              <a:t>4.04.2025</a:t>
             </a:fld>
             <a:endParaRPr lang="tr-TR" dirty="0"/>
           </a:p>
@@ -7095,7 +8120,7 @@
           <a:p>
             <a:fld id="{23A2EE42-8222-486F-A514-5A23D68216E1}" type="datetimeFigureOut">
               <a:rPr lang="tr-TR" smtClean="0"/>
-              <a:t>28.03.2025</a:t>
+              <a:t>4.04.2025</a:t>
             </a:fld>
             <a:endParaRPr lang="tr-TR" dirty="0"/>
           </a:p>
@@ -7358,7 +8383,7 @@
           <a:p>
             <a:fld id="{23A2EE42-8222-486F-A514-5A23D68216E1}" type="datetimeFigureOut">
               <a:rPr lang="tr-TR" smtClean="0"/>
-              <a:t>28.03.2025</a:t>
+              <a:t>4.04.2025</a:t>
             </a:fld>
             <a:endParaRPr lang="tr-TR" dirty="0"/>
           </a:p>
@@ -7792,7 +8817,7 @@
           <a:p>
             <a:fld id="{23A2EE42-8222-486F-A514-5A23D68216E1}" type="datetimeFigureOut">
               <a:rPr lang="tr-TR" smtClean="0"/>
-              <a:t>28.03.2025</a:t>
+              <a:t>4.04.2025</a:t>
             </a:fld>
             <a:endParaRPr lang="tr-TR" dirty="0"/>
           </a:p>
@@ -8338,7 +9363,7 @@
           <a:p>
             <a:fld id="{23A2EE42-8222-486F-A514-5A23D68216E1}" type="datetimeFigureOut">
               <a:rPr lang="tr-TR" smtClean="0"/>
-              <a:t>28.03.2025</a:t>
+              <a:t>4.04.2025</a:t>
             </a:fld>
             <a:endParaRPr lang="tr-TR" dirty="0"/>
           </a:p>
@@ -9058,7 +10083,7 @@
           <a:p>
             <a:fld id="{23A2EE42-8222-486F-A514-5A23D68216E1}" type="datetimeFigureOut">
               <a:rPr lang="tr-TR" smtClean="0"/>
-              <a:t>28.03.2025</a:t>
+              <a:t>4.04.2025</a:t>
             </a:fld>
             <a:endParaRPr lang="tr-TR" dirty="0"/>
           </a:p>
@@ -9228,7 +10253,7 @@
           <a:p>
             <a:fld id="{23A2EE42-8222-486F-A514-5A23D68216E1}" type="datetimeFigureOut">
               <a:rPr lang="tr-TR" smtClean="0"/>
-              <a:t>28.03.2025</a:t>
+              <a:t>4.04.2025</a:t>
             </a:fld>
             <a:endParaRPr lang="tr-TR" dirty="0"/>
           </a:p>
@@ -9408,7 +10433,7 @@
           <a:p>
             <a:fld id="{23A2EE42-8222-486F-A514-5A23D68216E1}" type="datetimeFigureOut">
               <a:rPr lang="tr-TR" smtClean="0"/>
-              <a:t>28.03.2025</a:t>
+              <a:t>4.04.2025</a:t>
             </a:fld>
             <a:endParaRPr lang="tr-TR" dirty="0"/>
           </a:p>
@@ -9578,7 +10603,7 @@
           <a:p>
             <a:fld id="{23A2EE42-8222-486F-A514-5A23D68216E1}" type="datetimeFigureOut">
               <a:rPr lang="tr-TR" smtClean="0"/>
-              <a:t>28.03.2025</a:t>
+              <a:t>4.04.2025</a:t>
             </a:fld>
             <a:endParaRPr lang="tr-TR" dirty="0"/>
           </a:p>
@@ -9828,7 +10853,7 @@
           <a:p>
             <a:fld id="{23A2EE42-8222-486F-A514-5A23D68216E1}" type="datetimeFigureOut">
               <a:rPr lang="tr-TR" smtClean="0"/>
-              <a:t>28.03.2025</a:t>
+              <a:t>4.04.2025</a:t>
             </a:fld>
             <a:endParaRPr lang="tr-TR" dirty="0"/>
           </a:p>
@@ -10060,7 +11085,7 @@
           <a:p>
             <a:fld id="{23A2EE42-8222-486F-A514-5A23D68216E1}" type="datetimeFigureOut">
               <a:rPr lang="tr-TR" smtClean="0"/>
-              <a:t>28.03.2025</a:t>
+              <a:t>4.04.2025</a:t>
             </a:fld>
             <a:endParaRPr lang="tr-TR" dirty="0"/>
           </a:p>
@@ -10441,7 +11466,7 @@
           <a:p>
             <a:fld id="{23A2EE42-8222-486F-A514-5A23D68216E1}" type="datetimeFigureOut">
               <a:rPr lang="tr-TR" smtClean="0"/>
-              <a:t>28.03.2025</a:t>
+              <a:t>4.04.2025</a:t>
             </a:fld>
             <a:endParaRPr lang="tr-TR" dirty="0"/>
           </a:p>
@@ -10559,7 +11584,7 @@
           <a:p>
             <a:fld id="{23A2EE42-8222-486F-A514-5A23D68216E1}" type="datetimeFigureOut">
               <a:rPr lang="tr-TR" smtClean="0"/>
-              <a:t>28.03.2025</a:t>
+              <a:t>4.04.2025</a:t>
             </a:fld>
             <a:endParaRPr lang="tr-TR" dirty="0"/>
           </a:p>
@@ -10654,7 +11679,7 @@
           <a:p>
             <a:fld id="{23A2EE42-8222-486F-A514-5A23D68216E1}" type="datetimeFigureOut">
               <a:rPr lang="tr-TR" smtClean="0"/>
-              <a:t>28.03.2025</a:t>
+              <a:t>4.04.2025</a:t>
             </a:fld>
             <a:endParaRPr lang="tr-TR" dirty="0"/>
           </a:p>
@@ -10903,7 +11928,7 @@
           <a:p>
             <a:fld id="{23A2EE42-8222-486F-A514-5A23D68216E1}" type="datetimeFigureOut">
               <a:rPr lang="tr-TR" smtClean="0"/>
-              <a:t>28.03.2025</a:t>
+              <a:t>4.04.2025</a:t>
             </a:fld>
             <a:endParaRPr lang="tr-TR" dirty="0"/>
           </a:p>
@@ -11183,7 +12208,7 @@
           <a:p>
             <a:fld id="{23A2EE42-8222-486F-A514-5A23D68216E1}" type="datetimeFigureOut">
               <a:rPr lang="tr-TR" smtClean="0"/>
-              <a:t>28.03.2025</a:t>
+              <a:t>4.04.2025</a:t>
             </a:fld>
             <a:endParaRPr lang="tr-TR" dirty="0"/>
           </a:p>
@@ -11306,7 +12331,7 @@
           <a:noFill/>
           <a:extLst>
             <a:ext uri="{909E8E84-426E-40dd-AFC4-6F175D3DCCD1}">
-              <a14:hiddenFill xmlns="" xmlns:a14="http://schemas.microsoft.com/office/drawing/2010/main">
+              <a14:hiddenFill xmlns:a14="http://schemas.microsoft.com/office/drawing/2010/main" xmlns="">
                 <a:solidFill>
                   <a:srgbClr val="FFFFFF"/>
                 </a:solidFill>
@@ -11380,7 +12405,7 @@
               </a:ln>
               <a:extLst>
                 <a:ext uri="{91240B29-F687-4f45-9708-019B960494DF}">
-                  <a14:hiddenLine xmlns="" xmlns:a14="http://schemas.microsoft.com/office/drawing/2010/main" w="9525">
+                  <a14:hiddenLine xmlns:a14="http://schemas.microsoft.com/office/drawing/2010/main" xmlns="" w="9525">
                     <a:solidFill>
                       <a:srgbClr val="000000"/>
                     </a:solidFill>
@@ -11470,7 +12495,7 @@
               </a:ln>
               <a:extLst>
                 <a:ext uri="{91240B29-F687-4f45-9708-019B960494DF}">
-                  <a14:hiddenLine xmlns="" xmlns:a14="http://schemas.microsoft.com/office/drawing/2010/main" w="9525">
+                  <a14:hiddenLine xmlns:a14="http://schemas.microsoft.com/office/drawing/2010/main" xmlns="" w="9525">
                     <a:solidFill>
                       <a:srgbClr val="000000"/>
                     </a:solidFill>
@@ -11560,7 +12585,7 @@
               </a:ln>
               <a:extLst>
                 <a:ext uri="{91240B29-F687-4f45-9708-019B960494DF}">
-                  <a14:hiddenLine xmlns="" xmlns:a14="http://schemas.microsoft.com/office/drawing/2010/main" w="9525">
+                  <a14:hiddenLine xmlns:a14="http://schemas.microsoft.com/office/drawing/2010/main" xmlns="" w="9525">
                     <a:solidFill>
                       <a:srgbClr val="000000"/>
                     </a:solidFill>
@@ -11622,7 +12647,7 @@
               </a:ln>
               <a:extLst>
                 <a:ext uri="{91240B29-F687-4f45-9708-019B960494DF}">
-                  <a14:hiddenLine xmlns="" xmlns:a14="http://schemas.microsoft.com/office/drawing/2010/main" w="9525">
+                  <a14:hiddenLine xmlns:a14="http://schemas.microsoft.com/office/drawing/2010/main" xmlns="" w="9525">
                     <a:solidFill>
                       <a:srgbClr val="000000"/>
                     </a:solidFill>
@@ -11712,7 +12737,7 @@
               </a:ln>
               <a:extLst>
                 <a:ext uri="{91240B29-F687-4f45-9708-019B960494DF}">
-                  <a14:hiddenLine xmlns="" xmlns:a14="http://schemas.microsoft.com/office/drawing/2010/main" w="9525">
+                  <a14:hiddenLine xmlns:a14="http://schemas.microsoft.com/office/drawing/2010/main" xmlns="" w="9525">
                     <a:solidFill>
                       <a:srgbClr val="000000"/>
                     </a:solidFill>
@@ -11774,7 +12799,7 @@
               </a:ln>
               <a:extLst>
                 <a:ext uri="{91240B29-F687-4f45-9708-019B960494DF}">
-                  <a14:hiddenLine xmlns="" xmlns:a14="http://schemas.microsoft.com/office/drawing/2010/main" w="9525">
+                  <a14:hiddenLine xmlns:a14="http://schemas.microsoft.com/office/drawing/2010/main" xmlns="" w="9525">
                     <a:solidFill>
                       <a:srgbClr val="000000"/>
                     </a:solidFill>
@@ -11836,7 +12861,7 @@
               </a:ln>
               <a:extLst>
                 <a:ext uri="{91240B29-F687-4f45-9708-019B960494DF}">
-                  <a14:hiddenLine xmlns="" xmlns:a14="http://schemas.microsoft.com/office/drawing/2010/main" w="9525">
+                  <a14:hiddenLine xmlns:a14="http://schemas.microsoft.com/office/drawing/2010/main" xmlns="" w="9525">
                     <a:solidFill>
                       <a:srgbClr val="000000"/>
                     </a:solidFill>
@@ -11926,7 +12951,7 @@
               </a:ln>
               <a:extLst>
                 <a:ext uri="{91240B29-F687-4f45-9708-019B960494DF}">
-                  <a14:hiddenLine xmlns="" xmlns:a14="http://schemas.microsoft.com/office/drawing/2010/main" w="9525">
+                  <a14:hiddenLine xmlns:a14="http://schemas.microsoft.com/office/drawing/2010/main" xmlns="" w="9525">
                     <a:solidFill>
                       <a:srgbClr val="000000"/>
                     </a:solidFill>
@@ -12016,7 +13041,7 @@
               </a:ln>
               <a:extLst>
                 <a:ext uri="{91240B29-F687-4f45-9708-019B960494DF}">
-                  <a14:hiddenLine xmlns="" xmlns:a14="http://schemas.microsoft.com/office/drawing/2010/main" w="9525">
+                  <a14:hiddenLine xmlns:a14="http://schemas.microsoft.com/office/drawing/2010/main" xmlns="" w="9525">
                     <a:solidFill>
                       <a:srgbClr val="000000"/>
                     </a:solidFill>
@@ -12078,7 +13103,7 @@
               </a:ln>
               <a:extLst>
                 <a:ext uri="{91240B29-F687-4f45-9708-019B960494DF}">
-                  <a14:hiddenLine xmlns="" xmlns:a14="http://schemas.microsoft.com/office/drawing/2010/main" w="9525">
+                  <a14:hiddenLine xmlns:a14="http://schemas.microsoft.com/office/drawing/2010/main" xmlns="" w="9525">
                     <a:solidFill>
                       <a:srgbClr val="000000"/>
                     </a:solidFill>
@@ -12188,7 +13213,7 @@
               </a:ln>
               <a:extLst>
                 <a:ext uri="{91240B29-F687-4f45-9708-019B960494DF}">
-                  <a14:hiddenLine xmlns="" xmlns:a14="http://schemas.microsoft.com/office/drawing/2010/main" w="9525">
+                  <a14:hiddenLine xmlns:a14="http://schemas.microsoft.com/office/drawing/2010/main" xmlns="" w="9525">
                     <a:solidFill>
                       <a:srgbClr val="000000"/>
                     </a:solidFill>
@@ -12272,7 +13297,7 @@
               </a:ln>
               <a:extLst>
                 <a:ext uri="{91240B29-F687-4f45-9708-019B960494DF}">
-                  <a14:hiddenLine xmlns="" xmlns:a14="http://schemas.microsoft.com/office/drawing/2010/main" w="9525">
+                  <a14:hiddenLine xmlns:a14="http://schemas.microsoft.com/office/drawing/2010/main" xmlns="" w="9525">
                     <a:solidFill>
                       <a:srgbClr val="000000"/>
                     </a:solidFill>
@@ -12334,7 +13359,7 @@
               </a:ln>
               <a:extLst>
                 <a:ext uri="{91240B29-F687-4f45-9708-019B960494DF}">
-                  <a14:hiddenLine xmlns="" xmlns:a14="http://schemas.microsoft.com/office/drawing/2010/main" w="9525">
+                  <a14:hiddenLine xmlns:a14="http://schemas.microsoft.com/office/drawing/2010/main" xmlns="" w="9525">
                     <a:solidFill>
                       <a:srgbClr val="000000"/>
                     </a:solidFill>
@@ -12396,7 +13421,7 @@
               </a:ln>
               <a:extLst>
                 <a:ext uri="{91240B29-F687-4f45-9708-019B960494DF}">
-                  <a14:hiddenLine xmlns="" xmlns:a14="http://schemas.microsoft.com/office/drawing/2010/main" w="9525">
+                  <a14:hiddenLine xmlns:a14="http://schemas.microsoft.com/office/drawing/2010/main" xmlns="" w="9525">
                     <a:solidFill>
                       <a:srgbClr val="000000"/>
                     </a:solidFill>
@@ -12486,7 +13511,7 @@
               </a:ln>
               <a:extLst>
                 <a:ext uri="{91240B29-F687-4f45-9708-019B960494DF}">
-                  <a14:hiddenLine xmlns="" xmlns:a14="http://schemas.microsoft.com/office/drawing/2010/main" w="9525">
+                  <a14:hiddenLine xmlns:a14="http://schemas.microsoft.com/office/drawing/2010/main" xmlns="" w="9525">
                     <a:solidFill>
                       <a:srgbClr val="000000"/>
                     </a:solidFill>
@@ -12520,7 +13545,7 @@
               </a:ln>
               <a:extLst>
                 <a:ext uri="{91240B29-F687-4f45-9708-019B960494DF}">
-                  <a14:hiddenLine xmlns="" xmlns:a14="http://schemas.microsoft.com/office/drawing/2010/main" w="9525">
+                  <a14:hiddenLine xmlns:a14="http://schemas.microsoft.com/office/drawing/2010/main" xmlns="" w="9525">
                     <a:solidFill>
                       <a:srgbClr val="000000"/>
                     </a:solidFill>
@@ -12585,7 +13610,7 @@
               </a:ln>
               <a:extLst>
                 <a:ext uri="{91240B29-F687-4f45-9708-019B960494DF}">
-                  <a14:hiddenLine xmlns="" xmlns:a14="http://schemas.microsoft.com/office/drawing/2010/main" w="9525">
+                  <a14:hiddenLine xmlns:a14="http://schemas.microsoft.com/office/drawing/2010/main" xmlns="" w="9525">
                     <a:solidFill>
                       <a:srgbClr val="000000"/>
                     </a:solidFill>
@@ -12675,7 +13700,7 @@
               </a:ln>
               <a:extLst>
                 <a:ext uri="{91240B29-F687-4f45-9708-019B960494DF}">
-                  <a14:hiddenLine xmlns="" xmlns:a14="http://schemas.microsoft.com/office/drawing/2010/main" w="9525">
+                  <a14:hiddenLine xmlns:a14="http://schemas.microsoft.com/office/drawing/2010/main" xmlns="" w="9525">
                     <a:solidFill>
                       <a:srgbClr val="000000"/>
                     </a:solidFill>
@@ -12737,7 +13762,7 @@
               </a:ln>
               <a:extLst>
                 <a:ext uri="{91240B29-F687-4f45-9708-019B960494DF}">
-                  <a14:hiddenLine xmlns="" xmlns:a14="http://schemas.microsoft.com/office/drawing/2010/main" w="9525">
+                  <a14:hiddenLine xmlns:a14="http://schemas.microsoft.com/office/drawing/2010/main" xmlns="" w="9525">
                     <a:solidFill>
                       <a:srgbClr val="000000"/>
                     </a:solidFill>
@@ -12827,7 +13852,7 @@
               </a:ln>
               <a:extLst>
                 <a:ext uri="{91240B29-F687-4f45-9708-019B960494DF}">
-                  <a14:hiddenLine xmlns="" xmlns:a14="http://schemas.microsoft.com/office/drawing/2010/main" w="9525">
+                  <a14:hiddenLine xmlns:a14="http://schemas.microsoft.com/office/drawing/2010/main" xmlns="" w="9525">
                     <a:solidFill>
                       <a:srgbClr val="000000"/>
                     </a:solidFill>
@@ -12892,7 +13917,7 @@
               </a:ln>
               <a:extLst>
                 <a:ext uri="{91240B29-F687-4f45-9708-019B960494DF}">
-                  <a14:hiddenLine xmlns="" xmlns:a14="http://schemas.microsoft.com/office/drawing/2010/main" w="9525">
+                  <a14:hiddenLine xmlns:a14="http://schemas.microsoft.com/office/drawing/2010/main" xmlns="" w="9525">
                     <a:solidFill>
                       <a:srgbClr val="000000"/>
                     </a:solidFill>
@@ -12954,7 +13979,7 @@
               </a:ln>
               <a:extLst>
                 <a:ext uri="{91240B29-F687-4f45-9708-019B960494DF}">
-                  <a14:hiddenLine xmlns="" xmlns:a14="http://schemas.microsoft.com/office/drawing/2010/main" w="9525">
+                  <a14:hiddenLine xmlns:a14="http://schemas.microsoft.com/office/drawing/2010/main" xmlns="" w="9525">
                     <a:solidFill>
                       <a:srgbClr val="000000"/>
                     </a:solidFill>
@@ -13044,7 +14069,7 @@
               </a:ln>
               <a:extLst>
                 <a:ext uri="{91240B29-F687-4f45-9708-019B960494DF}">
-                  <a14:hiddenLine xmlns="" xmlns:a14="http://schemas.microsoft.com/office/drawing/2010/main" w="9525">
+                  <a14:hiddenLine xmlns:a14="http://schemas.microsoft.com/office/drawing/2010/main" xmlns="" w="9525">
                     <a:solidFill>
                       <a:srgbClr val="000000"/>
                     </a:solidFill>
@@ -13134,7 +14159,7 @@
               </a:ln>
               <a:extLst>
                 <a:ext uri="{91240B29-F687-4f45-9708-019B960494DF}">
-                  <a14:hiddenLine xmlns="" xmlns:a14="http://schemas.microsoft.com/office/drawing/2010/main" w="9525">
+                  <a14:hiddenLine xmlns:a14="http://schemas.microsoft.com/office/drawing/2010/main" xmlns="" w="9525">
                     <a:solidFill>
                       <a:srgbClr val="000000"/>
                     </a:solidFill>
@@ -13199,7 +14224,7 @@
               </a:ln>
               <a:extLst>
                 <a:ext uri="{91240B29-F687-4f45-9708-019B960494DF}">
-                  <a14:hiddenLine xmlns="" xmlns:a14="http://schemas.microsoft.com/office/drawing/2010/main" w="9525">
+                  <a14:hiddenLine xmlns:a14="http://schemas.microsoft.com/office/drawing/2010/main" xmlns="" w="9525">
                     <a:solidFill>
                       <a:srgbClr val="000000"/>
                     </a:solidFill>
@@ -13319,7 +14344,7 @@
               </a:ln>
               <a:extLst>
                 <a:ext uri="{91240B29-F687-4f45-9708-019B960494DF}">
-                  <a14:hiddenLine xmlns="" xmlns:a14="http://schemas.microsoft.com/office/drawing/2010/main" w="9525">
+                  <a14:hiddenLine xmlns:a14="http://schemas.microsoft.com/office/drawing/2010/main" xmlns="" w="9525">
                     <a:solidFill>
                       <a:srgbClr val="000000"/>
                     </a:solidFill>
@@ -13400,7 +14425,7 @@
               </a:ln>
               <a:extLst>
                 <a:ext uri="{91240B29-F687-4f45-9708-019B960494DF}">
-                  <a14:hiddenLine xmlns="" xmlns:a14="http://schemas.microsoft.com/office/drawing/2010/main" w="9525">
+                  <a14:hiddenLine xmlns:a14="http://schemas.microsoft.com/office/drawing/2010/main" xmlns="" w="9525">
                     <a:solidFill>
                       <a:srgbClr val="000000"/>
                     </a:solidFill>
@@ -13515,7 +14540,7 @@
               </a:ln>
               <a:extLst>
                 <a:ext uri="{91240B29-F687-4f45-9708-019B960494DF}">
-                  <a14:hiddenLine xmlns="" xmlns:a14="http://schemas.microsoft.com/office/drawing/2010/main" w="9525">
+                  <a14:hiddenLine xmlns:a14="http://schemas.microsoft.com/office/drawing/2010/main" xmlns="" w="9525">
                     <a:solidFill>
                       <a:srgbClr val="000000"/>
                     </a:solidFill>
@@ -13605,7 +14630,7 @@
               </a:ln>
               <a:extLst>
                 <a:ext uri="{91240B29-F687-4f45-9708-019B960494DF}">
-                  <a14:hiddenLine xmlns="" xmlns:a14="http://schemas.microsoft.com/office/drawing/2010/main" w="9525">
+                  <a14:hiddenLine xmlns:a14="http://schemas.microsoft.com/office/drawing/2010/main" xmlns="" w="9525">
                     <a:solidFill>
                       <a:srgbClr val="000000"/>
                     </a:solidFill>
@@ -13670,7 +14695,7 @@
               </a:ln>
               <a:extLst>
                 <a:ext uri="{91240B29-F687-4f45-9708-019B960494DF}">
-                  <a14:hiddenLine xmlns="" xmlns:a14="http://schemas.microsoft.com/office/drawing/2010/main" w="9525">
+                  <a14:hiddenLine xmlns:a14="http://schemas.microsoft.com/office/drawing/2010/main" xmlns="" w="9525">
                     <a:solidFill>
                       <a:srgbClr val="000000"/>
                     </a:solidFill>
@@ -13760,7 +14785,7 @@
               </a:ln>
               <a:extLst>
                 <a:ext uri="{91240B29-F687-4f45-9708-019B960494DF}">
-                  <a14:hiddenLine xmlns="" xmlns:a14="http://schemas.microsoft.com/office/drawing/2010/main" w="9525">
+                  <a14:hiddenLine xmlns:a14="http://schemas.microsoft.com/office/drawing/2010/main" xmlns="" w="9525">
                     <a:solidFill>
                       <a:srgbClr val="000000"/>
                     </a:solidFill>
@@ -13828,7 +14853,7 @@
               </a:ln>
               <a:extLst>
                 <a:ext uri="{91240B29-F687-4f45-9708-019B960494DF}">
-                  <a14:hiddenLine xmlns="" xmlns:a14="http://schemas.microsoft.com/office/drawing/2010/main" w="9525">
+                  <a14:hiddenLine xmlns:a14="http://schemas.microsoft.com/office/drawing/2010/main" xmlns="" w="9525">
                     <a:solidFill>
                       <a:srgbClr val="000000"/>
                     </a:solidFill>
@@ -13918,7 +14943,7 @@
               </a:ln>
               <a:extLst>
                 <a:ext uri="{91240B29-F687-4f45-9708-019B960494DF}">
-                  <a14:hiddenLine xmlns="" xmlns:a14="http://schemas.microsoft.com/office/drawing/2010/main" w="9525">
+                  <a14:hiddenLine xmlns:a14="http://schemas.microsoft.com/office/drawing/2010/main" xmlns="" w="9525">
                     <a:solidFill>
                       <a:srgbClr val="000000"/>
                     </a:solidFill>
@@ -13986,7 +15011,7 @@
               </a:ln>
               <a:extLst>
                 <a:ext uri="{91240B29-F687-4f45-9708-019B960494DF}">
-                  <a14:hiddenLine xmlns="" xmlns:a14="http://schemas.microsoft.com/office/drawing/2010/main" w="9525">
+                  <a14:hiddenLine xmlns:a14="http://schemas.microsoft.com/office/drawing/2010/main" xmlns="" w="9525">
                     <a:solidFill>
                       <a:srgbClr val="000000"/>
                     </a:solidFill>
@@ -14076,7 +15101,7 @@
               </a:ln>
               <a:extLst>
                 <a:ext uri="{91240B29-F687-4f45-9708-019B960494DF}">
-                  <a14:hiddenLine xmlns="" xmlns:a14="http://schemas.microsoft.com/office/drawing/2010/main" w="9525">
+                  <a14:hiddenLine xmlns:a14="http://schemas.microsoft.com/office/drawing/2010/main" xmlns="" w="9525">
                     <a:solidFill>
                       <a:srgbClr val="000000"/>
                     </a:solidFill>
@@ -14110,7 +15135,7 @@
               </a:ln>
               <a:extLst>
                 <a:ext uri="{91240B29-F687-4f45-9708-019B960494DF}">
-                  <a14:hiddenLine xmlns="" xmlns:a14="http://schemas.microsoft.com/office/drawing/2010/main" w="9525">
+                  <a14:hiddenLine xmlns:a14="http://schemas.microsoft.com/office/drawing/2010/main" xmlns="" w="9525">
                     <a:solidFill>
                       <a:srgbClr val="000000"/>
                     </a:solidFill>
@@ -14250,7 +15275,7 @@
           <a:p>
             <a:fld id="{23A2EE42-8222-486F-A514-5A23D68216E1}" type="datetimeFigureOut">
               <a:rPr lang="tr-TR" smtClean="0"/>
-              <a:t>28.03.2025</a:t>
+              <a:t>4.04.2025</a:t>
             </a:fld>
             <a:endParaRPr lang="tr-TR" dirty="0"/>
           </a:p>
@@ -14687,27 +15712,7 @@
           <a:p>
             <a:r>
               <a:rPr lang="tr-TR" dirty="0" smtClean="0"/>
-              <a:t>Parellel</a:t>
-            </a:r>
-            <a:r>
-              <a:rPr lang="tr-TR" dirty="0" smtClean="0"/>
-              <a:t> </a:t>
-            </a:r>
-            <a:r>
-              <a:rPr lang="tr-TR" dirty="0" smtClean="0"/>
-              <a:t>programmıng</a:t>
-            </a:r>
-            <a:r>
-              <a:rPr lang="tr-TR" dirty="0" smtClean="0"/>
-              <a:t> test </a:t>
-            </a:r>
-            <a:r>
-              <a:rPr lang="tr-TR" dirty="0" smtClean="0"/>
-              <a:t>results</a:t>
-            </a:r>
-            <a:r>
-              <a:rPr lang="tr-TR" dirty="0" smtClean="0"/>
-              <a:t> - </a:t>
+              <a:t>Parellel programmıng test results - </a:t>
             </a:r>
             <a:r>
               <a:rPr lang="tr-TR" dirty="0" smtClean="0">
@@ -14715,23 +15720,7 @@
                   <a:srgbClr val="FF0000"/>
                 </a:solidFill>
               </a:rPr>
-              <a:t>Threads</a:t>
-            </a:r>
-            <a:r>
-              <a:rPr lang="tr-TR" dirty="0" smtClean="0">
-                <a:solidFill>
-                  <a:srgbClr val="FF0000"/>
-                </a:solidFill>
-              </a:rPr>
-              <a:t> vs. </a:t>
-            </a:r>
-            <a:r>
-              <a:rPr lang="tr-TR" dirty="0" smtClean="0">
-                <a:solidFill>
-                  <a:srgbClr val="FF0000"/>
-                </a:solidFill>
-              </a:rPr>
-              <a:t>mpı</a:t>
+              <a:t>Threads vs. mpı</a:t>
             </a:r>
             <a:endParaRPr lang="tr-TR" dirty="0">
               <a:solidFill>
@@ -14764,31 +15753,7 @@
           <a:p>
             <a:r>
               <a:rPr lang="tr-TR" dirty="0" smtClean="0"/>
-              <a:t>-12 </a:t>
-            </a:r>
-            <a:r>
-              <a:rPr lang="tr-TR" dirty="0" smtClean="0"/>
-              <a:t>threads</a:t>
-            </a:r>
-            <a:r>
-              <a:rPr lang="tr-TR" dirty="0" smtClean="0"/>
-              <a:t> (</a:t>
-            </a:r>
-            <a:r>
-              <a:rPr lang="tr-TR" dirty="0" smtClean="0"/>
-              <a:t>hyper</a:t>
-            </a:r>
-            <a:r>
-              <a:rPr lang="tr-TR" dirty="0" smtClean="0"/>
-              <a:t> </a:t>
-            </a:r>
-            <a:r>
-              <a:rPr lang="tr-TR" dirty="0" smtClean="0"/>
-              <a:t>threadıng</a:t>
-            </a:r>
-            <a:r>
-              <a:rPr lang="tr-TR" dirty="0" smtClean="0"/>
-              <a:t>)</a:t>
+              <a:t>-12 threads (hyper threadıng)</a:t>
             </a:r>
             <a:endParaRPr lang="tr-TR" dirty="0"/>
           </a:p>
@@ -14870,31 +15835,7 @@
           <a:p>
             <a:r>
               <a:rPr lang="tr-TR" dirty="0" smtClean="0"/>
-              <a:t>Box </a:t>
-            </a:r>
-            <a:r>
-              <a:rPr lang="tr-TR" dirty="0" smtClean="0"/>
-              <a:t>blur</a:t>
-            </a:r>
-            <a:r>
-              <a:rPr lang="tr-TR" dirty="0" smtClean="0"/>
-              <a:t> </a:t>
-            </a:r>
-            <a:r>
-              <a:rPr lang="tr-TR" dirty="0" smtClean="0"/>
-              <a:t>wıth</a:t>
-            </a:r>
-            <a:r>
-              <a:rPr lang="tr-TR" dirty="0" smtClean="0"/>
-              <a:t> </a:t>
-            </a:r>
-            <a:r>
-              <a:rPr lang="tr-TR" dirty="0" smtClean="0"/>
-              <a:t>kernel</a:t>
-            </a:r>
-            <a:r>
-              <a:rPr lang="tr-TR" dirty="0" smtClean="0"/>
-              <a:t> - </a:t>
+              <a:t>Box blur wıth kernel - </a:t>
             </a:r>
             <a:r>
               <a:rPr lang="tr-TR" dirty="0" smtClean="0">
@@ -14940,23 +15881,7 @@
             </a:pPr>
             <a:r>
               <a:rPr lang="tr-TR" dirty="0" smtClean="0"/>
-              <a:t>Shared</a:t>
-            </a:r>
-            <a:r>
-              <a:rPr lang="tr-TR" dirty="0" smtClean="0"/>
-              <a:t> </a:t>
-            </a:r>
-            <a:r>
-              <a:rPr lang="tr-TR" dirty="0" smtClean="0"/>
-              <a:t>memory</a:t>
-            </a:r>
-            <a:r>
-              <a:rPr lang="tr-TR" dirty="0" smtClean="0"/>
-              <a:t> </a:t>
-            </a:r>
-            <a:r>
-              <a:rPr lang="tr-TR" dirty="0" smtClean="0"/>
-              <a:t>space</a:t>
+              <a:t>Shared memory space</a:t>
             </a:r>
             <a:endParaRPr lang="tr-TR" dirty="0"/>
           </a:p>
@@ -14967,49 +15892,8 @@
             </a:pPr>
             <a:r>
               <a:rPr lang="tr-TR" dirty="0" smtClean="0"/>
-              <a:t>Sycronization</a:t>
+              <a:t>Sycronization issues on writing to same place</a:t>
             </a:r>
-            <a:r>
-              <a:rPr lang="tr-TR" dirty="0" smtClean="0"/>
-              <a:t> </a:t>
-            </a:r>
-            <a:r>
-              <a:rPr lang="tr-TR" dirty="0" smtClean="0"/>
-              <a:t>issues</a:t>
-            </a:r>
-            <a:r>
-              <a:rPr lang="tr-TR" dirty="0" smtClean="0"/>
-              <a:t> on </a:t>
-            </a:r>
-            <a:r>
-              <a:rPr lang="tr-TR" dirty="0" smtClean="0"/>
-              <a:t>writing</a:t>
-            </a:r>
-            <a:r>
-              <a:rPr lang="tr-TR" dirty="0" smtClean="0"/>
-              <a:t> </a:t>
-            </a:r>
-            <a:r>
-              <a:rPr lang="tr-TR" dirty="0" smtClean="0"/>
-              <a:t>to</a:t>
-            </a:r>
-            <a:r>
-              <a:rPr lang="tr-TR" dirty="0" smtClean="0"/>
-              <a:t> </a:t>
-            </a:r>
-            <a:r>
-              <a:rPr lang="tr-TR" dirty="0" smtClean="0"/>
-              <a:t>same</a:t>
-            </a:r>
-            <a:r>
-              <a:rPr lang="tr-TR" dirty="0" smtClean="0"/>
-              <a:t> </a:t>
-            </a:r>
-            <a:r>
-              <a:rPr lang="tr-TR" dirty="0" smtClean="0"/>
-              <a:t>place</a:t>
-            </a:r>
-            <a:endParaRPr lang="tr-TR" dirty="0" smtClean="0"/>
           </a:p>
           <a:p>
             <a:pPr marL="285750" indent="-285750">
@@ -15018,43 +15902,7 @@
             </a:pPr>
             <a:r>
               <a:rPr lang="tr-TR" dirty="0" smtClean="0"/>
-              <a:t>We</a:t>
-            </a:r>
-            <a:r>
-              <a:rPr lang="tr-TR" dirty="0" smtClean="0"/>
-              <a:t> </a:t>
-            </a:r>
-            <a:r>
-              <a:rPr lang="tr-TR" dirty="0" smtClean="0"/>
-              <a:t>need</a:t>
-            </a:r>
-            <a:r>
-              <a:rPr lang="tr-TR" dirty="0" smtClean="0"/>
-              <a:t> </a:t>
-            </a:r>
-            <a:r>
-              <a:rPr lang="tr-TR" dirty="0" smtClean="0"/>
-              <a:t>to</a:t>
-            </a:r>
-            <a:r>
-              <a:rPr lang="tr-TR" dirty="0" smtClean="0"/>
-              <a:t> </a:t>
-            </a:r>
-            <a:r>
-              <a:rPr lang="tr-TR" dirty="0" smtClean="0"/>
-              <a:t>consider</a:t>
-            </a:r>
-            <a:r>
-              <a:rPr lang="tr-TR" dirty="0" smtClean="0"/>
-              <a:t> </a:t>
-            </a:r>
-            <a:r>
-              <a:rPr lang="tr-TR" dirty="0" smtClean="0"/>
-              <a:t>core</a:t>
-            </a:r>
-            <a:r>
-              <a:rPr lang="tr-TR" dirty="0" smtClean="0"/>
-              <a:t> size</a:t>
+              <a:t>We need to consider core size</a:t>
             </a:r>
             <a:endParaRPr lang="tr-TR" dirty="0"/>
           </a:p>
@@ -15084,11 +15932,7 @@
           <a:p>
             <a:r>
               <a:rPr lang="tr-TR" dirty="0" smtClean="0"/>
-              <a:t>%50 </a:t>
-            </a:r>
-            <a:r>
-              <a:rPr lang="tr-TR" dirty="0" smtClean="0"/>
-              <a:t>faster</a:t>
+              <a:t>%50 faster</a:t>
             </a:r>
             <a:endParaRPr lang="tr-TR" dirty="0"/>
           </a:p>
@@ -15148,31 +15992,27 @@
           <a:p>
             <a:r>
               <a:rPr lang="tr-TR" dirty="0"/>
-              <a:t>Box </a:t>
+              <a:t>Box blur wıth </a:t>
             </a:r>
             <a:r>
-              <a:rPr lang="tr-TR" dirty="0"/>
-              <a:t>blur</a:t>
+              <a:rPr lang="tr-TR" dirty="0" err="1" smtClean="0"/>
+              <a:t>kernel</a:t>
             </a:r>
             <a:r>
-              <a:rPr lang="tr-TR" dirty="0"/>
-              <a:t> </a:t>
-            </a:r>
-            <a:r>
-              <a:rPr lang="tr-TR" dirty="0"/>
-              <a:t>wıth</a:t>
-            </a:r>
-            <a:r>
-              <a:rPr lang="tr-TR" dirty="0"/>
+              <a:rPr lang="tr-TR" dirty="0" smtClean="0"/>
               <a:t> </a:t>
             </a:r>
             <a:r>
               <a:rPr lang="tr-TR" dirty="0" smtClean="0"/>
-              <a:t>kernel</a:t>
+              <a:t>– </a:t>
             </a:r>
             <a:r>
-              <a:rPr lang="tr-TR" dirty="0" smtClean="0"/>
-              <a:t> - </a:t>
+              <a:rPr lang="tr-TR" dirty="0" err="1" smtClean="0">
+                <a:solidFill>
+                  <a:srgbClr val="FF0000"/>
+                </a:solidFill>
+              </a:rPr>
+              <a:t>Mpı</a:t>
             </a:r>
             <a:r>
               <a:rPr lang="tr-TR" dirty="0" smtClean="0">
@@ -15180,7 +16020,31 @@
                   <a:srgbClr val="FF0000"/>
                 </a:solidFill>
               </a:rPr>
-              <a:t>Mpı</a:t>
+              <a:t> – </a:t>
+            </a:r>
+            <a:r>
+              <a:rPr lang="tr-TR" dirty="0" err="1" smtClean="0">
+                <a:solidFill>
+                  <a:srgbClr val="FF0000"/>
+                </a:solidFill>
+              </a:rPr>
+              <a:t>Wrong</a:t>
+            </a:r>
+            <a:r>
+              <a:rPr lang="tr-TR" dirty="0" smtClean="0">
+                <a:solidFill>
+                  <a:srgbClr val="FF0000"/>
+                </a:solidFill>
+              </a:rPr>
+              <a:t> </a:t>
+            </a:r>
+            <a:r>
+              <a:rPr lang="tr-TR" dirty="0" err="1" smtClean="0">
+                <a:solidFill>
+                  <a:srgbClr val="FF0000"/>
+                </a:solidFill>
+              </a:rPr>
+              <a:t>tımer</a:t>
             </a:r>
             <a:endParaRPr lang="tr-TR" dirty="0">
               <a:solidFill>
@@ -15214,94 +16078,6 @@
       </p:graphicFrame>
       <p:sp>
         <p:nvSpPr>
-          <p:cNvPr id="6" name="Metin kutusu 5"/>
-          <p:cNvSpPr txBox="1"/>
-          <p:nvPr/>
-        </p:nvSpPr>
-        <p:spPr>
-          <a:xfrm>
-            <a:off x="7315921" y="646852"/>
-            <a:ext cx="3075709" cy="923330"/>
-          </a:xfrm>
-          <a:prstGeom prst="rect">
-            <a:avLst/>
-          </a:prstGeom>
-          <a:noFill/>
-        </p:spPr>
-        <p:txBody>
-          <a:bodyPr wrap="square" rtlCol="0">
-            <a:spAutoFit/>
-          </a:bodyPr>
-          <a:lstStyle/>
-          <a:p>
-            <a:pPr marL="285750" indent="-285750">
-              <a:buFont typeface="Arial" panose="020B0604020202020204" pitchFamily="34" charset="0"/>
-              <a:buChar char="•"/>
-            </a:pPr>
-            <a:r>
-              <a:rPr lang="tr-TR" dirty="0" smtClean="0"/>
-              <a:t>Distrubuted</a:t>
-            </a:r>
-            <a:r>
-              <a:rPr lang="tr-TR" dirty="0" smtClean="0"/>
-              <a:t> </a:t>
-            </a:r>
-            <a:r>
-              <a:rPr lang="tr-TR" dirty="0" smtClean="0"/>
-              <a:t>memory</a:t>
-            </a:r>
-            <a:endParaRPr lang="tr-TR" dirty="0" smtClean="0"/>
-          </a:p>
-          <a:p>
-            <a:pPr marL="285750" indent="-285750">
-              <a:buFont typeface="Arial" panose="020B0604020202020204" pitchFamily="34" charset="0"/>
-              <a:buChar char="•"/>
-            </a:pPr>
-            <a:r>
-              <a:rPr lang="tr-TR" dirty="0" smtClean="0"/>
-              <a:t>Communication</a:t>
-            </a:r>
-            <a:r>
-              <a:rPr lang="tr-TR" dirty="0" smtClean="0"/>
-              <a:t> </a:t>
-            </a:r>
-            <a:r>
-              <a:rPr lang="tr-TR" dirty="0" smtClean="0"/>
-              <a:t>cost</a:t>
-            </a:r>
-            <a:endParaRPr lang="tr-TR" dirty="0" smtClean="0"/>
-          </a:p>
-          <a:p>
-            <a:pPr marL="285750" indent="-285750">
-              <a:buFont typeface="Arial" panose="020B0604020202020204" pitchFamily="34" charset="0"/>
-              <a:buChar char="•"/>
-            </a:pPr>
-            <a:r>
-              <a:rPr lang="tr-TR" dirty="0" smtClean="0"/>
-              <a:t>Higher</a:t>
-            </a:r>
-            <a:r>
-              <a:rPr lang="tr-TR" dirty="0" smtClean="0"/>
-              <a:t> </a:t>
-            </a:r>
-            <a:r>
-              <a:rPr lang="tr-TR" dirty="0" smtClean="0"/>
-              <a:t>memory</a:t>
-            </a:r>
-            <a:r>
-              <a:rPr lang="tr-TR" dirty="0" smtClean="0"/>
-              <a:t> </a:t>
-            </a:r>
-            <a:r>
-              <a:rPr lang="tr-TR" dirty="0" smtClean="0"/>
-              <a:t>cost</a:t>
-            </a:r>
-            <a:endParaRPr lang="tr-TR" dirty="0"/>
-          </a:p>
-        </p:txBody>
-      </p:sp>
-      <p:sp>
-        <p:nvSpPr>
           <p:cNvPr id="8" name="Metin kutusu 7"/>
           <p:cNvSpPr txBox="1"/>
           <p:nvPr/>
@@ -15324,11 +16100,7 @@
           <a:p>
             <a:r>
               <a:rPr lang="tr-TR" dirty="0" smtClean="0"/>
-              <a:t>%78 </a:t>
-            </a:r>
-            <a:r>
-              <a:rPr lang="tr-TR" dirty="0" smtClean="0"/>
-              <a:t>faster</a:t>
+              <a:t>%78 faster</a:t>
             </a:r>
             <a:endParaRPr lang="tr-TR" dirty="0"/>
           </a:p>
@@ -15355,6 +16127,205 @@
 </file>
 
 <file path=ppt/slides/slide4.xml><?xml version="1.0" encoding="utf-8"?>
+<p:sld xmlns:a="http://schemas.openxmlformats.org/drawingml/2006/main" xmlns:r="http://schemas.openxmlformats.org/officeDocument/2006/relationships" xmlns:p="http://schemas.openxmlformats.org/presentationml/2006/main">
+  <p:cSld>
+    <p:spTree>
+      <p:nvGrpSpPr>
+        <p:cNvPr id="1" name=""/>
+        <p:cNvGrpSpPr/>
+        <p:nvPr/>
+      </p:nvGrpSpPr>
+      <p:grpSpPr>
+        <a:xfrm>
+          <a:off x="0" y="0"/>
+          <a:ext cx="0" cy="0"/>
+          <a:chOff x="0" y="0"/>
+          <a:chExt cx="0" cy="0"/>
+        </a:xfrm>
+      </p:grpSpPr>
+      <p:sp>
+        <p:nvSpPr>
+          <p:cNvPr id="2" name="Unvan 1"/>
+          <p:cNvSpPr>
+            <a:spLocks noGrp="1"/>
+          </p:cNvSpPr>
+          <p:nvPr>
+            <p:ph type="title"/>
+          </p:nvPr>
+        </p:nvSpPr>
+        <p:spPr/>
+        <p:txBody>
+          <a:bodyPr/>
+          <a:lstStyle/>
+          <a:p>
+            <a:r>
+              <a:rPr lang="tr-TR" dirty="0"/>
+              <a:t>Box </a:t>
+            </a:r>
+            <a:r>
+              <a:rPr lang="tr-TR" dirty="0" err="1"/>
+              <a:t>blur</a:t>
+            </a:r>
+            <a:r>
+              <a:rPr lang="tr-TR" dirty="0"/>
+              <a:t> </a:t>
+            </a:r>
+            <a:r>
+              <a:rPr lang="tr-TR" dirty="0" err="1"/>
+              <a:t>wıth</a:t>
+            </a:r>
+            <a:r>
+              <a:rPr lang="tr-TR" dirty="0"/>
+              <a:t> </a:t>
+            </a:r>
+            <a:r>
+              <a:rPr lang="tr-TR" dirty="0" err="1"/>
+              <a:t>kernel</a:t>
+            </a:r>
+            <a:r>
+              <a:rPr lang="tr-TR" dirty="0"/>
+              <a:t> </a:t>
+            </a:r>
+            <a:r>
+              <a:rPr lang="tr-TR" dirty="0" smtClean="0"/>
+              <a:t>– </a:t>
+            </a:r>
+            <a:r>
+              <a:rPr lang="tr-TR" dirty="0" err="1" smtClean="0">
+                <a:solidFill>
+                  <a:srgbClr val="FF0000"/>
+                </a:solidFill>
+              </a:rPr>
+              <a:t>Mpı</a:t>
+            </a:r>
+            <a:endParaRPr lang="tr-TR" dirty="0"/>
+          </a:p>
+        </p:txBody>
+      </p:sp>
+      <p:graphicFrame>
+        <p:nvGraphicFramePr>
+          <p:cNvPr id="5" name="Grafik 4"/>
+          <p:cNvGraphicFramePr/>
+          <p:nvPr>
+            <p:extLst>
+              <p:ext uri="{D42A27DB-BD31-4B8C-83A1-F6EECF244321}">
+                <p14:modId xmlns:p14="http://schemas.microsoft.com/office/powerpoint/2010/main" val="1900875943"/>
+              </p:ext>
+            </p:extLst>
+          </p:nvPr>
+        </p:nvGraphicFramePr>
+        <p:xfrm>
+          <a:off x="2032000" y="1607128"/>
+          <a:ext cx="8128000" cy="4531206"/>
+        </p:xfrm>
+        <a:graphic>
+          <a:graphicData uri="http://schemas.openxmlformats.org/drawingml/2006/chart">
+            <c:chart xmlns:c="http://schemas.openxmlformats.org/drawingml/2006/chart" xmlns:r="http://schemas.openxmlformats.org/officeDocument/2006/relationships" r:id="rId3"/>
+          </a:graphicData>
+        </a:graphic>
+      </p:graphicFrame>
+      <p:sp>
+        <p:nvSpPr>
+          <p:cNvPr id="6" name="Metin kutusu 5"/>
+          <p:cNvSpPr txBox="1"/>
+          <p:nvPr/>
+        </p:nvSpPr>
+        <p:spPr>
+          <a:xfrm>
+            <a:off x="3232728" y="4002040"/>
+            <a:ext cx="1403926" cy="369332"/>
+          </a:xfrm>
+          <a:prstGeom prst="rect">
+            <a:avLst/>
+          </a:prstGeom>
+          <a:noFill/>
+        </p:spPr>
+        <p:txBody>
+          <a:bodyPr wrap="square" rtlCol="0">
+            <a:spAutoFit/>
+          </a:bodyPr>
+          <a:lstStyle/>
+          <a:p>
+            <a:r>
+              <a:rPr lang="tr-TR" dirty="0" smtClean="0"/>
+              <a:t>%61 </a:t>
+            </a:r>
+            <a:r>
+              <a:rPr lang="tr-TR" dirty="0" err="1" smtClean="0"/>
+              <a:t>faster</a:t>
+            </a:r>
+            <a:endParaRPr lang="tr-TR" dirty="0"/>
+          </a:p>
+        </p:txBody>
+      </p:sp>
+      <p:sp>
+        <p:nvSpPr>
+          <p:cNvPr id="8" name="Metin kutusu 7"/>
+          <p:cNvSpPr txBox="1"/>
+          <p:nvPr/>
+        </p:nvSpPr>
+        <p:spPr>
+          <a:xfrm>
+            <a:off x="7315921" y="646852"/>
+            <a:ext cx="3075709" cy="923330"/>
+          </a:xfrm>
+          <a:prstGeom prst="rect">
+            <a:avLst/>
+          </a:prstGeom>
+          <a:noFill/>
+        </p:spPr>
+        <p:txBody>
+          <a:bodyPr wrap="square" rtlCol="0">
+            <a:spAutoFit/>
+          </a:bodyPr>
+          <a:lstStyle/>
+          <a:p>
+            <a:pPr marL="285750" indent="-285750">
+              <a:buFont typeface="Arial" panose="020B0604020202020204" pitchFamily="34" charset="0"/>
+              <a:buChar char="•"/>
+            </a:pPr>
+            <a:r>
+              <a:rPr lang="tr-TR" dirty="0" smtClean="0"/>
+              <a:t>Distrubuted memory</a:t>
+            </a:r>
+          </a:p>
+          <a:p>
+            <a:pPr marL="285750" indent="-285750">
+              <a:buFont typeface="Arial" panose="020B0604020202020204" pitchFamily="34" charset="0"/>
+              <a:buChar char="•"/>
+            </a:pPr>
+            <a:r>
+              <a:rPr lang="tr-TR" dirty="0" smtClean="0"/>
+              <a:t>Communication cost</a:t>
+            </a:r>
+          </a:p>
+          <a:p>
+            <a:pPr marL="285750" indent="-285750">
+              <a:buFont typeface="Arial" panose="020B0604020202020204" pitchFamily="34" charset="0"/>
+              <a:buChar char="•"/>
+            </a:pPr>
+            <a:r>
+              <a:rPr lang="tr-TR" dirty="0" smtClean="0"/>
+              <a:t>Higher memory cost</a:t>
+            </a:r>
+            <a:endParaRPr lang="tr-TR" dirty="0"/>
+          </a:p>
+        </p:txBody>
+      </p:sp>
+    </p:spTree>
+    <p:extLst>
+      <p:ext uri="{BB962C8B-B14F-4D97-AF65-F5344CB8AC3E}">
+        <p14:creationId xmlns:p14="http://schemas.microsoft.com/office/powerpoint/2010/main" val="503372538"/>
+      </p:ext>
+    </p:extLst>
+  </p:cSld>
+  <p:clrMapOvr>
+    <a:masterClrMapping/>
+  </p:clrMapOvr>
+</p:sld>
+</file>
+
+<file path=ppt/slides/slide5.xml><?xml version="1.0" encoding="utf-8"?>
 <p:sld xmlns:a="http://schemas.openxmlformats.org/drawingml/2006/main" xmlns:r="http://schemas.openxmlformats.org/officeDocument/2006/relationships" xmlns:p="http://schemas.openxmlformats.org/presentationml/2006/main">
   <p:cSld>
     <p:spTree>
@@ -15451,7 +16422,7 @@
 </p:sld>
 </file>
 
-<file path=ppt/slides/slide5.xml><?xml version="1.0" encoding="utf-8"?>
+<file path=ppt/slides/slide6.xml><?xml version="1.0" encoding="utf-8"?>
 <p:sld xmlns:a="http://schemas.openxmlformats.org/drawingml/2006/main" xmlns:r="http://schemas.openxmlformats.org/officeDocument/2006/relationships" xmlns:p="http://schemas.openxmlformats.org/presentationml/2006/main">
   <p:cSld>
     <p:spTree>
@@ -15485,19 +16456,7 @@
           <a:p>
             <a:r>
               <a:rPr lang="tr-TR" dirty="0"/>
-              <a:t>Summary</a:t>
-            </a:r>
-            <a:r>
-              <a:rPr lang="tr-TR" dirty="0"/>
-              <a:t> of </a:t>
-            </a:r>
-            <a:r>
-              <a:rPr lang="tr-TR" dirty="0"/>
-              <a:t>Key</a:t>
-            </a:r>
-            <a:r>
-              <a:rPr lang="tr-TR" dirty="0"/>
-              <a:t> </a:t>
+              <a:t>Summary of Key </a:t>
             </a:r>
             <a:r>
               <a:rPr lang="tr-TR" dirty="0" smtClean="0"/>
@@ -15620,11 +16579,7 @@
             </a:r>
             <a:r>
               <a:rPr lang="tr-TR" dirty="0" smtClean="0"/>
-              <a:t>clusters</a:t>
-            </a:r>
-            <a:r>
-              <a:rPr lang="tr-TR" dirty="0" smtClean="0"/>
-              <a:t>.</a:t>
+              <a:t>clusters.</a:t>
             </a:r>
             <a:endParaRPr lang="tr-TR" dirty="0"/>
           </a:p>
@@ -15728,11 +16683,11 @@
   <p:clrMapOvr>
     <a:masterClrMapping/>
   </p:clrMapOvr>
-  <mc:AlternateContent xmlns:mc="http://schemas.openxmlformats.org/markup-compatibility/2006">
-    <mc:Choice xmlns:p14="http://schemas.microsoft.com/office/powerpoint/2010/main" Requires="p14">
+  <mc:AlternateContent xmlns:mc="http://schemas.openxmlformats.org/markup-compatibility/2006" xmlns:p14="http://schemas.microsoft.com/office/powerpoint/2010/main">
+    <mc:Choice Requires="p14">
       <p:transition spd="slow" p14:dur="2000"/>
     </mc:Choice>
-    <mc:Fallback>
+    <mc:Fallback xmlns="">
       <p:transition spd="slow"/>
     </mc:Fallback>
   </mc:AlternateContent>
@@ -15746,7 +16701,7 @@
 </p:sld>
 </file>
 
-<file path=ppt/slides/slide6.xml><?xml version="1.0" encoding="utf-8"?>
+<file path=ppt/slides/slide7.xml><?xml version="1.0" encoding="utf-8"?>
 <p:sld xmlns:a="http://schemas.openxmlformats.org/drawingml/2006/main" xmlns:r="http://schemas.openxmlformats.org/officeDocument/2006/relationships" xmlns:p="http://schemas.openxmlformats.org/presentationml/2006/main">
   <p:cSld>
     <p:spTree>
